--- a/SAMSUNG_STS_2019.pptx
+++ b/SAMSUNG_STS_2019.pptx
@@ -22,6 +22,7 @@
     <p:sldId id="266" r:id="rId15"/>
     <p:sldId id="267" r:id="rId16"/>
     <p:sldId id="268" r:id="rId17"/>
+    <p:sldId id="269" r:id="rId18"/>
   </p:sldIdLst>
   <p:sldSz cx="12192000" cy="6858000"/>
   <p:notesSz cx="6858000" cy="9144000"/>
@@ -47,7 +48,7 @@
       </p:grpSpPr>
       <p:sp>
         <p:nvSpPr>
-          <p:cNvPr id="96" name="PlaceHolder 1"/>
+          <p:cNvPr id="90" name="PlaceHolder 1"/>
           <p:cNvSpPr>
             <a:spLocks noGrp="1"/>
           </p:cNvSpPr>
@@ -69,27 +70,22 @@
             <a:noAutofit/>
           </a:bodyPr>
           <a:p>
-            <a:r>
-              <a:rPr b="0" lang="ru-RU" sz="1800" spc="-1" strike="noStrike">
-                <a:solidFill>
-                  <a:srgbClr val="000000"/>
-                </a:solidFill>
-                <a:latin typeface="Calibri"/>
+            <a:pPr algn="ctr"/>
+            <a:r>
+              <a:rPr b="0" lang="en-US" sz="4400" spc="-1" strike="noStrike">
+                <a:latin typeface="Arial"/>
               </a:rPr>
               <a:t>Click to move the slide</a:t>
             </a:r>
-            <a:endParaRPr b="0" lang="ru-RU" sz="1800" spc="-1" strike="noStrike">
-              <a:solidFill>
-                <a:srgbClr val="000000"/>
-              </a:solidFill>
-              <a:latin typeface="Calibri"/>
-            </a:endParaRPr>
-          </a:p>
-        </p:txBody>
-      </p:sp>
-      <p:sp>
-        <p:nvSpPr>
-          <p:cNvPr id="97" name="PlaceHolder 2"/>
+            <a:endParaRPr b="0" lang="en-US" sz="4400" spc="-1" strike="noStrike">
+              <a:latin typeface="Arial"/>
+            </a:endParaRPr>
+          </a:p>
+        </p:txBody>
+      </p:sp>
+      <p:sp>
+        <p:nvSpPr>
+          <p:cNvPr id="91" name="PlaceHolder 2"/>
           <p:cNvSpPr>
             <a:spLocks noGrp="1"/>
           </p:cNvSpPr>
@@ -125,7 +121,7 @@
       </p:sp>
       <p:sp>
         <p:nvSpPr>
-          <p:cNvPr id="98" name="PlaceHolder 3"/>
+          <p:cNvPr id="92" name="PlaceHolder 3"/>
           <p:cNvSpPr>
             <a:spLocks noGrp="1"/>
           </p:cNvSpPr>
@@ -151,7 +147,7 @@
               <a:rPr b="0" lang="en-US" sz="1400" spc="-1" strike="noStrike">
                 <a:latin typeface="Times New Roman"/>
               </a:rPr>
-              <a:t> </a:t>
+              <a:t>&lt;header&gt;</a:t>
             </a:r>
             <a:endParaRPr b="0" lang="en-US" sz="1400" spc="-1" strike="noStrike">
               <a:latin typeface="Times New Roman"/>
@@ -161,7 +157,7 @@
       </p:sp>
       <p:sp>
         <p:nvSpPr>
-          <p:cNvPr id="99" name="PlaceHolder 4"/>
+          <p:cNvPr id="93" name="PlaceHolder 4"/>
           <p:cNvSpPr>
             <a:spLocks noGrp="1"/>
           </p:cNvSpPr>
@@ -188,7 +184,7 @@
               <a:rPr b="0" lang="en-US" sz="1400" spc="-1" strike="noStrike">
                 <a:latin typeface="Times New Roman"/>
               </a:rPr>
-              <a:t> </a:t>
+              <a:t>&lt;date/time&gt;</a:t>
             </a:r>
             <a:endParaRPr b="0" lang="en-US" sz="1400" spc="-1" strike="noStrike">
               <a:latin typeface="Times New Roman"/>
@@ -198,7 +194,7 @@
       </p:sp>
       <p:sp>
         <p:nvSpPr>
-          <p:cNvPr id="100" name="PlaceHolder 5"/>
+          <p:cNvPr id="94" name="PlaceHolder 5"/>
           <p:cNvSpPr>
             <a:spLocks noGrp="1"/>
           </p:cNvSpPr>
@@ -224,7 +220,7 @@
               <a:rPr b="0" lang="en-US" sz="1400" spc="-1" strike="noStrike">
                 <a:latin typeface="Times New Roman"/>
               </a:rPr>
-              <a:t> </a:t>
+              <a:t>&lt;footer&gt;</a:t>
             </a:r>
             <a:endParaRPr b="0" lang="en-US" sz="1400" spc="-1" strike="noStrike">
               <a:latin typeface="Times New Roman"/>
@@ -234,7 +230,7 @@
       </p:sp>
       <p:sp>
         <p:nvSpPr>
-          <p:cNvPr id="101" name="PlaceHolder 6"/>
+          <p:cNvPr id="95" name="PlaceHolder 6"/>
           <p:cNvSpPr>
             <a:spLocks noGrp="1"/>
           </p:cNvSpPr>
@@ -257,11 +253,11 @@
           </a:bodyPr>
           <a:p>
             <a:pPr algn="r"/>
-            <a:fld id="{618EF111-FA43-49BB-9567-CF8055BFB6B4}" type="slidenum">
+            <a:fld id="{4D777C86-07D6-46E9-AD3E-E3B895069EF6}" type="slidenum">
               <a:rPr b="0" lang="en-US" sz="1400" spc="-1" strike="noStrike">
                 <a:latin typeface="Times New Roman"/>
               </a:rPr>
-              <a:t>1</a:t>
+              <a:t>&lt;number&gt;</a:t>
             </a:fld>
             <a:endParaRPr b="0" lang="en-US" sz="1400" spc="-1" strike="noStrike">
               <a:latin typeface="Times New Roman"/>
@@ -305,7 +301,7 @@
         <p:spPr>
           <a:xfrm>
             <a:off x="685800" y="1143000"/>
-            <a:ext cx="5486040" cy="3085920"/>
+            <a:ext cx="5485320" cy="3085200"/>
           </a:xfrm>
           <a:prstGeom prst="rect">
             <a:avLst/>
@@ -325,14 +321,14 @@
         <p:spPr>
           <a:xfrm>
             <a:off x="685800" y="4400640"/>
-            <a:ext cx="5486040" cy="3600000"/>
-          </a:xfrm>
-          <a:prstGeom prst="rect">
-            <a:avLst/>
-          </a:prstGeom>
-        </p:spPr>
-        <p:txBody>
-          <a:bodyPr>
+            <a:ext cx="5485320" cy="3599280"/>
+          </a:xfrm>
+          <a:prstGeom prst="rect">
+            <a:avLst/>
+          </a:prstGeom>
+        </p:spPr>
+        <p:txBody>
+          <a:bodyPr lIns="0" rIns="0" tIns="0" bIns="0">
             <a:noAutofit/>
           </a:bodyPr>
           <a:p>
@@ -344,14 +340,14 @@
       </p:sp>
       <p:sp>
         <p:nvSpPr>
-          <p:cNvPr id="158" name="TextShape 3"/>
-          <p:cNvSpPr txBox="1"/>
+          <p:cNvPr id="158" name="CustomShape 3"/>
+          <p:cNvSpPr/>
           <p:nvPr/>
         </p:nvSpPr>
         <p:spPr>
           <a:xfrm>
             <a:off x="3884760" y="8685360"/>
-            <a:ext cx="2971440" cy="458280"/>
+            <a:ext cx="2970720" cy="457560"/>
           </a:xfrm>
           <a:prstGeom prst="rect">
             <a:avLst/>
@@ -361,8 +357,14 @@
             <a:noFill/>
           </a:ln>
         </p:spPr>
-        <p:txBody>
-          <a:bodyPr anchor="b">
+        <p:style>
+          <a:lnRef idx="0"/>
+          <a:fillRef idx="0"/>
+          <a:effectRef idx="0"/>
+          <a:fontRef idx="minor"/>
+        </p:style>
+        <p:txBody>
+          <a:bodyPr lIns="90000" rIns="90000" tIns="45000" bIns="45000" anchor="b">
             <a:noAutofit/>
           </a:bodyPr>
           <a:p>
@@ -371,7 +373,7 @@
                 <a:spcPct val="100000"/>
               </a:lnSpc>
             </a:pPr>
-            <a:fld id="{A002F702-3CF4-4998-A1A4-84B8D0DCA500}" type="slidenum">
+            <a:fld id="{06D374AD-9288-4DA4-A0A7-9BE5CEDF2163}" type="slidenum">
               <a:rPr b="0" lang="en-US" sz="1200" spc="-1" strike="noStrike">
                 <a:solidFill>
                   <a:srgbClr val="000000"/>
@@ -382,7 +384,7 @@
               <a:t>&lt;number&gt;</a:t>
             </a:fld>
             <a:endParaRPr b="0" lang="en-US" sz="1200" spc="-1" strike="noStrike">
-              <a:latin typeface="Times New Roman"/>
+              <a:latin typeface="Arial"/>
             </a:endParaRPr>
           </a:p>
         </p:txBody>
@@ -433,7 +435,7 @@
       </p:grpSpPr>
       <p:sp>
         <p:nvSpPr>
-          <p:cNvPr id="31" name="PlaceHolder 1"/>
+          <p:cNvPr id="28" name="PlaceHolder 1"/>
           <p:cNvSpPr>
             <a:spLocks noGrp="1"/>
           </p:cNvSpPr>
@@ -443,8 +445,8 @@
         </p:nvSpPr>
         <p:spPr>
           <a:xfrm>
-            <a:off x="4366800" y="2760480"/>
-            <a:ext cx="7607160" cy="1325160"/>
+            <a:off x="609480" y="273600"/>
+            <a:ext cx="10972440" cy="1144800"/>
           </a:xfrm>
           <a:prstGeom prst="rect">
             <a:avLst/>
@@ -455,18 +457,16 @@
             <a:spAutoFit/>
           </a:bodyPr>
           <a:p>
-            <a:endParaRPr b="0" lang="ru-RU" sz="1800" spc="-1" strike="noStrike">
-              <a:solidFill>
-                <a:srgbClr val="000000"/>
-              </a:solidFill>
-              <a:latin typeface="Calibri"/>
-            </a:endParaRPr>
-          </a:p>
-        </p:txBody>
-      </p:sp>
-      <p:sp>
-        <p:nvSpPr>
-          <p:cNvPr id="32" name="PlaceHolder 2"/>
+            <a:pPr algn="ctr"/>
+            <a:endParaRPr b="0" lang="en-US" sz="4400" spc="-1" strike="noStrike">
+              <a:latin typeface="Arial"/>
+            </a:endParaRPr>
+          </a:p>
+        </p:txBody>
+      </p:sp>
+      <p:sp>
+        <p:nvSpPr>
+          <p:cNvPr id="29" name="PlaceHolder 2"/>
           <p:cNvSpPr>
             <a:spLocks noGrp="1"/>
           </p:cNvSpPr>
@@ -488,18 +488,15 @@
             <a:normAutofit/>
           </a:bodyPr>
           <a:p>
-            <a:endParaRPr b="0" lang="ru-RU" sz="2800" spc="-1" strike="noStrike">
-              <a:solidFill>
-                <a:srgbClr val="000000"/>
-              </a:solidFill>
-              <a:latin typeface="Calibri"/>
-            </a:endParaRPr>
-          </a:p>
-        </p:txBody>
-      </p:sp>
-      <p:sp>
-        <p:nvSpPr>
-          <p:cNvPr id="33" name="PlaceHolder 3"/>
+            <a:endParaRPr b="0" lang="en-US" sz="3200" spc="-1" strike="noStrike">
+              <a:latin typeface="Arial"/>
+            </a:endParaRPr>
+          </a:p>
+        </p:txBody>
+      </p:sp>
+      <p:sp>
+        <p:nvSpPr>
+          <p:cNvPr id="30" name="PlaceHolder 3"/>
           <p:cNvSpPr>
             <a:spLocks noGrp="1"/>
           </p:cNvSpPr>
@@ -521,11 +518,8 @@
             <a:normAutofit/>
           </a:bodyPr>
           <a:p>
-            <a:endParaRPr b="0" lang="ru-RU" sz="2800" spc="-1" strike="noStrike">
-              <a:solidFill>
-                <a:srgbClr val="000000"/>
-              </a:solidFill>
-              <a:latin typeface="Calibri"/>
+            <a:endParaRPr b="0" lang="en-US" sz="3200" spc="-1" strike="noStrike">
+              <a:latin typeface="Arial"/>
             </a:endParaRPr>
           </a:p>
         </p:txBody>
@@ -554,7 +548,7 @@
       </p:grpSpPr>
       <p:sp>
         <p:nvSpPr>
-          <p:cNvPr id="34" name="PlaceHolder 1"/>
+          <p:cNvPr id="31" name="PlaceHolder 1"/>
           <p:cNvSpPr>
             <a:spLocks noGrp="1"/>
           </p:cNvSpPr>
@@ -564,8 +558,8 @@
         </p:nvSpPr>
         <p:spPr>
           <a:xfrm>
-            <a:off x="4366800" y="2760480"/>
-            <a:ext cx="7607160" cy="1325160"/>
+            <a:off x="609480" y="273600"/>
+            <a:ext cx="10972440" cy="1144800"/>
           </a:xfrm>
           <a:prstGeom prst="rect">
             <a:avLst/>
@@ -576,18 +570,16 @@
             <a:spAutoFit/>
           </a:bodyPr>
           <a:p>
-            <a:endParaRPr b="0" lang="ru-RU" sz="1800" spc="-1" strike="noStrike">
-              <a:solidFill>
-                <a:srgbClr val="000000"/>
-              </a:solidFill>
-              <a:latin typeface="Calibri"/>
-            </a:endParaRPr>
-          </a:p>
-        </p:txBody>
-      </p:sp>
-      <p:sp>
-        <p:nvSpPr>
-          <p:cNvPr id="35" name="PlaceHolder 2"/>
+            <a:pPr algn="ctr"/>
+            <a:endParaRPr b="0" lang="en-US" sz="4400" spc="-1" strike="noStrike">
+              <a:latin typeface="Arial"/>
+            </a:endParaRPr>
+          </a:p>
+        </p:txBody>
+      </p:sp>
+      <p:sp>
+        <p:nvSpPr>
+          <p:cNvPr id="32" name="PlaceHolder 2"/>
           <p:cNvSpPr>
             <a:spLocks noGrp="1"/>
           </p:cNvSpPr>
@@ -609,18 +601,15 @@
             <a:normAutofit/>
           </a:bodyPr>
           <a:p>
-            <a:endParaRPr b="0" lang="ru-RU" sz="2800" spc="-1" strike="noStrike">
-              <a:solidFill>
-                <a:srgbClr val="000000"/>
-              </a:solidFill>
-              <a:latin typeface="Calibri"/>
-            </a:endParaRPr>
-          </a:p>
-        </p:txBody>
-      </p:sp>
-      <p:sp>
-        <p:nvSpPr>
-          <p:cNvPr id="36" name="PlaceHolder 3"/>
+            <a:endParaRPr b="0" lang="en-US" sz="3200" spc="-1" strike="noStrike">
+              <a:latin typeface="Arial"/>
+            </a:endParaRPr>
+          </a:p>
+        </p:txBody>
+      </p:sp>
+      <p:sp>
+        <p:nvSpPr>
+          <p:cNvPr id="33" name="PlaceHolder 3"/>
           <p:cNvSpPr>
             <a:spLocks noGrp="1"/>
           </p:cNvSpPr>
@@ -642,18 +631,15 @@
             <a:normAutofit/>
           </a:bodyPr>
           <a:p>
-            <a:endParaRPr b="0" lang="ru-RU" sz="2800" spc="-1" strike="noStrike">
-              <a:solidFill>
-                <a:srgbClr val="000000"/>
-              </a:solidFill>
-              <a:latin typeface="Calibri"/>
-            </a:endParaRPr>
-          </a:p>
-        </p:txBody>
-      </p:sp>
-      <p:sp>
-        <p:nvSpPr>
-          <p:cNvPr id="37" name="PlaceHolder 4"/>
+            <a:endParaRPr b="0" lang="en-US" sz="3200" spc="-1" strike="noStrike">
+              <a:latin typeface="Arial"/>
+            </a:endParaRPr>
+          </a:p>
+        </p:txBody>
+      </p:sp>
+      <p:sp>
+        <p:nvSpPr>
+          <p:cNvPr id="34" name="PlaceHolder 4"/>
           <p:cNvSpPr>
             <a:spLocks noGrp="1"/>
           </p:cNvSpPr>
@@ -675,18 +661,15 @@
             <a:normAutofit/>
           </a:bodyPr>
           <a:p>
-            <a:endParaRPr b="0" lang="ru-RU" sz="2800" spc="-1" strike="noStrike">
-              <a:solidFill>
-                <a:srgbClr val="000000"/>
-              </a:solidFill>
-              <a:latin typeface="Calibri"/>
-            </a:endParaRPr>
-          </a:p>
-        </p:txBody>
-      </p:sp>
-      <p:sp>
-        <p:nvSpPr>
-          <p:cNvPr id="38" name="PlaceHolder 5"/>
+            <a:endParaRPr b="0" lang="en-US" sz="3200" spc="-1" strike="noStrike">
+              <a:latin typeface="Arial"/>
+            </a:endParaRPr>
+          </a:p>
+        </p:txBody>
+      </p:sp>
+      <p:sp>
+        <p:nvSpPr>
+          <p:cNvPr id="35" name="PlaceHolder 5"/>
           <p:cNvSpPr>
             <a:spLocks noGrp="1"/>
           </p:cNvSpPr>
@@ -708,11 +691,8 @@
             <a:normAutofit/>
           </a:bodyPr>
           <a:p>
-            <a:endParaRPr b="0" lang="ru-RU" sz="2800" spc="-1" strike="noStrike">
-              <a:solidFill>
-                <a:srgbClr val="000000"/>
-              </a:solidFill>
-              <a:latin typeface="Calibri"/>
+            <a:endParaRPr b="0" lang="en-US" sz="3200" spc="-1" strike="noStrike">
+              <a:latin typeface="Arial"/>
             </a:endParaRPr>
           </a:p>
         </p:txBody>
@@ -741,7 +721,7 @@
       </p:grpSpPr>
       <p:sp>
         <p:nvSpPr>
-          <p:cNvPr id="39" name="PlaceHolder 1"/>
+          <p:cNvPr id="36" name="PlaceHolder 1"/>
           <p:cNvSpPr>
             <a:spLocks noGrp="1"/>
           </p:cNvSpPr>
@@ -751,8 +731,8 @@
         </p:nvSpPr>
         <p:spPr>
           <a:xfrm>
-            <a:off x="4366800" y="2760480"/>
-            <a:ext cx="7607160" cy="1325160"/>
+            <a:off x="609480" y="273600"/>
+            <a:ext cx="10972440" cy="1144800"/>
           </a:xfrm>
           <a:prstGeom prst="rect">
             <a:avLst/>
@@ -763,18 +743,16 @@
             <a:spAutoFit/>
           </a:bodyPr>
           <a:p>
-            <a:endParaRPr b="0" lang="ru-RU" sz="1800" spc="-1" strike="noStrike">
-              <a:solidFill>
-                <a:srgbClr val="000000"/>
-              </a:solidFill>
-              <a:latin typeface="Calibri"/>
-            </a:endParaRPr>
-          </a:p>
-        </p:txBody>
-      </p:sp>
-      <p:sp>
-        <p:nvSpPr>
-          <p:cNvPr id="40" name="PlaceHolder 2"/>
+            <a:pPr algn="ctr"/>
+            <a:endParaRPr b="0" lang="en-US" sz="4400" spc="-1" strike="noStrike">
+              <a:latin typeface="Arial"/>
+            </a:endParaRPr>
+          </a:p>
+        </p:txBody>
+      </p:sp>
+      <p:sp>
+        <p:nvSpPr>
+          <p:cNvPr id="37" name="PlaceHolder 2"/>
           <p:cNvSpPr>
             <a:spLocks noGrp="1"/>
           </p:cNvSpPr>
@@ -796,18 +774,15 @@
             <a:normAutofit/>
           </a:bodyPr>
           <a:p>
-            <a:endParaRPr b="0" lang="ru-RU" sz="2800" spc="-1" strike="noStrike">
-              <a:solidFill>
-                <a:srgbClr val="000000"/>
-              </a:solidFill>
-              <a:latin typeface="Calibri"/>
-            </a:endParaRPr>
-          </a:p>
-        </p:txBody>
-      </p:sp>
-      <p:sp>
-        <p:nvSpPr>
-          <p:cNvPr id="41" name="PlaceHolder 3"/>
+            <a:endParaRPr b="0" lang="en-US" sz="3200" spc="-1" strike="noStrike">
+              <a:latin typeface="Arial"/>
+            </a:endParaRPr>
+          </a:p>
+        </p:txBody>
+      </p:sp>
+      <p:sp>
+        <p:nvSpPr>
+          <p:cNvPr id="38" name="PlaceHolder 3"/>
           <p:cNvSpPr>
             <a:spLocks noGrp="1"/>
           </p:cNvSpPr>
@@ -829,18 +804,15 @@
             <a:normAutofit/>
           </a:bodyPr>
           <a:p>
-            <a:endParaRPr b="0" lang="ru-RU" sz="2800" spc="-1" strike="noStrike">
-              <a:solidFill>
-                <a:srgbClr val="000000"/>
-              </a:solidFill>
-              <a:latin typeface="Calibri"/>
-            </a:endParaRPr>
-          </a:p>
-        </p:txBody>
-      </p:sp>
-      <p:sp>
-        <p:nvSpPr>
-          <p:cNvPr id="42" name="PlaceHolder 4"/>
+            <a:endParaRPr b="0" lang="en-US" sz="3200" spc="-1" strike="noStrike">
+              <a:latin typeface="Arial"/>
+            </a:endParaRPr>
+          </a:p>
+        </p:txBody>
+      </p:sp>
+      <p:sp>
+        <p:nvSpPr>
+          <p:cNvPr id="39" name="PlaceHolder 4"/>
           <p:cNvSpPr>
             <a:spLocks noGrp="1"/>
           </p:cNvSpPr>
@@ -862,18 +834,15 @@
             <a:normAutofit/>
           </a:bodyPr>
           <a:p>
-            <a:endParaRPr b="0" lang="ru-RU" sz="2800" spc="-1" strike="noStrike">
-              <a:solidFill>
-                <a:srgbClr val="000000"/>
-              </a:solidFill>
-              <a:latin typeface="Calibri"/>
-            </a:endParaRPr>
-          </a:p>
-        </p:txBody>
-      </p:sp>
-      <p:sp>
-        <p:nvSpPr>
-          <p:cNvPr id="43" name="PlaceHolder 5"/>
+            <a:endParaRPr b="0" lang="en-US" sz="3200" spc="-1" strike="noStrike">
+              <a:latin typeface="Arial"/>
+            </a:endParaRPr>
+          </a:p>
+        </p:txBody>
+      </p:sp>
+      <p:sp>
+        <p:nvSpPr>
+          <p:cNvPr id="40" name="PlaceHolder 5"/>
           <p:cNvSpPr>
             <a:spLocks noGrp="1"/>
           </p:cNvSpPr>
@@ -895,18 +864,15 @@
             <a:normAutofit/>
           </a:bodyPr>
           <a:p>
-            <a:endParaRPr b="0" lang="ru-RU" sz="2800" spc="-1" strike="noStrike">
-              <a:solidFill>
-                <a:srgbClr val="000000"/>
-              </a:solidFill>
-              <a:latin typeface="Calibri"/>
-            </a:endParaRPr>
-          </a:p>
-        </p:txBody>
-      </p:sp>
-      <p:sp>
-        <p:nvSpPr>
-          <p:cNvPr id="44" name="PlaceHolder 6"/>
+            <a:endParaRPr b="0" lang="en-US" sz="3200" spc="-1" strike="noStrike">
+              <a:latin typeface="Arial"/>
+            </a:endParaRPr>
+          </a:p>
+        </p:txBody>
+      </p:sp>
+      <p:sp>
+        <p:nvSpPr>
+          <p:cNvPr id="41" name="PlaceHolder 6"/>
           <p:cNvSpPr>
             <a:spLocks noGrp="1"/>
           </p:cNvSpPr>
@@ -928,18 +894,15 @@
             <a:normAutofit/>
           </a:bodyPr>
           <a:p>
-            <a:endParaRPr b="0" lang="ru-RU" sz="2800" spc="-1" strike="noStrike">
-              <a:solidFill>
-                <a:srgbClr val="000000"/>
-              </a:solidFill>
-              <a:latin typeface="Calibri"/>
-            </a:endParaRPr>
-          </a:p>
-        </p:txBody>
-      </p:sp>
-      <p:sp>
-        <p:nvSpPr>
-          <p:cNvPr id="45" name="PlaceHolder 7"/>
+            <a:endParaRPr b="0" lang="en-US" sz="3200" spc="-1" strike="noStrike">
+              <a:latin typeface="Arial"/>
+            </a:endParaRPr>
+          </a:p>
+        </p:txBody>
+      </p:sp>
+      <p:sp>
+        <p:nvSpPr>
+          <p:cNvPr id="42" name="PlaceHolder 7"/>
           <p:cNvSpPr>
             <a:spLocks noGrp="1"/>
           </p:cNvSpPr>
@@ -961,11 +924,8 @@
             <a:normAutofit/>
           </a:bodyPr>
           <a:p>
-            <a:endParaRPr b="0" lang="ru-RU" sz="2800" spc="-1" strike="noStrike">
-              <a:solidFill>
-                <a:srgbClr val="000000"/>
-              </a:solidFill>
-              <a:latin typeface="Calibri"/>
+            <a:endParaRPr b="0" lang="en-US" sz="3200" spc="-1" strike="noStrike">
+              <a:latin typeface="Arial"/>
             </a:endParaRPr>
           </a:p>
         </p:txBody>
@@ -1016,7 +976,7 @@
       </p:grpSpPr>
       <p:sp>
         <p:nvSpPr>
-          <p:cNvPr id="60" name="PlaceHolder 1"/>
+          <p:cNvPr id="54" name="PlaceHolder 1"/>
           <p:cNvSpPr>
             <a:spLocks noGrp="1"/>
           </p:cNvSpPr>
@@ -1026,8 +986,8 @@
         </p:nvSpPr>
         <p:spPr>
           <a:xfrm>
-            <a:off x="4366800" y="2760480"/>
-            <a:ext cx="7607160" cy="1325160"/>
+            <a:off x="609480" y="273600"/>
+            <a:ext cx="10972440" cy="1144800"/>
           </a:xfrm>
           <a:prstGeom prst="rect">
             <a:avLst/>
@@ -1038,18 +998,16 @@
             <a:spAutoFit/>
           </a:bodyPr>
           <a:p>
-            <a:endParaRPr b="0" lang="ru-RU" sz="1800" spc="-1" strike="noStrike">
-              <a:solidFill>
-                <a:srgbClr val="000000"/>
-              </a:solidFill>
-              <a:latin typeface="Calibri"/>
-            </a:endParaRPr>
-          </a:p>
-        </p:txBody>
-      </p:sp>
-      <p:sp>
-        <p:nvSpPr>
-          <p:cNvPr id="61" name="PlaceHolder 2"/>
+            <a:pPr algn="ctr"/>
+            <a:endParaRPr b="0" lang="en-US" sz="4400" spc="-1" strike="noStrike">
+              <a:latin typeface="Arial"/>
+            </a:endParaRPr>
+          </a:p>
+        </p:txBody>
+      </p:sp>
+      <p:sp>
+        <p:nvSpPr>
+          <p:cNvPr id="55" name="PlaceHolder 2"/>
           <p:cNvSpPr>
             <a:spLocks noGrp="1"/>
           </p:cNvSpPr>
@@ -1102,7 +1060,7 @@
       </p:grpSpPr>
       <p:sp>
         <p:nvSpPr>
-          <p:cNvPr id="62" name="PlaceHolder 1"/>
+          <p:cNvPr id="56" name="PlaceHolder 1"/>
           <p:cNvSpPr>
             <a:spLocks noGrp="1"/>
           </p:cNvSpPr>
@@ -1112,8 +1070,8 @@
         </p:nvSpPr>
         <p:spPr>
           <a:xfrm>
-            <a:off x="4366800" y="2760480"/>
-            <a:ext cx="7607160" cy="1325160"/>
+            <a:off x="609480" y="273600"/>
+            <a:ext cx="10972440" cy="1144800"/>
           </a:xfrm>
           <a:prstGeom prst="rect">
             <a:avLst/>
@@ -1124,18 +1082,16 @@
             <a:spAutoFit/>
           </a:bodyPr>
           <a:p>
-            <a:endParaRPr b="0" lang="ru-RU" sz="1800" spc="-1" strike="noStrike">
-              <a:solidFill>
-                <a:srgbClr val="000000"/>
-              </a:solidFill>
-              <a:latin typeface="Calibri"/>
-            </a:endParaRPr>
-          </a:p>
-        </p:txBody>
-      </p:sp>
-      <p:sp>
-        <p:nvSpPr>
-          <p:cNvPr id="63" name="PlaceHolder 2"/>
+            <a:pPr algn="ctr"/>
+            <a:endParaRPr b="0" lang="en-US" sz="4400" spc="-1" strike="noStrike">
+              <a:latin typeface="Arial"/>
+            </a:endParaRPr>
+          </a:p>
+        </p:txBody>
+      </p:sp>
+      <p:sp>
+        <p:nvSpPr>
+          <p:cNvPr id="57" name="PlaceHolder 2"/>
           <p:cNvSpPr>
             <a:spLocks noGrp="1"/>
           </p:cNvSpPr>
@@ -1157,11 +1113,8 @@
             <a:normAutofit/>
           </a:bodyPr>
           <a:p>
-            <a:endParaRPr b="0" lang="ru-RU" sz="2800" spc="-1" strike="noStrike">
-              <a:solidFill>
-                <a:srgbClr val="000000"/>
-              </a:solidFill>
-              <a:latin typeface="Calibri"/>
+            <a:endParaRPr b="0" lang="en-US" sz="3200" spc="-1" strike="noStrike">
+              <a:latin typeface="Arial"/>
             </a:endParaRPr>
           </a:p>
         </p:txBody>
@@ -1190,7 +1143,7 @@
       </p:grpSpPr>
       <p:sp>
         <p:nvSpPr>
-          <p:cNvPr id="64" name="PlaceHolder 1"/>
+          <p:cNvPr id="58" name="PlaceHolder 1"/>
           <p:cNvSpPr>
             <a:spLocks noGrp="1"/>
           </p:cNvSpPr>
@@ -1200,8 +1153,8 @@
         </p:nvSpPr>
         <p:spPr>
           <a:xfrm>
-            <a:off x="4366800" y="2760480"/>
-            <a:ext cx="7607160" cy="1325160"/>
+            <a:off x="609480" y="273600"/>
+            <a:ext cx="10972440" cy="1144800"/>
           </a:xfrm>
           <a:prstGeom prst="rect">
             <a:avLst/>
@@ -1212,18 +1165,16 @@
             <a:spAutoFit/>
           </a:bodyPr>
           <a:p>
-            <a:endParaRPr b="0" lang="ru-RU" sz="1800" spc="-1" strike="noStrike">
-              <a:solidFill>
-                <a:srgbClr val="000000"/>
-              </a:solidFill>
-              <a:latin typeface="Calibri"/>
-            </a:endParaRPr>
-          </a:p>
-        </p:txBody>
-      </p:sp>
-      <p:sp>
-        <p:nvSpPr>
-          <p:cNvPr id="65" name="PlaceHolder 2"/>
+            <a:pPr algn="ctr"/>
+            <a:endParaRPr b="0" lang="en-US" sz="4400" spc="-1" strike="noStrike">
+              <a:latin typeface="Arial"/>
+            </a:endParaRPr>
+          </a:p>
+        </p:txBody>
+      </p:sp>
+      <p:sp>
+        <p:nvSpPr>
+          <p:cNvPr id="59" name="PlaceHolder 2"/>
           <p:cNvSpPr>
             <a:spLocks noGrp="1"/>
           </p:cNvSpPr>
@@ -1245,18 +1196,15 @@
             <a:normAutofit/>
           </a:bodyPr>
           <a:p>
-            <a:endParaRPr b="0" lang="ru-RU" sz="2800" spc="-1" strike="noStrike">
-              <a:solidFill>
-                <a:srgbClr val="000000"/>
-              </a:solidFill>
-              <a:latin typeface="Calibri"/>
-            </a:endParaRPr>
-          </a:p>
-        </p:txBody>
-      </p:sp>
-      <p:sp>
-        <p:nvSpPr>
-          <p:cNvPr id="66" name="PlaceHolder 3"/>
+            <a:endParaRPr b="0" lang="en-US" sz="3200" spc="-1" strike="noStrike">
+              <a:latin typeface="Arial"/>
+            </a:endParaRPr>
+          </a:p>
+        </p:txBody>
+      </p:sp>
+      <p:sp>
+        <p:nvSpPr>
+          <p:cNvPr id="60" name="PlaceHolder 3"/>
           <p:cNvSpPr>
             <a:spLocks noGrp="1"/>
           </p:cNvSpPr>
@@ -1278,11 +1226,8 @@
             <a:normAutofit/>
           </a:bodyPr>
           <a:p>
-            <a:endParaRPr b="0" lang="ru-RU" sz="2800" spc="-1" strike="noStrike">
-              <a:solidFill>
-                <a:srgbClr val="000000"/>
-              </a:solidFill>
-              <a:latin typeface="Calibri"/>
+            <a:endParaRPr b="0" lang="en-US" sz="3200" spc="-1" strike="noStrike">
+              <a:latin typeface="Arial"/>
             </a:endParaRPr>
           </a:p>
         </p:txBody>
@@ -1311,7 +1256,7 @@
       </p:grpSpPr>
       <p:sp>
         <p:nvSpPr>
-          <p:cNvPr id="67" name="PlaceHolder 1"/>
+          <p:cNvPr id="61" name="PlaceHolder 1"/>
           <p:cNvSpPr>
             <a:spLocks noGrp="1"/>
           </p:cNvSpPr>
@@ -1321,8 +1266,8 @@
         </p:nvSpPr>
         <p:spPr>
           <a:xfrm>
-            <a:off x="4366800" y="2760480"/>
-            <a:ext cx="7607160" cy="1325160"/>
+            <a:off x="609480" y="273600"/>
+            <a:ext cx="10972440" cy="1144800"/>
           </a:xfrm>
           <a:prstGeom prst="rect">
             <a:avLst/>
@@ -1333,11 +1278,9 @@
             <a:spAutoFit/>
           </a:bodyPr>
           <a:p>
-            <a:endParaRPr b="0" lang="ru-RU" sz="1800" spc="-1" strike="noStrike">
-              <a:solidFill>
-                <a:srgbClr val="000000"/>
-              </a:solidFill>
-              <a:latin typeface="Calibri"/>
+            <a:pPr algn="ctr"/>
+            <a:endParaRPr b="0" lang="en-US" sz="4400" spc="-1" strike="noStrike">
+              <a:latin typeface="Arial"/>
             </a:endParaRPr>
           </a:p>
         </p:txBody>
@@ -1366,7 +1309,7 @@
       </p:grpSpPr>
       <p:sp>
         <p:nvSpPr>
-          <p:cNvPr id="68" name="PlaceHolder 1"/>
+          <p:cNvPr id="62" name="PlaceHolder 1"/>
           <p:cNvSpPr>
             <a:spLocks noGrp="1"/>
           </p:cNvSpPr>
@@ -1376,8 +1319,8 @@
         </p:nvSpPr>
         <p:spPr>
           <a:xfrm>
-            <a:off x="4366800" y="2760480"/>
-            <a:ext cx="7607160" cy="6144120"/>
+            <a:off x="609480" y="273600"/>
+            <a:ext cx="10972440" cy="5307840"/>
           </a:xfrm>
           <a:prstGeom prst="rect">
             <a:avLst/>
@@ -1419,7 +1362,7 @@
       </p:grpSpPr>
       <p:sp>
         <p:nvSpPr>
-          <p:cNvPr id="69" name="PlaceHolder 1"/>
+          <p:cNvPr id="63" name="PlaceHolder 1"/>
           <p:cNvSpPr>
             <a:spLocks noGrp="1"/>
           </p:cNvSpPr>
@@ -1429,8 +1372,8 @@
         </p:nvSpPr>
         <p:spPr>
           <a:xfrm>
-            <a:off x="4366800" y="2760480"/>
-            <a:ext cx="7607160" cy="1325160"/>
+            <a:off x="609480" y="273600"/>
+            <a:ext cx="10972440" cy="1144800"/>
           </a:xfrm>
           <a:prstGeom prst="rect">
             <a:avLst/>
@@ -1441,18 +1384,16 @@
             <a:spAutoFit/>
           </a:bodyPr>
           <a:p>
-            <a:endParaRPr b="0" lang="ru-RU" sz="1800" spc="-1" strike="noStrike">
-              <a:solidFill>
-                <a:srgbClr val="000000"/>
-              </a:solidFill>
-              <a:latin typeface="Calibri"/>
-            </a:endParaRPr>
-          </a:p>
-        </p:txBody>
-      </p:sp>
-      <p:sp>
-        <p:nvSpPr>
-          <p:cNvPr id="70" name="PlaceHolder 2"/>
+            <a:pPr algn="ctr"/>
+            <a:endParaRPr b="0" lang="en-US" sz="4400" spc="-1" strike="noStrike">
+              <a:latin typeface="Arial"/>
+            </a:endParaRPr>
+          </a:p>
+        </p:txBody>
+      </p:sp>
+      <p:sp>
+        <p:nvSpPr>
+          <p:cNvPr id="64" name="PlaceHolder 2"/>
           <p:cNvSpPr>
             <a:spLocks noGrp="1"/>
           </p:cNvSpPr>
@@ -1474,18 +1415,15 @@
             <a:normAutofit/>
           </a:bodyPr>
           <a:p>
-            <a:endParaRPr b="0" lang="ru-RU" sz="2800" spc="-1" strike="noStrike">
-              <a:solidFill>
-                <a:srgbClr val="000000"/>
-              </a:solidFill>
-              <a:latin typeface="Calibri"/>
-            </a:endParaRPr>
-          </a:p>
-        </p:txBody>
-      </p:sp>
-      <p:sp>
-        <p:nvSpPr>
-          <p:cNvPr id="71" name="PlaceHolder 3"/>
+            <a:endParaRPr b="0" lang="en-US" sz="3200" spc="-1" strike="noStrike">
+              <a:latin typeface="Arial"/>
+            </a:endParaRPr>
+          </a:p>
+        </p:txBody>
+      </p:sp>
+      <p:sp>
+        <p:nvSpPr>
+          <p:cNvPr id="65" name="PlaceHolder 3"/>
           <p:cNvSpPr>
             <a:spLocks noGrp="1"/>
           </p:cNvSpPr>
@@ -1507,18 +1445,15 @@
             <a:normAutofit/>
           </a:bodyPr>
           <a:p>
-            <a:endParaRPr b="0" lang="ru-RU" sz="2800" spc="-1" strike="noStrike">
-              <a:solidFill>
-                <a:srgbClr val="000000"/>
-              </a:solidFill>
-              <a:latin typeface="Calibri"/>
-            </a:endParaRPr>
-          </a:p>
-        </p:txBody>
-      </p:sp>
-      <p:sp>
-        <p:nvSpPr>
-          <p:cNvPr id="72" name="PlaceHolder 4"/>
+            <a:endParaRPr b="0" lang="en-US" sz="3200" spc="-1" strike="noStrike">
+              <a:latin typeface="Arial"/>
+            </a:endParaRPr>
+          </a:p>
+        </p:txBody>
+      </p:sp>
+      <p:sp>
+        <p:nvSpPr>
+          <p:cNvPr id="66" name="PlaceHolder 4"/>
           <p:cNvSpPr>
             <a:spLocks noGrp="1"/>
           </p:cNvSpPr>
@@ -1540,11 +1475,8 @@
             <a:normAutofit/>
           </a:bodyPr>
           <a:p>
-            <a:endParaRPr b="0" lang="ru-RU" sz="2800" spc="-1" strike="noStrike">
-              <a:solidFill>
-                <a:srgbClr val="000000"/>
-              </a:solidFill>
-              <a:latin typeface="Calibri"/>
+            <a:endParaRPr b="0" lang="en-US" sz="3200" spc="-1" strike="noStrike">
+              <a:latin typeface="Arial"/>
             </a:endParaRPr>
           </a:p>
         </p:txBody>
@@ -1573,7 +1505,7 @@
       </p:grpSpPr>
       <p:sp>
         <p:nvSpPr>
-          <p:cNvPr id="10" name="PlaceHolder 1"/>
+          <p:cNvPr id="7" name="PlaceHolder 1"/>
           <p:cNvSpPr>
             <a:spLocks noGrp="1"/>
           </p:cNvSpPr>
@@ -1583,8 +1515,8 @@
         </p:nvSpPr>
         <p:spPr>
           <a:xfrm>
-            <a:off x="4366800" y="2760480"/>
-            <a:ext cx="7607160" cy="1325160"/>
+            <a:off x="609480" y="273600"/>
+            <a:ext cx="10972440" cy="1144800"/>
           </a:xfrm>
           <a:prstGeom prst="rect">
             <a:avLst/>
@@ -1595,18 +1527,16 @@
             <a:spAutoFit/>
           </a:bodyPr>
           <a:p>
-            <a:endParaRPr b="0" lang="ru-RU" sz="1800" spc="-1" strike="noStrike">
-              <a:solidFill>
-                <a:srgbClr val="000000"/>
-              </a:solidFill>
-              <a:latin typeface="Calibri"/>
-            </a:endParaRPr>
-          </a:p>
-        </p:txBody>
-      </p:sp>
-      <p:sp>
-        <p:nvSpPr>
-          <p:cNvPr id="11" name="PlaceHolder 2"/>
+            <a:pPr algn="ctr"/>
+            <a:endParaRPr b="0" lang="en-US" sz="4400" spc="-1" strike="noStrike">
+              <a:latin typeface="Arial"/>
+            </a:endParaRPr>
+          </a:p>
+        </p:txBody>
+      </p:sp>
+      <p:sp>
+        <p:nvSpPr>
+          <p:cNvPr id="8" name="PlaceHolder 2"/>
           <p:cNvSpPr>
             <a:spLocks noGrp="1"/>
           </p:cNvSpPr>
@@ -1659,7 +1589,7 @@
       </p:grpSpPr>
       <p:sp>
         <p:nvSpPr>
-          <p:cNvPr id="73" name="PlaceHolder 1"/>
+          <p:cNvPr id="67" name="PlaceHolder 1"/>
           <p:cNvSpPr>
             <a:spLocks noGrp="1"/>
           </p:cNvSpPr>
@@ -1669,8 +1599,8 @@
         </p:nvSpPr>
         <p:spPr>
           <a:xfrm>
-            <a:off x="4366800" y="2760480"/>
-            <a:ext cx="7607160" cy="1325160"/>
+            <a:off x="609480" y="273600"/>
+            <a:ext cx="10972440" cy="1144800"/>
           </a:xfrm>
           <a:prstGeom prst="rect">
             <a:avLst/>
@@ -1681,18 +1611,16 @@
             <a:spAutoFit/>
           </a:bodyPr>
           <a:p>
-            <a:endParaRPr b="0" lang="ru-RU" sz="1800" spc="-1" strike="noStrike">
-              <a:solidFill>
-                <a:srgbClr val="000000"/>
-              </a:solidFill>
-              <a:latin typeface="Calibri"/>
-            </a:endParaRPr>
-          </a:p>
-        </p:txBody>
-      </p:sp>
-      <p:sp>
-        <p:nvSpPr>
-          <p:cNvPr id="74" name="PlaceHolder 2"/>
+            <a:pPr algn="ctr"/>
+            <a:endParaRPr b="0" lang="en-US" sz="4400" spc="-1" strike="noStrike">
+              <a:latin typeface="Arial"/>
+            </a:endParaRPr>
+          </a:p>
+        </p:txBody>
+      </p:sp>
+      <p:sp>
+        <p:nvSpPr>
+          <p:cNvPr id="68" name="PlaceHolder 2"/>
           <p:cNvSpPr>
             <a:spLocks noGrp="1"/>
           </p:cNvSpPr>
@@ -1714,18 +1642,15 @@
             <a:normAutofit/>
           </a:bodyPr>
           <a:p>
-            <a:endParaRPr b="0" lang="ru-RU" sz="2800" spc="-1" strike="noStrike">
-              <a:solidFill>
-                <a:srgbClr val="000000"/>
-              </a:solidFill>
-              <a:latin typeface="Calibri"/>
-            </a:endParaRPr>
-          </a:p>
-        </p:txBody>
-      </p:sp>
-      <p:sp>
-        <p:nvSpPr>
-          <p:cNvPr id="75" name="PlaceHolder 3"/>
+            <a:endParaRPr b="0" lang="en-US" sz="3200" spc="-1" strike="noStrike">
+              <a:latin typeface="Arial"/>
+            </a:endParaRPr>
+          </a:p>
+        </p:txBody>
+      </p:sp>
+      <p:sp>
+        <p:nvSpPr>
+          <p:cNvPr id="69" name="PlaceHolder 3"/>
           <p:cNvSpPr>
             <a:spLocks noGrp="1"/>
           </p:cNvSpPr>
@@ -1747,18 +1672,15 @@
             <a:normAutofit/>
           </a:bodyPr>
           <a:p>
-            <a:endParaRPr b="0" lang="ru-RU" sz="2800" spc="-1" strike="noStrike">
-              <a:solidFill>
-                <a:srgbClr val="000000"/>
-              </a:solidFill>
-              <a:latin typeface="Calibri"/>
-            </a:endParaRPr>
-          </a:p>
-        </p:txBody>
-      </p:sp>
-      <p:sp>
-        <p:nvSpPr>
-          <p:cNvPr id="76" name="PlaceHolder 4"/>
+            <a:endParaRPr b="0" lang="en-US" sz="3200" spc="-1" strike="noStrike">
+              <a:latin typeface="Arial"/>
+            </a:endParaRPr>
+          </a:p>
+        </p:txBody>
+      </p:sp>
+      <p:sp>
+        <p:nvSpPr>
+          <p:cNvPr id="70" name="PlaceHolder 4"/>
           <p:cNvSpPr>
             <a:spLocks noGrp="1"/>
           </p:cNvSpPr>
@@ -1780,11 +1702,8 @@
             <a:normAutofit/>
           </a:bodyPr>
           <a:p>
-            <a:endParaRPr b="0" lang="ru-RU" sz="2800" spc="-1" strike="noStrike">
-              <a:solidFill>
-                <a:srgbClr val="000000"/>
-              </a:solidFill>
-              <a:latin typeface="Calibri"/>
+            <a:endParaRPr b="0" lang="en-US" sz="3200" spc="-1" strike="noStrike">
+              <a:latin typeface="Arial"/>
             </a:endParaRPr>
           </a:p>
         </p:txBody>
@@ -1813,7 +1732,7 @@
       </p:grpSpPr>
       <p:sp>
         <p:nvSpPr>
-          <p:cNvPr id="77" name="PlaceHolder 1"/>
+          <p:cNvPr id="71" name="PlaceHolder 1"/>
           <p:cNvSpPr>
             <a:spLocks noGrp="1"/>
           </p:cNvSpPr>
@@ -1823,8 +1742,8 @@
         </p:nvSpPr>
         <p:spPr>
           <a:xfrm>
-            <a:off x="4366800" y="2760480"/>
-            <a:ext cx="7607160" cy="1325160"/>
+            <a:off x="609480" y="273600"/>
+            <a:ext cx="10972440" cy="1144800"/>
           </a:xfrm>
           <a:prstGeom prst="rect">
             <a:avLst/>
@@ -1835,18 +1754,16 @@
             <a:spAutoFit/>
           </a:bodyPr>
           <a:p>
-            <a:endParaRPr b="0" lang="ru-RU" sz="1800" spc="-1" strike="noStrike">
-              <a:solidFill>
-                <a:srgbClr val="000000"/>
-              </a:solidFill>
-              <a:latin typeface="Calibri"/>
-            </a:endParaRPr>
-          </a:p>
-        </p:txBody>
-      </p:sp>
-      <p:sp>
-        <p:nvSpPr>
-          <p:cNvPr id="78" name="PlaceHolder 2"/>
+            <a:pPr algn="ctr"/>
+            <a:endParaRPr b="0" lang="en-US" sz="4400" spc="-1" strike="noStrike">
+              <a:latin typeface="Arial"/>
+            </a:endParaRPr>
+          </a:p>
+        </p:txBody>
+      </p:sp>
+      <p:sp>
+        <p:nvSpPr>
+          <p:cNvPr id="72" name="PlaceHolder 2"/>
           <p:cNvSpPr>
             <a:spLocks noGrp="1"/>
           </p:cNvSpPr>
@@ -1868,18 +1785,15 @@
             <a:normAutofit/>
           </a:bodyPr>
           <a:p>
-            <a:endParaRPr b="0" lang="ru-RU" sz="2800" spc="-1" strike="noStrike">
-              <a:solidFill>
-                <a:srgbClr val="000000"/>
-              </a:solidFill>
-              <a:latin typeface="Calibri"/>
-            </a:endParaRPr>
-          </a:p>
-        </p:txBody>
-      </p:sp>
-      <p:sp>
-        <p:nvSpPr>
-          <p:cNvPr id="79" name="PlaceHolder 3"/>
+            <a:endParaRPr b="0" lang="en-US" sz="3200" spc="-1" strike="noStrike">
+              <a:latin typeface="Arial"/>
+            </a:endParaRPr>
+          </a:p>
+        </p:txBody>
+      </p:sp>
+      <p:sp>
+        <p:nvSpPr>
+          <p:cNvPr id="73" name="PlaceHolder 3"/>
           <p:cNvSpPr>
             <a:spLocks noGrp="1"/>
           </p:cNvSpPr>
@@ -1901,18 +1815,15 @@
             <a:normAutofit/>
           </a:bodyPr>
           <a:p>
-            <a:endParaRPr b="0" lang="ru-RU" sz="2800" spc="-1" strike="noStrike">
-              <a:solidFill>
-                <a:srgbClr val="000000"/>
-              </a:solidFill>
-              <a:latin typeface="Calibri"/>
-            </a:endParaRPr>
-          </a:p>
-        </p:txBody>
-      </p:sp>
-      <p:sp>
-        <p:nvSpPr>
-          <p:cNvPr id="80" name="PlaceHolder 4"/>
+            <a:endParaRPr b="0" lang="en-US" sz="3200" spc="-1" strike="noStrike">
+              <a:latin typeface="Arial"/>
+            </a:endParaRPr>
+          </a:p>
+        </p:txBody>
+      </p:sp>
+      <p:sp>
+        <p:nvSpPr>
+          <p:cNvPr id="74" name="PlaceHolder 4"/>
           <p:cNvSpPr>
             <a:spLocks noGrp="1"/>
           </p:cNvSpPr>
@@ -1934,11 +1845,8 @@
             <a:normAutofit/>
           </a:bodyPr>
           <a:p>
-            <a:endParaRPr b="0" lang="ru-RU" sz="2800" spc="-1" strike="noStrike">
-              <a:solidFill>
-                <a:srgbClr val="000000"/>
-              </a:solidFill>
-              <a:latin typeface="Calibri"/>
+            <a:endParaRPr b="0" lang="en-US" sz="3200" spc="-1" strike="noStrike">
+              <a:latin typeface="Arial"/>
             </a:endParaRPr>
           </a:p>
         </p:txBody>
@@ -1967,7 +1875,7 @@
       </p:grpSpPr>
       <p:sp>
         <p:nvSpPr>
-          <p:cNvPr id="81" name="PlaceHolder 1"/>
+          <p:cNvPr id="75" name="PlaceHolder 1"/>
           <p:cNvSpPr>
             <a:spLocks noGrp="1"/>
           </p:cNvSpPr>
@@ -1977,8 +1885,8 @@
         </p:nvSpPr>
         <p:spPr>
           <a:xfrm>
-            <a:off x="4366800" y="2760480"/>
-            <a:ext cx="7607160" cy="1325160"/>
+            <a:off x="609480" y="273600"/>
+            <a:ext cx="10972440" cy="1144800"/>
           </a:xfrm>
           <a:prstGeom prst="rect">
             <a:avLst/>
@@ -1989,18 +1897,16 @@
             <a:spAutoFit/>
           </a:bodyPr>
           <a:p>
-            <a:endParaRPr b="0" lang="ru-RU" sz="1800" spc="-1" strike="noStrike">
-              <a:solidFill>
-                <a:srgbClr val="000000"/>
-              </a:solidFill>
-              <a:latin typeface="Calibri"/>
-            </a:endParaRPr>
-          </a:p>
-        </p:txBody>
-      </p:sp>
-      <p:sp>
-        <p:nvSpPr>
-          <p:cNvPr id="82" name="PlaceHolder 2"/>
+            <a:pPr algn="ctr"/>
+            <a:endParaRPr b="0" lang="en-US" sz="4400" spc="-1" strike="noStrike">
+              <a:latin typeface="Arial"/>
+            </a:endParaRPr>
+          </a:p>
+        </p:txBody>
+      </p:sp>
+      <p:sp>
+        <p:nvSpPr>
+          <p:cNvPr id="76" name="PlaceHolder 2"/>
           <p:cNvSpPr>
             <a:spLocks noGrp="1"/>
           </p:cNvSpPr>
@@ -2022,18 +1928,15 @@
             <a:normAutofit/>
           </a:bodyPr>
           <a:p>
-            <a:endParaRPr b="0" lang="ru-RU" sz="2800" spc="-1" strike="noStrike">
-              <a:solidFill>
-                <a:srgbClr val="000000"/>
-              </a:solidFill>
-              <a:latin typeface="Calibri"/>
-            </a:endParaRPr>
-          </a:p>
-        </p:txBody>
-      </p:sp>
-      <p:sp>
-        <p:nvSpPr>
-          <p:cNvPr id="83" name="PlaceHolder 3"/>
+            <a:endParaRPr b="0" lang="en-US" sz="3200" spc="-1" strike="noStrike">
+              <a:latin typeface="Arial"/>
+            </a:endParaRPr>
+          </a:p>
+        </p:txBody>
+      </p:sp>
+      <p:sp>
+        <p:nvSpPr>
+          <p:cNvPr id="77" name="PlaceHolder 3"/>
           <p:cNvSpPr>
             <a:spLocks noGrp="1"/>
           </p:cNvSpPr>
@@ -2055,11 +1958,8 @@
             <a:normAutofit/>
           </a:bodyPr>
           <a:p>
-            <a:endParaRPr b="0" lang="ru-RU" sz="2800" spc="-1" strike="noStrike">
-              <a:solidFill>
-                <a:srgbClr val="000000"/>
-              </a:solidFill>
-              <a:latin typeface="Calibri"/>
+            <a:endParaRPr b="0" lang="en-US" sz="3200" spc="-1" strike="noStrike">
+              <a:latin typeface="Arial"/>
             </a:endParaRPr>
           </a:p>
         </p:txBody>
@@ -2088,7 +1988,7 @@
       </p:grpSpPr>
       <p:sp>
         <p:nvSpPr>
-          <p:cNvPr id="84" name="PlaceHolder 1"/>
+          <p:cNvPr id="78" name="PlaceHolder 1"/>
           <p:cNvSpPr>
             <a:spLocks noGrp="1"/>
           </p:cNvSpPr>
@@ -2098,8 +1998,8 @@
         </p:nvSpPr>
         <p:spPr>
           <a:xfrm>
-            <a:off x="4366800" y="2760480"/>
-            <a:ext cx="7607160" cy="1325160"/>
+            <a:off x="609480" y="273600"/>
+            <a:ext cx="10972440" cy="1144800"/>
           </a:xfrm>
           <a:prstGeom prst="rect">
             <a:avLst/>
@@ -2110,18 +2010,16 @@
             <a:spAutoFit/>
           </a:bodyPr>
           <a:p>
-            <a:endParaRPr b="0" lang="ru-RU" sz="1800" spc="-1" strike="noStrike">
-              <a:solidFill>
-                <a:srgbClr val="000000"/>
-              </a:solidFill>
-              <a:latin typeface="Calibri"/>
-            </a:endParaRPr>
-          </a:p>
-        </p:txBody>
-      </p:sp>
-      <p:sp>
-        <p:nvSpPr>
-          <p:cNvPr id="85" name="PlaceHolder 2"/>
+            <a:pPr algn="ctr"/>
+            <a:endParaRPr b="0" lang="en-US" sz="4400" spc="-1" strike="noStrike">
+              <a:latin typeface="Arial"/>
+            </a:endParaRPr>
+          </a:p>
+        </p:txBody>
+      </p:sp>
+      <p:sp>
+        <p:nvSpPr>
+          <p:cNvPr id="79" name="PlaceHolder 2"/>
           <p:cNvSpPr>
             <a:spLocks noGrp="1"/>
           </p:cNvSpPr>
@@ -2143,18 +2041,15 @@
             <a:normAutofit/>
           </a:bodyPr>
           <a:p>
-            <a:endParaRPr b="0" lang="ru-RU" sz="2800" spc="-1" strike="noStrike">
-              <a:solidFill>
-                <a:srgbClr val="000000"/>
-              </a:solidFill>
-              <a:latin typeface="Calibri"/>
-            </a:endParaRPr>
-          </a:p>
-        </p:txBody>
-      </p:sp>
-      <p:sp>
-        <p:nvSpPr>
-          <p:cNvPr id="86" name="PlaceHolder 3"/>
+            <a:endParaRPr b="0" lang="en-US" sz="3200" spc="-1" strike="noStrike">
+              <a:latin typeface="Arial"/>
+            </a:endParaRPr>
+          </a:p>
+        </p:txBody>
+      </p:sp>
+      <p:sp>
+        <p:nvSpPr>
+          <p:cNvPr id="80" name="PlaceHolder 3"/>
           <p:cNvSpPr>
             <a:spLocks noGrp="1"/>
           </p:cNvSpPr>
@@ -2176,18 +2071,15 @@
             <a:normAutofit/>
           </a:bodyPr>
           <a:p>
-            <a:endParaRPr b="0" lang="ru-RU" sz="2800" spc="-1" strike="noStrike">
-              <a:solidFill>
-                <a:srgbClr val="000000"/>
-              </a:solidFill>
-              <a:latin typeface="Calibri"/>
-            </a:endParaRPr>
-          </a:p>
-        </p:txBody>
-      </p:sp>
-      <p:sp>
-        <p:nvSpPr>
-          <p:cNvPr id="87" name="PlaceHolder 4"/>
+            <a:endParaRPr b="0" lang="en-US" sz="3200" spc="-1" strike="noStrike">
+              <a:latin typeface="Arial"/>
+            </a:endParaRPr>
+          </a:p>
+        </p:txBody>
+      </p:sp>
+      <p:sp>
+        <p:nvSpPr>
+          <p:cNvPr id="81" name="PlaceHolder 4"/>
           <p:cNvSpPr>
             <a:spLocks noGrp="1"/>
           </p:cNvSpPr>
@@ -2209,18 +2101,15 @@
             <a:normAutofit/>
           </a:bodyPr>
           <a:p>
-            <a:endParaRPr b="0" lang="ru-RU" sz="2800" spc="-1" strike="noStrike">
-              <a:solidFill>
-                <a:srgbClr val="000000"/>
-              </a:solidFill>
-              <a:latin typeface="Calibri"/>
-            </a:endParaRPr>
-          </a:p>
-        </p:txBody>
-      </p:sp>
-      <p:sp>
-        <p:nvSpPr>
-          <p:cNvPr id="88" name="PlaceHolder 5"/>
+            <a:endParaRPr b="0" lang="en-US" sz="3200" spc="-1" strike="noStrike">
+              <a:latin typeface="Arial"/>
+            </a:endParaRPr>
+          </a:p>
+        </p:txBody>
+      </p:sp>
+      <p:sp>
+        <p:nvSpPr>
+          <p:cNvPr id="82" name="PlaceHolder 5"/>
           <p:cNvSpPr>
             <a:spLocks noGrp="1"/>
           </p:cNvSpPr>
@@ -2242,11 +2131,8 @@
             <a:normAutofit/>
           </a:bodyPr>
           <a:p>
-            <a:endParaRPr b="0" lang="ru-RU" sz="2800" spc="-1" strike="noStrike">
-              <a:solidFill>
-                <a:srgbClr val="000000"/>
-              </a:solidFill>
-              <a:latin typeface="Calibri"/>
+            <a:endParaRPr b="0" lang="en-US" sz="3200" spc="-1" strike="noStrike">
+              <a:latin typeface="Arial"/>
             </a:endParaRPr>
           </a:p>
         </p:txBody>
@@ -2275,7 +2161,7 @@
       </p:grpSpPr>
       <p:sp>
         <p:nvSpPr>
-          <p:cNvPr id="89" name="PlaceHolder 1"/>
+          <p:cNvPr id="83" name="PlaceHolder 1"/>
           <p:cNvSpPr>
             <a:spLocks noGrp="1"/>
           </p:cNvSpPr>
@@ -2285,8 +2171,8 @@
         </p:nvSpPr>
         <p:spPr>
           <a:xfrm>
-            <a:off x="4366800" y="2760480"/>
-            <a:ext cx="7607160" cy="1325160"/>
+            <a:off x="609480" y="273600"/>
+            <a:ext cx="10972440" cy="1144800"/>
           </a:xfrm>
           <a:prstGeom prst="rect">
             <a:avLst/>
@@ -2297,18 +2183,16 @@
             <a:spAutoFit/>
           </a:bodyPr>
           <a:p>
-            <a:endParaRPr b="0" lang="ru-RU" sz="1800" spc="-1" strike="noStrike">
-              <a:solidFill>
-                <a:srgbClr val="000000"/>
-              </a:solidFill>
-              <a:latin typeface="Calibri"/>
-            </a:endParaRPr>
-          </a:p>
-        </p:txBody>
-      </p:sp>
-      <p:sp>
-        <p:nvSpPr>
-          <p:cNvPr id="90" name="PlaceHolder 2"/>
+            <a:pPr algn="ctr"/>
+            <a:endParaRPr b="0" lang="en-US" sz="4400" spc="-1" strike="noStrike">
+              <a:latin typeface="Arial"/>
+            </a:endParaRPr>
+          </a:p>
+        </p:txBody>
+      </p:sp>
+      <p:sp>
+        <p:nvSpPr>
+          <p:cNvPr id="84" name="PlaceHolder 2"/>
           <p:cNvSpPr>
             <a:spLocks noGrp="1"/>
           </p:cNvSpPr>
@@ -2330,18 +2214,15 @@
             <a:normAutofit/>
           </a:bodyPr>
           <a:p>
-            <a:endParaRPr b="0" lang="ru-RU" sz="2800" spc="-1" strike="noStrike">
-              <a:solidFill>
-                <a:srgbClr val="000000"/>
-              </a:solidFill>
-              <a:latin typeface="Calibri"/>
-            </a:endParaRPr>
-          </a:p>
-        </p:txBody>
-      </p:sp>
-      <p:sp>
-        <p:nvSpPr>
-          <p:cNvPr id="91" name="PlaceHolder 3"/>
+            <a:endParaRPr b="0" lang="en-US" sz="3200" spc="-1" strike="noStrike">
+              <a:latin typeface="Arial"/>
+            </a:endParaRPr>
+          </a:p>
+        </p:txBody>
+      </p:sp>
+      <p:sp>
+        <p:nvSpPr>
+          <p:cNvPr id="85" name="PlaceHolder 3"/>
           <p:cNvSpPr>
             <a:spLocks noGrp="1"/>
           </p:cNvSpPr>
@@ -2363,18 +2244,15 @@
             <a:normAutofit/>
           </a:bodyPr>
           <a:p>
-            <a:endParaRPr b="0" lang="ru-RU" sz="2800" spc="-1" strike="noStrike">
-              <a:solidFill>
-                <a:srgbClr val="000000"/>
-              </a:solidFill>
-              <a:latin typeface="Calibri"/>
-            </a:endParaRPr>
-          </a:p>
-        </p:txBody>
-      </p:sp>
-      <p:sp>
-        <p:nvSpPr>
-          <p:cNvPr id="92" name="PlaceHolder 4"/>
+            <a:endParaRPr b="0" lang="en-US" sz="3200" spc="-1" strike="noStrike">
+              <a:latin typeface="Arial"/>
+            </a:endParaRPr>
+          </a:p>
+        </p:txBody>
+      </p:sp>
+      <p:sp>
+        <p:nvSpPr>
+          <p:cNvPr id="86" name="PlaceHolder 4"/>
           <p:cNvSpPr>
             <a:spLocks noGrp="1"/>
           </p:cNvSpPr>
@@ -2396,18 +2274,15 @@
             <a:normAutofit/>
           </a:bodyPr>
           <a:p>
-            <a:endParaRPr b="0" lang="ru-RU" sz="2800" spc="-1" strike="noStrike">
-              <a:solidFill>
-                <a:srgbClr val="000000"/>
-              </a:solidFill>
-              <a:latin typeface="Calibri"/>
-            </a:endParaRPr>
-          </a:p>
-        </p:txBody>
-      </p:sp>
-      <p:sp>
-        <p:nvSpPr>
-          <p:cNvPr id="93" name="PlaceHolder 5"/>
+            <a:endParaRPr b="0" lang="en-US" sz="3200" spc="-1" strike="noStrike">
+              <a:latin typeface="Arial"/>
+            </a:endParaRPr>
+          </a:p>
+        </p:txBody>
+      </p:sp>
+      <p:sp>
+        <p:nvSpPr>
+          <p:cNvPr id="87" name="PlaceHolder 5"/>
           <p:cNvSpPr>
             <a:spLocks noGrp="1"/>
           </p:cNvSpPr>
@@ -2429,18 +2304,15 @@
             <a:normAutofit/>
           </a:bodyPr>
           <a:p>
-            <a:endParaRPr b="0" lang="ru-RU" sz="2800" spc="-1" strike="noStrike">
-              <a:solidFill>
-                <a:srgbClr val="000000"/>
-              </a:solidFill>
-              <a:latin typeface="Calibri"/>
-            </a:endParaRPr>
-          </a:p>
-        </p:txBody>
-      </p:sp>
-      <p:sp>
-        <p:nvSpPr>
-          <p:cNvPr id="94" name="PlaceHolder 6"/>
+            <a:endParaRPr b="0" lang="en-US" sz="3200" spc="-1" strike="noStrike">
+              <a:latin typeface="Arial"/>
+            </a:endParaRPr>
+          </a:p>
+        </p:txBody>
+      </p:sp>
+      <p:sp>
+        <p:nvSpPr>
+          <p:cNvPr id="88" name="PlaceHolder 6"/>
           <p:cNvSpPr>
             <a:spLocks noGrp="1"/>
           </p:cNvSpPr>
@@ -2462,18 +2334,15 @@
             <a:normAutofit/>
           </a:bodyPr>
           <a:p>
-            <a:endParaRPr b="0" lang="ru-RU" sz="2800" spc="-1" strike="noStrike">
-              <a:solidFill>
-                <a:srgbClr val="000000"/>
-              </a:solidFill>
-              <a:latin typeface="Calibri"/>
-            </a:endParaRPr>
-          </a:p>
-        </p:txBody>
-      </p:sp>
-      <p:sp>
-        <p:nvSpPr>
-          <p:cNvPr id="95" name="PlaceHolder 7"/>
+            <a:endParaRPr b="0" lang="en-US" sz="3200" spc="-1" strike="noStrike">
+              <a:latin typeface="Arial"/>
+            </a:endParaRPr>
+          </a:p>
+        </p:txBody>
+      </p:sp>
+      <p:sp>
+        <p:nvSpPr>
+          <p:cNvPr id="89" name="PlaceHolder 7"/>
           <p:cNvSpPr>
             <a:spLocks noGrp="1"/>
           </p:cNvSpPr>
@@ -2495,11 +2364,8 @@
             <a:normAutofit/>
           </a:bodyPr>
           <a:p>
-            <a:endParaRPr b="0" lang="ru-RU" sz="2800" spc="-1" strike="noStrike">
-              <a:solidFill>
-                <a:srgbClr val="000000"/>
-              </a:solidFill>
-              <a:latin typeface="Calibri"/>
+            <a:endParaRPr b="0" lang="en-US" sz="3200" spc="-1" strike="noStrike">
+              <a:latin typeface="Arial"/>
             </a:endParaRPr>
           </a:p>
         </p:txBody>
@@ -2528,7 +2394,7 @@
       </p:grpSpPr>
       <p:sp>
         <p:nvSpPr>
-          <p:cNvPr id="12" name="PlaceHolder 1"/>
+          <p:cNvPr id="9" name="PlaceHolder 1"/>
           <p:cNvSpPr>
             <a:spLocks noGrp="1"/>
           </p:cNvSpPr>
@@ -2538,8 +2404,8 @@
         </p:nvSpPr>
         <p:spPr>
           <a:xfrm>
-            <a:off x="4366800" y="2760480"/>
-            <a:ext cx="7607160" cy="1325160"/>
+            <a:off x="609480" y="273600"/>
+            <a:ext cx="10972440" cy="1144800"/>
           </a:xfrm>
           <a:prstGeom prst="rect">
             <a:avLst/>
@@ -2550,18 +2416,16 @@
             <a:spAutoFit/>
           </a:bodyPr>
           <a:p>
-            <a:endParaRPr b="0" lang="ru-RU" sz="1800" spc="-1" strike="noStrike">
-              <a:solidFill>
-                <a:srgbClr val="000000"/>
-              </a:solidFill>
-              <a:latin typeface="Calibri"/>
-            </a:endParaRPr>
-          </a:p>
-        </p:txBody>
-      </p:sp>
-      <p:sp>
-        <p:nvSpPr>
-          <p:cNvPr id="13" name="PlaceHolder 2"/>
+            <a:pPr algn="ctr"/>
+            <a:endParaRPr b="0" lang="en-US" sz="4400" spc="-1" strike="noStrike">
+              <a:latin typeface="Arial"/>
+            </a:endParaRPr>
+          </a:p>
+        </p:txBody>
+      </p:sp>
+      <p:sp>
+        <p:nvSpPr>
+          <p:cNvPr id="10" name="PlaceHolder 2"/>
           <p:cNvSpPr>
             <a:spLocks noGrp="1"/>
           </p:cNvSpPr>
@@ -2583,11 +2447,8 @@
             <a:normAutofit/>
           </a:bodyPr>
           <a:p>
-            <a:endParaRPr b="0" lang="ru-RU" sz="2800" spc="-1" strike="noStrike">
-              <a:solidFill>
-                <a:srgbClr val="000000"/>
-              </a:solidFill>
-              <a:latin typeface="Calibri"/>
+            <a:endParaRPr b="0" lang="en-US" sz="3200" spc="-1" strike="noStrike">
+              <a:latin typeface="Arial"/>
             </a:endParaRPr>
           </a:p>
         </p:txBody>
@@ -2616,7 +2477,7 @@
       </p:grpSpPr>
       <p:sp>
         <p:nvSpPr>
-          <p:cNvPr id="14" name="PlaceHolder 1"/>
+          <p:cNvPr id="11" name="PlaceHolder 1"/>
           <p:cNvSpPr>
             <a:spLocks noGrp="1"/>
           </p:cNvSpPr>
@@ -2626,8 +2487,8 @@
         </p:nvSpPr>
         <p:spPr>
           <a:xfrm>
-            <a:off x="4366800" y="2760480"/>
-            <a:ext cx="7607160" cy="1325160"/>
+            <a:off x="609480" y="273600"/>
+            <a:ext cx="10972440" cy="1144800"/>
           </a:xfrm>
           <a:prstGeom prst="rect">
             <a:avLst/>
@@ -2638,18 +2499,16 @@
             <a:spAutoFit/>
           </a:bodyPr>
           <a:p>
-            <a:endParaRPr b="0" lang="ru-RU" sz="1800" spc="-1" strike="noStrike">
-              <a:solidFill>
-                <a:srgbClr val="000000"/>
-              </a:solidFill>
-              <a:latin typeface="Calibri"/>
-            </a:endParaRPr>
-          </a:p>
-        </p:txBody>
-      </p:sp>
-      <p:sp>
-        <p:nvSpPr>
-          <p:cNvPr id="15" name="PlaceHolder 2"/>
+            <a:pPr algn="ctr"/>
+            <a:endParaRPr b="0" lang="en-US" sz="4400" spc="-1" strike="noStrike">
+              <a:latin typeface="Arial"/>
+            </a:endParaRPr>
+          </a:p>
+        </p:txBody>
+      </p:sp>
+      <p:sp>
+        <p:nvSpPr>
+          <p:cNvPr id="12" name="PlaceHolder 2"/>
           <p:cNvSpPr>
             <a:spLocks noGrp="1"/>
           </p:cNvSpPr>
@@ -2671,18 +2530,15 @@
             <a:normAutofit/>
           </a:bodyPr>
           <a:p>
-            <a:endParaRPr b="0" lang="ru-RU" sz="2800" spc="-1" strike="noStrike">
-              <a:solidFill>
-                <a:srgbClr val="000000"/>
-              </a:solidFill>
-              <a:latin typeface="Calibri"/>
-            </a:endParaRPr>
-          </a:p>
-        </p:txBody>
-      </p:sp>
-      <p:sp>
-        <p:nvSpPr>
-          <p:cNvPr id="16" name="PlaceHolder 3"/>
+            <a:endParaRPr b="0" lang="en-US" sz="3200" spc="-1" strike="noStrike">
+              <a:latin typeface="Arial"/>
+            </a:endParaRPr>
+          </a:p>
+        </p:txBody>
+      </p:sp>
+      <p:sp>
+        <p:nvSpPr>
+          <p:cNvPr id="13" name="PlaceHolder 3"/>
           <p:cNvSpPr>
             <a:spLocks noGrp="1"/>
           </p:cNvSpPr>
@@ -2704,11 +2560,8 @@
             <a:normAutofit/>
           </a:bodyPr>
           <a:p>
-            <a:endParaRPr b="0" lang="ru-RU" sz="2800" spc="-1" strike="noStrike">
-              <a:solidFill>
-                <a:srgbClr val="000000"/>
-              </a:solidFill>
-              <a:latin typeface="Calibri"/>
+            <a:endParaRPr b="0" lang="en-US" sz="3200" spc="-1" strike="noStrike">
+              <a:latin typeface="Arial"/>
             </a:endParaRPr>
           </a:p>
         </p:txBody>
@@ -2737,7 +2590,7 @@
       </p:grpSpPr>
       <p:sp>
         <p:nvSpPr>
-          <p:cNvPr id="17" name="PlaceHolder 1"/>
+          <p:cNvPr id="14" name="PlaceHolder 1"/>
           <p:cNvSpPr>
             <a:spLocks noGrp="1"/>
           </p:cNvSpPr>
@@ -2747,8 +2600,8 @@
         </p:nvSpPr>
         <p:spPr>
           <a:xfrm>
-            <a:off x="4366800" y="2760480"/>
-            <a:ext cx="7607160" cy="1325160"/>
+            <a:off x="609480" y="273600"/>
+            <a:ext cx="10972440" cy="1144800"/>
           </a:xfrm>
           <a:prstGeom prst="rect">
             <a:avLst/>
@@ -2759,11 +2612,9 @@
             <a:spAutoFit/>
           </a:bodyPr>
           <a:p>
-            <a:endParaRPr b="0" lang="ru-RU" sz="1800" spc="-1" strike="noStrike">
-              <a:solidFill>
-                <a:srgbClr val="000000"/>
-              </a:solidFill>
-              <a:latin typeface="Calibri"/>
+            <a:pPr algn="ctr"/>
+            <a:endParaRPr b="0" lang="en-US" sz="4400" spc="-1" strike="noStrike">
+              <a:latin typeface="Arial"/>
             </a:endParaRPr>
           </a:p>
         </p:txBody>
@@ -2792,7 +2643,7 @@
       </p:grpSpPr>
       <p:sp>
         <p:nvSpPr>
-          <p:cNvPr id="18" name="PlaceHolder 1"/>
+          <p:cNvPr id="15" name="PlaceHolder 1"/>
           <p:cNvSpPr>
             <a:spLocks noGrp="1"/>
           </p:cNvSpPr>
@@ -2802,8 +2653,8 @@
         </p:nvSpPr>
         <p:spPr>
           <a:xfrm>
-            <a:off x="4366800" y="2760480"/>
-            <a:ext cx="7607160" cy="6144120"/>
+            <a:off x="609480" y="273600"/>
+            <a:ext cx="10972440" cy="5307840"/>
           </a:xfrm>
           <a:prstGeom prst="rect">
             <a:avLst/>
@@ -2845,7 +2696,7 @@
       </p:grpSpPr>
       <p:sp>
         <p:nvSpPr>
-          <p:cNvPr id="19" name="PlaceHolder 1"/>
+          <p:cNvPr id="16" name="PlaceHolder 1"/>
           <p:cNvSpPr>
             <a:spLocks noGrp="1"/>
           </p:cNvSpPr>
@@ -2855,8 +2706,8 @@
         </p:nvSpPr>
         <p:spPr>
           <a:xfrm>
-            <a:off x="4366800" y="2760480"/>
-            <a:ext cx="7607160" cy="1325160"/>
+            <a:off x="609480" y="273600"/>
+            <a:ext cx="10972440" cy="1144800"/>
           </a:xfrm>
           <a:prstGeom prst="rect">
             <a:avLst/>
@@ -2867,18 +2718,16 @@
             <a:spAutoFit/>
           </a:bodyPr>
           <a:p>
-            <a:endParaRPr b="0" lang="ru-RU" sz="1800" spc="-1" strike="noStrike">
-              <a:solidFill>
-                <a:srgbClr val="000000"/>
-              </a:solidFill>
-              <a:latin typeface="Calibri"/>
-            </a:endParaRPr>
-          </a:p>
-        </p:txBody>
-      </p:sp>
-      <p:sp>
-        <p:nvSpPr>
-          <p:cNvPr id="20" name="PlaceHolder 2"/>
+            <a:pPr algn="ctr"/>
+            <a:endParaRPr b="0" lang="en-US" sz="4400" spc="-1" strike="noStrike">
+              <a:latin typeface="Arial"/>
+            </a:endParaRPr>
+          </a:p>
+        </p:txBody>
+      </p:sp>
+      <p:sp>
+        <p:nvSpPr>
+          <p:cNvPr id="17" name="PlaceHolder 2"/>
           <p:cNvSpPr>
             <a:spLocks noGrp="1"/>
           </p:cNvSpPr>
@@ -2900,18 +2749,15 @@
             <a:normAutofit/>
           </a:bodyPr>
           <a:p>
-            <a:endParaRPr b="0" lang="ru-RU" sz="2800" spc="-1" strike="noStrike">
-              <a:solidFill>
-                <a:srgbClr val="000000"/>
-              </a:solidFill>
-              <a:latin typeface="Calibri"/>
-            </a:endParaRPr>
-          </a:p>
-        </p:txBody>
-      </p:sp>
-      <p:sp>
-        <p:nvSpPr>
-          <p:cNvPr id="21" name="PlaceHolder 3"/>
+            <a:endParaRPr b="0" lang="en-US" sz="3200" spc="-1" strike="noStrike">
+              <a:latin typeface="Arial"/>
+            </a:endParaRPr>
+          </a:p>
+        </p:txBody>
+      </p:sp>
+      <p:sp>
+        <p:nvSpPr>
+          <p:cNvPr id="18" name="PlaceHolder 3"/>
           <p:cNvSpPr>
             <a:spLocks noGrp="1"/>
           </p:cNvSpPr>
@@ -2933,18 +2779,15 @@
             <a:normAutofit/>
           </a:bodyPr>
           <a:p>
-            <a:endParaRPr b="0" lang="ru-RU" sz="2800" spc="-1" strike="noStrike">
-              <a:solidFill>
-                <a:srgbClr val="000000"/>
-              </a:solidFill>
-              <a:latin typeface="Calibri"/>
-            </a:endParaRPr>
-          </a:p>
-        </p:txBody>
-      </p:sp>
-      <p:sp>
-        <p:nvSpPr>
-          <p:cNvPr id="22" name="PlaceHolder 4"/>
+            <a:endParaRPr b="0" lang="en-US" sz="3200" spc="-1" strike="noStrike">
+              <a:latin typeface="Arial"/>
+            </a:endParaRPr>
+          </a:p>
+        </p:txBody>
+      </p:sp>
+      <p:sp>
+        <p:nvSpPr>
+          <p:cNvPr id="19" name="PlaceHolder 4"/>
           <p:cNvSpPr>
             <a:spLocks noGrp="1"/>
           </p:cNvSpPr>
@@ -2966,11 +2809,8 @@
             <a:normAutofit/>
           </a:bodyPr>
           <a:p>
-            <a:endParaRPr b="0" lang="ru-RU" sz="2800" spc="-1" strike="noStrike">
-              <a:solidFill>
-                <a:srgbClr val="000000"/>
-              </a:solidFill>
-              <a:latin typeface="Calibri"/>
+            <a:endParaRPr b="0" lang="en-US" sz="3200" spc="-1" strike="noStrike">
+              <a:latin typeface="Arial"/>
             </a:endParaRPr>
           </a:p>
         </p:txBody>
@@ -2999,7 +2839,7 @@
       </p:grpSpPr>
       <p:sp>
         <p:nvSpPr>
-          <p:cNvPr id="23" name="PlaceHolder 1"/>
+          <p:cNvPr id="20" name="PlaceHolder 1"/>
           <p:cNvSpPr>
             <a:spLocks noGrp="1"/>
           </p:cNvSpPr>
@@ -3009,8 +2849,8 @@
         </p:nvSpPr>
         <p:spPr>
           <a:xfrm>
-            <a:off x="4366800" y="2760480"/>
-            <a:ext cx="7607160" cy="1325160"/>
+            <a:off x="609480" y="273600"/>
+            <a:ext cx="10972440" cy="1144800"/>
           </a:xfrm>
           <a:prstGeom prst="rect">
             <a:avLst/>
@@ -3021,18 +2861,16 @@
             <a:spAutoFit/>
           </a:bodyPr>
           <a:p>
-            <a:endParaRPr b="0" lang="ru-RU" sz="1800" spc="-1" strike="noStrike">
-              <a:solidFill>
-                <a:srgbClr val="000000"/>
-              </a:solidFill>
-              <a:latin typeface="Calibri"/>
-            </a:endParaRPr>
-          </a:p>
-        </p:txBody>
-      </p:sp>
-      <p:sp>
-        <p:nvSpPr>
-          <p:cNvPr id="24" name="PlaceHolder 2"/>
+            <a:pPr algn="ctr"/>
+            <a:endParaRPr b="0" lang="en-US" sz="4400" spc="-1" strike="noStrike">
+              <a:latin typeface="Arial"/>
+            </a:endParaRPr>
+          </a:p>
+        </p:txBody>
+      </p:sp>
+      <p:sp>
+        <p:nvSpPr>
+          <p:cNvPr id="21" name="PlaceHolder 2"/>
           <p:cNvSpPr>
             <a:spLocks noGrp="1"/>
           </p:cNvSpPr>
@@ -3054,18 +2892,15 @@
             <a:normAutofit/>
           </a:bodyPr>
           <a:p>
-            <a:endParaRPr b="0" lang="ru-RU" sz="2800" spc="-1" strike="noStrike">
-              <a:solidFill>
-                <a:srgbClr val="000000"/>
-              </a:solidFill>
-              <a:latin typeface="Calibri"/>
-            </a:endParaRPr>
-          </a:p>
-        </p:txBody>
-      </p:sp>
-      <p:sp>
-        <p:nvSpPr>
-          <p:cNvPr id="25" name="PlaceHolder 3"/>
+            <a:endParaRPr b="0" lang="en-US" sz="3200" spc="-1" strike="noStrike">
+              <a:latin typeface="Arial"/>
+            </a:endParaRPr>
+          </a:p>
+        </p:txBody>
+      </p:sp>
+      <p:sp>
+        <p:nvSpPr>
+          <p:cNvPr id="22" name="PlaceHolder 3"/>
           <p:cNvSpPr>
             <a:spLocks noGrp="1"/>
           </p:cNvSpPr>
@@ -3087,18 +2922,15 @@
             <a:normAutofit/>
           </a:bodyPr>
           <a:p>
-            <a:endParaRPr b="0" lang="ru-RU" sz="2800" spc="-1" strike="noStrike">
-              <a:solidFill>
-                <a:srgbClr val="000000"/>
-              </a:solidFill>
-              <a:latin typeface="Calibri"/>
-            </a:endParaRPr>
-          </a:p>
-        </p:txBody>
-      </p:sp>
-      <p:sp>
-        <p:nvSpPr>
-          <p:cNvPr id="26" name="PlaceHolder 4"/>
+            <a:endParaRPr b="0" lang="en-US" sz="3200" spc="-1" strike="noStrike">
+              <a:latin typeface="Arial"/>
+            </a:endParaRPr>
+          </a:p>
+        </p:txBody>
+      </p:sp>
+      <p:sp>
+        <p:nvSpPr>
+          <p:cNvPr id="23" name="PlaceHolder 4"/>
           <p:cNvSpPr>
             <a:spLocks noGrp="1"/>
           </p:cNvSpPr>
@@ -3120,11 +2952,8 @@
             <a:normAutofit/>
           </a:bodyPr>
           <a:p>
-            <a:endParaRPr b="0" lang="ru-RU" sz="2800" spc="-1" strike="noStrike">
-              <a:solidFill>
-                <a:srgbClr val="000000"/>
-              </a:solidFill>
-              <a:latin typeface="Calibri"/>
+            <a:endParaRPr b="0" lang="en-US" sz="3200" spc="-1" strike="noStrike">
+              <a:latin typeface="Arial"/>
             </a:endParaRPr>
           </a:p>
         </p:txBody>
@@ -3153,7 +2982,7 @@
       </p:grpSpPr>
       <p:sp>
         <p:nvSpPr>
-          <p:cNvPr id="27" name="PlaceHolder 1"/>
+          <p:cNvPr id="24" name="PlaceHolder 1"/>
           <p:cNvSpPr>
             <a:spLocks noGrp="1"/>
           </p:cNvSpPr>
@@ -3163,8 +2992,8 @@
         </p:nvSpPr>
         <p:spPr>
           <a:xfrm>
-            <a:off x="4366800" y="2760480"/>
-            <a:ext cx="7607160" cy="1325160"/>
+            <a:off x="609480" y="273600"/>
+            <a:ext cx="10972440" cy="1144800"/>
           </a:xfrm>
           <a:prstGeom prst="rect">
             <a:avLst/>
@@ -3175,18 +3004,16 @@
             <a:spAutoFit/>
           </a:bodyPr>
           <a:p>
-            <a:endParaRPr b="0" lang="ru-RU" sz="1800" spc="-1" strike="noStrike">
-              <a:solidFill>
-                <a:srgbClr val="000000"/>
-              </a:solidFill>
-              <a:latin typeface="Calibri"/>
-            </a:endParaRPr>
-          </a:p>
-        </p:txBody>
-      </p:sp>
-      <p:sp>
-        <p:nvSpPr>
-          <p:cNvPr id="28" name="PlaceHolder 2"/>
+            <a:pPr algn="ctr"/>
+            <a:endParaRPr b="0" lang="en-US" sz="4400" spc="-1" strike="noStrike">
+              <a:latin typeface="Arial"/>
+            </a:endParaRPr>
+          </a:p>
+        </p:txBody>
+      </p:sp>
+      <p:sp>
+        <p:nvSpPr>
+          <p:cNvPr id="25" name="PlaceHolder 2"/>
           <p:cNvSpPr>
             <a:spLocks noGrp="1"/>
           </p:cNvSpPr>
@@ -3208,18 +3035,15 @@
             <a:normAutofit/>
           </a:bodyPr>
           <a:p>
-            <a:endParaRPr b="0" lang="ru-RU" sz="2800" spc="-1" strike="noStrike">
-              <a:solidFill>
-                <a:srgbClr val="000000"/>
-              </a:solidFill>
-              <a:latin typeface="Calibri"/>
-            </a:endParaRPr>
-          </a:p>
-        </p:txBody>
-      </p:sp>
-      <p:sp>
-        <p:nvSpPr>
-          <p:cNvPr id="29" name="PlaceHolder 3"/>
+            <a:endParaRPr b="0" lang="en-US" sz="3200" spc="-1" strike="noStrike">
+              <a:latin typeface="Arial"/>
+            </a:endParaRPr>
+          </a:p>
+        </p:txBody>
+      </p:sp>
+      <p:sp>
+        <p:nvSpPr>
+          <p:cNvPr id="26" name="PlaceHolder 3"/>
           <p:cNvSpPr>
             <a:spLocks noGrp="1"/>
           </p:cNvSpPr>
@@ -3241,18 +3065,15 @@
             <a:normAutofit/>
           </a:bodyPr>
           <a:p>
-            <a:endParaRPr b="0" lang="ru-RU" sz="2800" spc="-1" strike="noStrike">
-              <a:solidFill>
-                <a:srgbClr val="000000"/>
-              </a:solidFill>
-              <a:latin typeface="Calibri"/>
-            </a:endParaRPr>
-          </a:p>
-        </p:txBody>
-      </p:sp>
-      <p:sp>
-        <p:nvSpPr>
-          <p:cNvPr id="30" name="PlaceHolder 4"/>
+            <a:endParaRPr b="0" lang="en-US" sz="3200" spc="-1" strike="noStrike">
+              <a:latin typeface="Arial"/>
+            </a:endParaRPr>
+          </a:p>
+        </p:txBody>
+      </p:sp>
+      <p:sp>
+        <p:nvSpPr>
+          <p:cNvPr id="27" name="PlaceHolder 4"/>
           <p:cNvSpPr>
             <a:spLocks noGrp="1"/>
           </p:cNvSpPr>
@@ -3274,11 +3095,8 @@
             <a:normAutofit/>
           </a:bodyPr>
           <a:p>
-            <a:endParaRPr b="0" lang="ru-RU" sz="2800" spc="-1" strike="noStrike">
-              <a:solidFill>
-                <a:srgbClr val="000000"/>
-              </a:solidFill>
-              <a:latin typeface="Calibri"/>
+            <a:endParaRPr b="0" lang="en-US" sz="3200" spc="-1" strike="noStrike">
+              <a:latin typeface="Arial"/>
             </a:endParaRPr>
           </a:p>
         </p:txBody>
@@ -3319,7 +3137,7 @@
         <p:spPr>
           <a:xfrm>
             <a:off x="15480" y="3562560"/>
-            <a:ext cx="12013200" cy="3295080"/>
+            <a:ext cx="12012480" cy="3294360"/>
           </a:xfrm>
           <a:prstGeom prst="rect">
             <a:avLst/>
@@ -3329,127 +3147,9 @@
           </a:ln>
         </p:spPr>
       </p:pic>
-      <p:sp>
-        <p:nvSpPr>
-          <p:cNvPr id="1" name="PlaceHolder 1"/>
-          <p:cNvSpPr>
-            <a:spLocks noGrp="1"/>
-          </p:cNvSpPr>
-          <p:nvPr>
-            <p:ph type="dt"/>
-          </p:nvPr>
-        </p:nvSpPr>
-        <p:spPr>
-          <a:xfrm>
-            <a:off x="838080" y="6356520"/>
-            <a:ext cx="2742840" cy="364680"/>
-          </a:xfrm>
-          <a:prstGeom prst="rect">
-            <a:avLst/>
-          </a:prstGeom>
-        </p:spPr>
-        <p:txBody>
-          <a:bodyPr anchor="ctr">
-            <a:noAutofit/>
-          </a:bodyPr>
-          <a:p>
-            <a:pPr>
-              <a:lnSpc>
-                <a:spcPct val="100000"/>
-              </a:lnSpc>
-            </a:pPr>
-            <a:fld id="{5E5F06E3-3A54-4D3D-84EC-E3916482FDD1}" type="datetime">
-              <a:rPr b="0" lang="en-US" sz="1200" spc="-1" strike="noStrike">
-                <a:solidFill>
-                  <a:srgbClr val="8b8b8b"/>
-                </a:solidFill>
-                <a:latin typeface="Calibri"/>
-              </a:rPr>
-              <a:t>6/13/19</a:t>
-            </a:fld>
-            <a:endParaRPr b="0" lang="en-US" sz="1200" spc="-1" strike="noStrike">
-              <a:latin typeface="Times New Roman"/>
-            </a:endParaRPr>
-          </a:p>
-        </p:txBody>
-      </p:sp>
-      <p:sp>
-        <p:nvSpPr>
-          <p:cNvPr id="2" name="PlaceHolder 2"/>
-          <p:cNvSpPr>
-            <a:spLocks noGrp="1"/>
-          </p:cNvSpPr>
-          <p:nvPr>
-            <p:ph type="ftr"/>
-          </p:nvPr>
-        </p:nvSpPr>
-        <p:spPr>
-          <a:xfrm>
-            <a:off x="4038480" y="6356520"/>
-            <a:ext cx="4114440" cy="364680"/>
-          </a:xfrm>
-          <a:prstGeom prst="rect">
-            <a:avLst/>
-          </a:prstGeom>
-        </p:spPr>
-        <p:txBody>
-          <a:bodyPr anchor="ctr">
-            <a:noAutofit/>
-          </a:bodyPr>
-          <a:p>
-            <a:endParaRPr b="0" lang="en-US" sz="2400" spc="-1" strike="noStrike">
-              <a:latin typeface="Times New Roman"/>
-            </a:endParaRPr>
-          </a:p>
-        </p:txBody>
-      </p:sp>
-      <p:sp>
-        <p:nvSpPr>
-          <p:cNvPr id="3" name="PlaceHolder 3"/>
-          <p:cNvSpPr>
-            <a:spLocks noGrp="1"/>
-          </p:cNvSpPr>
-          <p:nvPr>
-            <p:ph type="sldNum"/>
-          </p:nvPr>
-        </p:nvSpPr>
-        <p:spPr>
-          <a:xfrm>
-            <a:off x="8610480" y="6356520"/>
-            <a:ext cx="2742840" cy="364680"/>
-          </a:xfrm>
-          <a:prstGeom prst="rect">
-            <a:avLst/>
-          </a:prstGeom>
-        </p:spPr>
-        <p:txBody>
-          <a:bodyPr anchor="ctr">
-            <a:noAutofit/>
-          </a:bodyPr>
-          <a:p>
-            <a:pPr algn="r">
-              <a:lnSpc>
-                <a:spcPct val="100000"/>
-              </a:lnSpc>
-            </a:pPr>
-            <a:fld id="{CF34E05E-6DF1-4FC0-A8A7-9BEF57CA08C6}" type="slidenum">
-              <a:rPr b="0" lang="en-US" sz="1200" spc="-1" strike="noStrike">
-                <a:solidFill>
-                  <a:srgbClr val="8b8b8b"/>
-                </a:solidFill>
-                <a:latin typeface="Calibri"/>
-              </a:rPr>
-              <a:t>&lt;number&gt;</a:t>
-            </a:fld>
-            <a:endParaRPr b="0" lang="en-US" sz="1200" spc="-1" strike="noStrike">
-              <a:latin typeface="Times New Roman"/>
-            </a:endParaRPr>
-          </a:p>
-        </p:txBody>
-      </p:sp>
       <p:pic>
         <p:nvPicPr>
-          <p:cNvPr id="4" name="Logo" descr=""/>
+          <p:cNvPr id="1" name="Logo" descr=""/>
           <p:cNvPicPr/>
           <p:nvPr/>
         </p:nvPicPr>
@@ -3460,7 +3160,7 @@
         <p:spPr>
           <a:xfrm>
             <a:off x="4366800" y="516600"/>
-            <a:ext cx="3310560" cy="664560"/>
+            <a:ext cx="3309840" cy="663840"/>
           </a:xfrm>
           <a:prstGeom prst="rect">
             <a:avLst/>
@@ -3472,71 +3172,14 @@
       </p:pic>
       <p:sp>
         <p:nvSpPr>
-          <p:cNvPr id="5" name="PlaceHolder 4"/>
-          <p:cNvSpPr>
-            <a:spLocks noGrp="1"/>
-          </p:cNvSpPr>
-          <p:nvPr>
-            <p:ph type="title"/>
-          </p:nvPr>
-        </p:nvSpPr>
-        <p:spPr>
-          <a:xfrm>
-            <a:off x="4366800" y="2760480"/>
-            <a:ext cx="7607160" cy="1325160"/>
-          </a:xfrm>
-          <a:prstGeom prst="rect">
-            <a:avLst/>
-          </a:prstGeom>
-        </p:spPr>
-        <p:txBody>
-          <a:bodyPr lIns="90000" rIns="90000" tIns="45000" bIns="45000" anchor="ctr">
-            <a:noAutofit/>
-          </a:bodyPr>
-          <a:p>
-            <a:pPr>
-              <a:lnSpc>
-                <a:spcPct val="80000"/>
-              </a:lnSpc>
-            </a:pPr>
-            <a:r>
-              <a:rPr b="1" lang="ru-RU" sz="4000" spc="-1" strike="noStrike">
-                <a:solidFill>
-                  <a:srgbClr val="263996"/>
-                </a:solidFill>
-                <a:latin typeface="Calibri"/>
-              </a:rPr>
-              <a:t>ФИНАЛ КОНКУРСА ПРОЕКТОВ </a:t>
-            </a:r>
-            <a:br/>
-            <a:r>
-              <a:rPr b="1" lang="ru-RU" sz="4000" spc="-1" strike="noStrike">
-                <a:solidFill>
-                  <a:srgbClr val="263996"/>
-                </a:solidFill>
-                <a:latin typeface="Calibri"/>
-              </a:rPr>
-              <a:t>IOT АКАДЕМИИ SAMSUNG</a:t>
-            </a:r>
-            <a:endParaRPr b="0" lang="ru-RU" sz="4000" spc="-1" strike="noStrike">
-              <a:solidFill>
-                <a:srgbClr val="000000"/>
-              </a:solidFill>
-              <a:latin typeface="Calibri"/>
-            </a:endParaRPr>
-          </a:p>
-        </p:txBody>
-      </p:sp>
-      <p:sp>
-        <p:nvSpPr>
-          <p:cNvPr id="6" name="CustomShape 5"/>
+          <p:cNvPr id="2" name="CustomShape 1"/>
           <p:cNvSpPr/>
           <p:nvPr/>
         </p:nvSpPr>
         <p:spPr>
           <a:xfrm>
             <a:off x="4095720" y="443880"/>
-            <a:ext cx="35640" cy="4307760"/>
+            <a:ext cx="34920" cy="4307040"/>
           </a:xfrm>
           <a:prstGeom prst="rect">
             <a:avLst/>
@@ -3573,14 +3216,14 @@
       </p:sp>
       <p:sp>
         <p:nvSpPr>
-          <p:cNvPr id="7" name="CustomShape 6"/>
+          <p:cNvPr id="3" name="CustomShape 2"/>
           <p:cNvSpPr/>
           <p:nvPr/>
         </p:nvSpPr>
         <p:spPr>
           <a:xfrm>
             <a:off x="4015800" y="443880"/>
-            <a:ext cx="35640" cy="1799640"/>
+            <a:ext cx="34920" cy="1798920"/>
           </a:xfrm>
           <a:prstGeom prst="rect">
             <a:avLst/>
@@ -3617,23 +3260,24 @@
       </p:sp>
       <p:sp>
         <p:nvSpPr>
-          <p:cNvPr id="8" name="CustomShape 7"/>
+          <p:cNvPr id="4" name="CustomShape 3"/>
           <p:cNvSpPr/>
           <p:nvPr/>
         </p:nvSpPr>
         <p:spPr>
           <a:xfrm>
             <a:off x="3933720" y="4743720"/>
-            <a:ext cx="360000" cy="360000"/>
+            <a:ext cx="359280" cy="359280"/>
           </a:xfrm>
           <a:prstGeom prst="ellipse">
             <a:avLst/>
           </a:prstGeom>
           <a:noFill/>
-          <a:ln w="25560">
+          <a:ln>
             <a:solidFill>
               <a:srgbClr val="0086ce"/>
             </a:solidFill>
+            <a:round/>
           </a:ln>
         </p:spPr>
         <p:style>
@@ -3653,7 +3297,44 @@
       </p:sp>
       <p:sp>
         <p:nvSpPr>
-          <p:cNvPr id="9" name="PlaceHolder 8"/>
+          <p:cNvPr id="5" name="PlaceHolder 4"/>
+          <p:cNvSpPr>
+            <a:spLocks noGrp="1"/>
+          </p:cNvSpPr>
+          <p:nvPr>
+            <p:ph type="title"/>
+          </p:nvPr>
+        </p:nvSpPr>
+        <p:spPr>
+          <a:xfrm>
+            <a:off x="609480" y="273600"/>
+            <a:ext cx="10972440" cy="1144800"/>
+          </a:xfrm>
+          <a:prstGeom prst="rect">
+            <a:avLst/>
+          </a:prstGeom>
+        </p:spPr>
+        <p:txBody>
+          <a:bodyPr lIns="0" rIns="0" tIns="0" bIns="0" anchor="ctr">
+            <a:noAutofit/>
+          </a:bodyPr>
+          <a:p>
+            <a:pPr algn="ctr"/>
+            <a:r>
+              <a:rPr b="0" lang="en-US" sz="4400" spc="-1" strike="noStrike">
+                <a:latin typeface="Arial"/>
+              </a:rPr>
+              <a:t>Click to edit the title text format</a:t>
+            </a:r>
+            <a:endParaRPr b="0" lang="en-US" sz="4400" spc="-1" strike="noStrike">
+              <a:latin typeface="Arial"/>
+            </a:endParaRPr>
+          </a:p>
+        </p:txBody>
+      </p:sp>
+      <p:sp>
+        <p:nvSpPr>
+          <p:cNvPr id="6" name="PlaceHolder 5"/>
           <p:cNvSpPr>
             <a:spLocks noGrp="1"/>
           </p:cNvSpPr>
@@ -3687,19 +3368,13 @@
               <a:buChar char=""/>
             </a:pPr>
             <a:r>
-              <a:rPr b="0" lang="ru-RU" sz="2800" spc="-1" strike="noStrike">
-                <a:solidFill>
-                  <a:srgbClr val="000000"/>
-                </a:solidFill>
-                <a:latin typeface="Calibri"/>
+              <a:rPr b="0" lang="en-US" sz="3200" spc="-1" strike="noStrike">
+                <a:latin typeface="Arial"/>
               </a:rPr>
               <a:t>Click to edit the outline text format</a:t>
             </a:r>
-            <a:endParaRPr b="0" lang="ru-RU" sz="2800" spc="-1" strike="noStrike">
-              <a:solidFill>
-                <a:srgbClr val="000000"/>
-              </a:solidFill>
-              <a:latin typeface="Calibri"/>
+            <a:endParaRPr b="0" lang="en-US" sz="3200" spc="-1" strike="noStrike">
+              <a:latin typeface="Arial"/>
             </a:endParaRPr>
           </a:p>
           <a:p>
@@ -3715,19 +3390,13 @@
               <a:buChar char=""/>
             </a:pPr>
             <a:r>
-              <a:rPr b="0" lang="ru-RU" sz="2000" spc="-1" strike="noStrike">
-                <a:solidFill>
-                  <a:srgbClr val="000000"/>
-                </a:solidFill>
-                <a:latin typeface="Calibri"/>
+              <a:rPr b="0" lang="en-US" sz="2800" spc="-1" strike="noStrike">
+                <a:latin typeface="Arial"/>
               </a:rPr>
               <a:t>Second Outline Level</a:t>
             </a:r>
-            <a:endParaRPr b="0" lang="ru-RU" sz="2000" spc="-1" strike="noStrike">
-              <a:solidFill>
-                <a:srgbClr val="000000"/>
-              </a:solidFill>
-              <a:latin typeface="Calibri"/>
+            <a:endParaRPr b="0" lang="en-US" sz="2800" spc="-1" strike="noStrike">
+              <a:latin typeface="Arial"/>
             </a:endParaRPr>
           </a:p>
           <a:p>
@@ -3743,19 +3412,13 @@
               <a:buChar char=""/>
             </a:pPr>
             <a:r>
-              <a:rPr b="0" lang="ru-RU" sz="1800" spc="-1" strike="noStrike">
-                <a:solidFill>
-                  <a:srgbClr val="000000"/>
-                </a:solidFill>
-                <a:latin typeface="Calibri"/>
+              <a:rPr b="0" lang="en-US" sz="2400" spc="-1" strike="noStrike">
+                <a:latin typeface="Arial"/>
               </a:rPr>
               <a:t>Third Outline Level</a:t>
             </a:r>
-            <a:endParaRPr b="0" lang="ru-RU" sz="1800" spc="-1" strike="noStrike">
-              <a:solidFill>
-                <a:srgbClr val="000000"/>
-              </a:solidFill>
-              <a:latin typeface="Calibri"/>
+            <a:endParaRPr b="0" lang="en-US" sz="2400" spc="-1" strike="noStrike">
+              <a:latin typeface="Arial"/>
             </a:endParaRPr>
           </a:p>
           <a:p>
@@ -3771,19 +3434,13 @@
               <a:buChar char=""/>
             </a:pPr>
             <a:r>
-              <a:rPr b="0" lang="ru-RU" sz="1800" spc="-1" strike="noStrike">
-                <a:solidFill>
-                  <a:srgbClr val="000000"/>
-                </a:solidFill>
-                <a:latin typeface="Calibri"/>
+              <a:rPr b="0" lang="en-US" sz="2000" spc="-1" strike="noStrike">
+                <a:latin typeface="Arial"/>
               </a:rPr>
               <a:t>Fourth Outline Level</a:t>
             </a:r>
-            <a:endParaRPr b="0" lang="ru-RU" sz="1800" spc="-1" strike="noStrike">
-              <a:solidFill>
-                <a:srgbClr val="000000"/>
-              </a:solidFill>
-              <a:latin typeface="Calibri"/>
+            <a:endParaRPr b="0" lang="en-US" sz="2000" spc="-1" strike="noStrike">
+              <a:latin typeface="Arial"/>
             </a:endParaRPr>
           </a:p>
           <a:p>
@@ -3799,19 +3456,13 @@
               <a:buChar char=""/>
             </a:pPr>
             <a:r>
-              <a:rPr b="0" lang="ru-RU" sz="2000" spc="-1" strike="noStrike">
-                <a:solidFill>
-                  <a:srgbClr val="000000"/>
-                </a:solidFill>
-                <a:latin typeface="Calibri"/>
+              <a:rPr b="0" lang="en-US" sz="2000" spc="-1" strike="noStrike">
+                <a:latin typeface="Arial"/>
               </a:rPr>
               <a:t>Fifth Outline Level</a:t>
             </a:r>
-            <a:endParaRPr b="0" lang="ru-RU" sz="2000" spc="-1" strike="noStrike">
-              <a:solidFill>
-                <a:srgbClr val="000000"/>
-              </a:solidFill>
-              <a:latin typeface="Calibri"/>
+            <a:endParaRPr b="0" lang="en-US" sz="2000" spc="-1" strike="noStrike">
+              <a:latin typeface="Arial"/>
             </a:endParaRPr>
           </a:p>
           <a:p>
@@ -3827,19 +3478,13 @@
               <a:buChar char=""/>
             </a:pPr>
             <a:r>
-              <a:rPr b="0" lang="ru-RU" sz="2000" spc="-1" strike="noStrike">
-                <a:solidFill>
-                  <a:srgbClr val="000000"/>
-                </a:solidFill>
-                <a:latin typeface="Calibri"/>
+              <a:rPr b="0" lang="en-US" sz="2000" spc="-1" strike="noStrike">
+                <a:latin typeface="Arial"/>
               </a:rPr>
               <a:t>Sixth Outline Level</a:t>
             </a:r>
-            <a:endParaRPr b="0" lang="ru-RU" sz="2000" spc="-1" strike="noStrike">
-              <a:solidFill>
-                <a:srgbClr val="000000"/>
-              </a:solidFill>
-              <a:latin typeface="Calibri"/>
+            <a:endParaRPr b="0" lang="en-US" sz="2000" spc="-1" strike="noStrike">
+              <a:latin typeface="Arial"/>
             </a:endParaRPr>
           </a:p>
           <a:p>
@@ -3855,19 +3500,13 @@
               <a:buChar char=""/>
             </a:pPr>
             <a:r>
-              <a:rPr b="0" lang="ru-RU" sz="2000" spc="-1" strike="noStrike">
-                <a:solidFill>
-                  <a:srgbClr val="000000"/>
-                </a:solidFill>
-                <a:latin typeface="Calibri"/>
+              <a:rPr b="0" lang="en-US" sz="2000" spc="-1" strike="noStrike">
+                <a:latin typeface="Arial"/>
               </a:rPr>
               <a:t>Seventh Outline Level</a:t>
             </a:r>
-            <a:endParaRPr b="0" lang="ru-RU" sz="2000" spc="-1" strike="noStrike">
-              <a:solidFill>
-                <a:srgbClr val="000000"/>
-              </a:solidFill>
-              <a:latin typeface="Calibri"/>
+            <a:endParaRPr b="0" lang="en-US" sz="2000" spc="-1" strike="noStrike">
+              <a:latin typeface="Arial"/>
             </a:endParaRPr>
           </a:p>
         </p:txBody>
@@ -3918,7 +3557,7 @@
       </p:grpSpPr>
       <p:pic>
         <p:nvPicPr>
-          <p:cNvPr id="46" name="Houses" descr=""/>
+          <p:cNvPr id="43" name="Houses" descr=""/>
           <p:cNvPicPr/>
           <p:nvPr/>
         </p:nvPicPr>
@@ -3930,7 +3569,7 @@
         <p:spPr>
           <a:xfrm>
             <a:off x="15480" y="3562560"/>
-            <a:ext cx="12013200" cy="3295080"/>
+            <a:ext cx="12012480" cy="3294360"/>
           </a:xfrm>
           <a:prstGeom prst="rect">
             <a:avLst/>
@@ -3940,127 +3579,9 @@
           </a:ln>
         </p:spPr>
       </p:pic>
-      <p:sp>
-        <p:nvSpPr>
-          <p:cNvPr id="47" name="PlaceHolder 1"/>
-          <p:cNvSpPr>
-            <a:spLocks noGrp="1"/>
-          </p:cNvSpPr>
-          <p:nvPr>
-            <p:ph type="dt"/>
-          </p:nvPr>
-        </p:nvSpPr>
-        <p:spPr>
-          <a:xfrm>
-            <a:off x="838080" y="6356520"/>
-            <a:ext cx="2742840" cy="364680"/>
-          </a:xfrm>
-          <a:prstGeom prst="rect">
-            <a:avLst/>
-          </a:prstGeom>
-        </p:spPr>
-        <p:txBody>
-          <a:bodyPr anchor="ctr">
-            <a:noAutofit/>
-          </a:bodyPr>
-          <a:p>
-            <a:pPr>
-              <a:lnSpc>
-                <a:spcPct val="100000"/>
-              </a:lnSpc>
-            </a:pPr>
-            <a:fld id="{7D06418B-6A05-4814-8389-0F8EA5D7E30A}" type="datetime">
-              <a:rPr b="0" lang="en-US" sz="1200" spc="-1" strike="noStrike">
-                <a:solidFill>
-                  <a:srgbClr val="8b8b8b"/>
-                </a:solidFill>
-                <a:latin typeface="Calibri"/>
-              </a:rPr>
-              <a:t>6/13/19</a:t>
-            </a:fld>
-            <a:endParaRPr b="0" lang="en-US" sz="1200" spc="-1" strike="noStrike">
-              <a:latin typeface="Times New Roman"/>
-            </a:endParaRPr>
-          </a:p>
-        </p:txBody>
-      </p:sp>
-      <p:sp>
-        <p:nvSpPr>
-          <p:cNvPr id="48" name="PlaceHolder 2"/>
-          <p:cNvSpPr>
-            <a:spLocks noGrp="1"/>
-          </p:cNvSpPr>
-          <p:nvPr>
-            <p:ph type="ftr"/>
-          </p:nvPr>
-        </p:nvSpPr>
-        <p:spPr>
-          <a:xfrm>
-            <a:off x="4038480" y="6356520"/>
-            <a:ext cx="4114440" cy="364680"/>
-          </a:xfrm>
-          <a:prstGeom prst="rect">
-            <a:avLst/>
-          </a:prstGeom>
-        </p:spPr>
-        <p:txBody>
-          <a:bodyPr anchor="ctr">
-            <a:noAutofit/>
-          </a:bodyPr>
-          <a:p>
-            <a:endParaRPr b="0" lang="en-US" sz="2400" spc="-1" strike="noStrike">
-              <a:latin typeface="Times New Roman"/>
-            </a:endParaRPr>
-          </a:p>
-        </p:txBody>
-      </p:sp>
-      <p:sp>
-        <p:nvSpPr>
-          <p:cNvPr id="49" name="PlaceHolder 3"/>
-          <p:cNvSpPr>
-            <a:spLocks noGrp="1"/>
-          </p:cNvSpPr>
-          <p:nvPr>
-            <p:ph type="sldNum"/>
-          </p:nvPr>
-        </p:nvSpPr>
-        <p:spPr>
-          <a:xfrm>
-            <a:off x="8610480" y="6356520"/>
-            <a:ext cx="2742840" cy="364680"/>
-          </a:xfrm>
-          <a:prstGeom prst="rect">
-            <a:avLst/>
-          </a:prstGeom>
-        </p:spPr>
-        <p:txBody>
-          <a:bodyPr anchor="ctr">
-            <a:noAutofit/>
-          </a:bodyPr>
-          <a:p>
-            <a:pPr algn="r">
-              <a:lnSpc>
-                <a:spcPct val="100000"/>
-              </a:lnSpc>
-            </a:pPr>
-            <a:fld id="{2A8E4122-DEFD-4B0A-BDC8-F10E39B6528B}" type="slidenum">
-              <a:rPr b="0" lang="en-US" sz="1200" spc="-1" strike="noStrike">
-                <a:solidFill>
-                  <a:srgbClr val="8b8b8b"/>
-                </a:solidFill>
-                <a:latin typeface="Calibri"/>
-              </a:rPr>
-              <a:t>1</a:t>
-            </a:fld>
-            <a:endParaRPr b="0" lang="en-US" sz="1200" spc="-1" strike="noStrike">
-              <a:latin typeface="Times New Roman"/>
-            </a:endParaRPr>
-          </a:p>
-        </p:txBody>
-      </p:sp>
       <p:pic>
         <p:nvPicPr>
-          <p:cNvPr id="50" name="Logo" descr=""/>
+          <p:cNvPr id="44" name="Logo" descr=""/>
           <p:cNvPicPr/>
           <p:nvPr/>
         </p:nvPicPr>
@@ -4071,7 +3592,7 @@
         <p:spPr>
           <a:xfrm>
             <a:off x="9628920" y="253080"/>
-            <a:ext cx="2230920" cy="447840"/>
+            <a:ext cx="2230200" cy="447120"/>
           </a:xfrm>
           <a:prstGeom prst="rect">
             <a:avLst/>
@@ -4083,61 +3604,14 @@
       </p:pic>
       <p:sp>
         <p:nvSpPr>
-          <p:cNvPr id="51" name="PlaceHolder 4"/>
-          <p:cNvSpPr>
-            <a:spLocks noGrp="1"/>
-          </p:cNvSpPr>
-          <p:nvPr>
-            <p:ph type="title"/>
-          </p:nvPr>
-        </p:nvSpPr>
-        <p:spPr>
-          <a:xfrm>
-            <a:off x="545760" y="285840"/>
-            <a:ext cx="8789040" cy="399600"/>
-          </a:xfrm>
-          <a:prstGeom prst="rect">
-            <a:avLst/>
-          </a:prstGeom>
-        </p:spPr>
-        <p:txBody>
-          <a:bodyPr lIns="90000" rIns="90000" tIns="45000" bIns="45000" anchor="ctr">
-            <a:noAutofit/>
-          </a:bodyPr>
-          <a:p>
-            <a:pPr>
-              <a:lnSpc>
-                <a:spcPct val="80000"/>
-              </a:lnSpc>
-            </a:pPr>
-            <a:r>
-              <a:rPr b="1" lang="ru-RU" sz="2800" spc="-1" strike="noStrike">
-                <a:solidFill>
-                  <a:srgbClr val="263996"/>
-                </a:solidFill>
-                <a:latin typeface="Calibri"/>
-              </a:rPr>
-              <a:t>Заголовок</a:t>
-            </a:r>
-            <a:endParaRPr b="0" lang="ru-RU" sz="2800" spc="-1" strike="noStrike">
-              <a:solidFill>
-                <a:srgbClr val="000000"/>
-              </a:solidFill>
-              <a:latin typeface="Calibri"/>
-            </a:endParaRPr>
-          </a:p>
-        </p:txBody>
-      </p:sp>
-      <p:sp>
-        <p:nvSpPr>
-          <p:cNvPr id="52" name="CustomShape 5"/>
+          <p:cNvPr id="45" name="CustomShape 1"/>
           <p:cNvSpPr/>
           <p:nvPr/>
         </p:nvSpPr>
         <p:spPr>
           <a:xfrm rot="5400000">
-            <a:off x="9142560" y="-1901880"/>
-            <a:ext cx="35640" cy="5399640"/>
+            <a:off x="9143280" y="-1901880"/>
+            <a:ext cx="34920" cy="5398920"/>
           </a:xfrm>
           <a:prstGeom prst="rect">
             <a:avLst/>
@@ -4174,14 +3648,14 @@
       </p:sp>
       <p:sp>
         <p:nvSpPr>
-          <p:cNvPr id="53" name="CustomShape 6"/>
+          <p:cNvPr id="46" name="CustomShape 2"/>
           <p:cNvSpPr/>
           <p:nvPr/>
         </p:nvSpPr>
         <p:spPr>
           <a:xfrm rot="5400000">
-            <a:off x="1190880" y="437760"/>
-            <a:ext cx="35640" cy="719640"/>
+            <a:off x="1191600" y="437040"/>
+            <a:ext cx="34920" cy="718920"/>
           </a:xfrm>
           <a:prstGeom prst="rect">
             <a:avLst/>
@@ -4210,14 +3684,14 @@
       </p:sp>
       <p:sp>
         <p:nvSpPr>
-          <p:cNvPr id="54" name="CustomShape 7"/>
+          <p:cNvPr id="47" name="CustomShape 3"/>
           <p:cNvSpPr/>
           <p:nvPr/>
         </p:nvSpPr>
         <p:spPr>
           <a:xfrm>
             <a:off x="0" y="2050560"/>
-            <a:ext cx="12191760" cy="4807080"/>
+            <a:ext cx="12191040" cy="4806360"/>
           </a:xfrm>
           <a:prstGeom prst="rect">
             <a:avLst/>
@@ -4248,23 +3722,24 @@
       </p:sp>
       <p:sp>
         <p:nvSpPr>
-          <p:cNvPr id="55" name="CustomShape 8"/>
+          <p:cNvPr id="48" name="CustomShape 4"/>
           <p:cNvSpPr/>
           <p:nvPr/>
         </p:nvSpPr>
         <p:spPr>
           <a:xfrm>
             <a:off x="1568520" y="694440"/>
-            <a:ext cx="207000" cy="207000"/>
+            <a:ext cx="206280" cy="206280"/>
           </a:xfrm>
           <a:prstGeom prst="ellipse">
             <a:avLst/>
           </a:prstGeom>
           <a:noFill/>
-          <a:ln w="25560">
+          <a:ln>
             <a:solidFill>
               <a:srgbClr val="0086ce"/>
             </a:solidFill>
+            <a:round/>
           </a:ln>
         </p:spPr>
         <p:style>
@@ -4284,23 +3759,24 @@
       </p:sp>
       <p:sp>
         <p:nvSpPr>
-          <p:cNvPr id="56" name="CustomShape 9"/>
+          <p:cNvPr id="49" name="CustomShape 5"/>
           <p:cNvSpPr/>
           <p:nvPr/>
         </p:nvSpPr>
         <p:spPr>
           <a:xfrm>
             <a:off x="6252480" y="694440"/>
-            <a:ext cx="207000" cy="207000"/>
+            <a:ext cx="206280" cy="206280"/>
           </a:xfrm>
           <a:prstGeom prst="ellipse">
             <a:avLst/>
           </a:prstGeom>
           <a:noFill/>
-          <a:ln w="25560">
+          <a:ln>
             <a:solidFill>
               <a:srgbClr val="0086ce"/>
             </a:solidFill>
+            <a:round/>
           </a:ln>
         </p:spPr>
         <p:style>
@@ -4320,23 +3796,24 @@
       </p:sp>
       <p:sp>
         <p:nvSpPr>
-          <p:cNvPr id="57" name="CustomShape 10"/>
+          <p:cNvPr id="50" name="CustomShape 6"/>
           <p:cNvSpPr/>
           <p:nvPr/>
         </p:nvSpPr>
         <p:spPr>
           <a:xfrm>
             <a:off x="647640" y="694440"/>
-            <a:ext cx="207000" cy="207000"/>
+            <a:ext cx="206280" cy="206280"/>
           </a:xfrm>
           <a:prstGeom prst="ellipse">
             <a:avLst/>
           </a:prstGeom>
           <a:noFill/>
-          <a:ln w="25560">
+          <a:ln>
             <a:solidFill>
               <a:srgbClr val="0086ce"/>
             </a:solidFill>
+            <a:round/>
           </a:ln>
         </p:spPr>
         <p:style>
@@ -4356,14 +3833,14 @@
       </p:sp>
       <p:sp>
         <p:nvSpPr>
-          <p:cNvPr id="58" name="CustomShape 11"/>
+          <p:cNvPr id="51" name="CustomShape 7"/>
           <p:cNvSpPr/>
           <p:nvPr/>
         </p:nvSpPr>
         <p:spPr>
           <a:xfrm>
             <a:off x="6959520" y="6400800"/>
-            <a:ext cx="5110200" cy="346680"/>
+            <a:ext cx="5109480" cy="345960"/>
           </a:xfrm>
           <a:prstGeom prst="rect">
             <a:avLst/>
@@ -4395,6 +3872,7 @@
                   <a:srgbClr val="808080"/>
                 </a:solidFill>
                 <a:latin typeface="Calibri"/>
+                <a:ea typeface="DejaVu Sans"/>
               </a:rPr>
               <a:t>ИТОГОВЫЙ  КОНКУРС ПРОЕКТОВ В РТУ МИРЭА - 2019 </a:t>
             </a:r>
@@ -4406,7 +3884,44 @@
       </p:sp>
       <p:sp>
         <p:nvSpPr>
-          <p:cNvPr id="59" name="PlaceHolder 12"/>
+          <p:cNvPr id="52" name="PlaceHolder 8"/>
+          <p:cNvSpPr>
+            <a:spLocks noGrp="1"/>
+          </p:cNvSpPr>
+          <p:nvPr>
+            <p:ph type="title"/>
+          </p:nvPr>
+        </p:nvSpPr>
+        <p:spPr>
+          <a:xfrm>
+            <a:off x="609480" y="273600"/>
+            <a:ext cx="10972440" cy="1144800"/>
+          </a:xfrm>
+          <a:prstGeom prst="rect">
+            <a:avLst/>
+          </a:prstGeom>
+        </p:spPr>
+        <p:txBody>
+          <a:bodyPr lIns="0" rIns="0" tIns="0" bIns="0" anchor="ctr">
+            <a:noAutofit/>
+          </a:bodyPr>
+          <a:p>
+            <a:pPr algn="ctr"/>
+            <a:r>
+              <a:rPr b="0" lang="en-US" sz="4400" spc="-1" strike="noStrike">
+                <a:latin typeface="Arial"/>
+              </a:rPr>
+              <a:t>Click to edit the title text format</a:t>
+            </a:r>
+            <a:endParaRPr b="0" lang="en-US" sz="4400" spc="-1" strike="noStrike">
+              <a:latin typeface="Arial"/>
+            </a:endParaRPr>
+          </a:p>
+        </p:txBody>
+      </p:sp>
+      <p:sp>
+        <p:nvSpPr>
+          <p:cNvPr id="53" name="PlaceHolder 9"/>
           <p:cNvSpPr>
             <a:spLocks noGrp="1"/>
           </p:cNvSpPr>
@@ -4440,19 +3955,13 @@
               <a:buChar char=""/>
             </a:pPr>
             <a:r>
-              <a:rPr b="0" lang="ru-RU" sz="2800" spc="-1" strike="noStrike">
-                <a:solidFill>
-                  <a:srgbClr val="000000"/>
-                </a:solidFill>
-                <a:latin typeface="Calibri"/>
+              <a:rPr b="0" lang="en-US" sz="3200" spc="-1" strike="noStrike">
+                <a:latin typeface="Arial"/>
               </a:rPr>
               <a:t>Click to edit the outline text format</a:t>
             </a:r>
-            <a:endParaRPr b="0" lang="ru-RU" sz="2800" spc="-1" strike="noStrike">
-              <a:solidFill>
-                <a:srgbClr val="000000"/>
-              </a:solidFill>
-              <a:latin typeface="Calibri"/>
+            <a:endParaRPr b="0" lang="en-US" sz="3200" spc="-1" strike="noStrike">
+              <a:latin typeface="Arial"/>
             </a:endParaRPr>
           </a:p>
           <a:p>
@@ -4468,19 +3977,13 @@
               <a:buChar char=""/>
             </a:pPr>
             <a:r>
-              <a:rPr b="0" lang="ru-RU" sz="2000" spc="-1" strike="noStrike">
-                <a:solidFill>
-                  <a:srgbClr val="000000"/>
-                </a:solidFill>
-                <a:latin typeface="Calibri"/>
+              <a:rPr b="0" lang="en-US" sz="2800" spc="-1" strike="noStrike">
+                <a:latin typeface="Arial"/>
               </a:rPr>
               <a:t>Second Outline Level</a:t>
             </a:r>
-            <a:endParaRPr b="0" lang="ru-RU" sz="2000" spc="-1" strike="noStrike">
-              <a:solidFill>
-                <a:srgbClr val="000000"/>
-              </a:solidFill>
-              <a:latin typeface="Calibri"/>
+            <a:endParaRPr b="0" lang="en-US" sz="2800" spc="-1" strike="noStrike">
+              <a:latin typeface="Arial"/>
             </a:endParaRPr>
           </a:p>
           <a:p>
@@ -4496,19 +3999,13 @@
               <a:buChar char=""/>
             </a:pPr>
             <a:r>
-              <a:rPr b="0" lang="ru-RU" sz="1800" spc="-1" strike="noStrike">
-                <a:solidFill>
-                  <a:srgbClr val="000000"/>
-                </a:solidFill>
-                <a:latin typeface="Calibri"/>
+              <a:rPr b="0" lang="en-US" sz="2400" spc="-1" strike="noStrike">
+                <a:latin typeface="Arial"/>
               </a:rPr>
               <a:t>Third Outline Level</a:t>
             </a:r>
-            <a:endParaRPr b="0" lang="ru-RU" sz="1800" spc="-1" strike="noStrike">
-              <a:solidFill>
-                <a:srgbClr val="000000"/>
-              </a:solidFill>
-              <a:latin typeface="Calibri"/>
+            <a:endParaRPr b="0" lang="en-US" sz="2400" spc="-1" strike="noStrike">
+              <a:latin typeface="Arial"/>
             </a:endParaRPr>
           </a:p>
           <a:p>
@@ -4524,19 +4021,13 @@
               <a:buChar char=""/>
             </a:pPr>
             <a:r>
-              <a:rPr b="0" lang="ru-RU" sz="1800" spc="-1" strike="noStrike">
-                <a:solidFill>
-                  <a:srgbClr val="000000"/>
-                </a:solidFill>
-                <a:latin typeface="Calibri"/>
+              <a:rPr b="0" lang="en-US" sz="2000" spc="-1" strike="noStrike">
+                <a:latin typeface="Arial"/>
               </a:rPr>
               <a:t>Fourth Outline Level</a:t>
             </a:r>
-            <a:endParaRPr b="0" lang="ru-RU" sz="1800" spc="-1" strike="noStrike">
-              <a:solidFill>
-                <a:srgbClr val="000000"/>
-              </a:solidFill>
-              <a:latin typeface="Calibri"/>
+            <a:endParaRPr b="0" lang="en-US" sz="2000" spc="-1" strike="noStrike">
+              <a:latin typeface="Arial"/>
             </a:endParaRPr>
           </a:p>
           <a:p>
@@ -4552,19 +4043,13 @@
               <a:buChar char=""/>
             </a:pPr>
             <a:r>
-              <a:rPr b="0" lang="ru-RU" sz="2000" spc="-1" strike="noStrike">
-                <a:solidFill>
-                  <a:srgbClr val="000000"/>
-                </a:solidFill>
-                <a:latin typeface="Calibri"/>
+              <a:rPr b="0" lang="en-US" sz="2000" spc="-1" strike="noStrike">
+                <a:latin typeface="Arial"/>
               </a:rPr>
               <a:t>Fifth Outline Level</a:t>
             </a:r>
-            <a:endParaRPr b="0" lang="ru-RU" sz="2000" spc="-1" strike="noStrike">
-              <a:solidFill>
-                <a:srgbClr val="000000"/>
-              </a:solidFill>
-              <a:latin typeface="Calibri"/>
+            <a:endParaRPr b="0" lang="en-US" sz="2000" spc="-1" strike="noStrike">
+              <a:latin typeface="Arial"/>
             </a:endParaRPr>
           </a:p>
           <a:p>
@@ -4580,19 +4065,13 @@
               <a:buChar char=""/>
             </a:pPr>
             <a:r>
-              <a:rPr b="0" lang="ru-RU" sz="2000" spc="-1" strike="noStrike">
-                <a:solidFill>
-                  <a:srgbClr val="000000"/>
-                </a:solidFill>
-                <a:latin typeface="Calibri"/>
+              <a:rPr b="0" lang="en-US" sz="2000" spc="-1" strike="noStrike">
+                <a:latin typeface="Arial"/>
               </a:rPr>
               <a:t>Sixth Outline Level</a:t>
             </a:r>
-            <a:endParaRPr b="0" lang="ru-RU" sz="2000" spc="-1" strike="noStrike">
-              <a:solidFill>
-                <a:srgbClr val="000000"/>
-              </a:solidFill>
-              <a:latin typeface="Calibri"/>
+            <a:endParaRPr b="0" lang="en-US" sz="2000" spc="-1" strike="noStrike">
+              <a:latin typeface="Arial"/>
             </a:endParaRPr>
           </a:p>
           <a:p>
@@ -4608,19 +4087,13 @@
               <a:buChar char=""/>
             </a:pPr>
             <a:r>
-              <a:rPr b="0" lang="ru-RU" sz="2000" spc="-1" strike="noStrike">
-                <a:solidFill>
-                  <a:srgbClr val="000000"/>
-                </a:solidFill>
-                <a:latin typeface="Calibri"/>
+              <a:rPr b="0" lang="en-US" sz="2000" spc="-1" strike="noStrike">
+                <a:latin typeface="Arial"/>
               </a:rPr>
               <a:t>Seventh Outline Level</a:t>
             </a:r>
-            <a:endParaRPr b="0" lang="ru-RU" sz="2000" spc="-1" strike="noStrike">
-              <a:solidFill>
-                <a:srgbClr val="000000"/>
-              </a:solidFill>
-              <a:latin typeface="Calibri"/>
+            <a:endParaRPr b="0" lang="en-US" sz="2000" spc="-1" strike="noStrike">
+              <a:latin typeface="Arial"/>
             </a:endParaRPr>
           </a:p>
         </p:txBody>
@@ -4664,61 +4137,14 @@
       </p:grpSpPr>
       <p:sp>
         <p:nvSpPr>
-          <p:cNvPr id="102" name="TextShape 1"/>
-          <p:cNvSpPr txBox="1"/>
-          <p:nvPr/>
-        </p:nvSpPr>
-        <p:spPr>
-          <a:xfrm>
-            <a:off x="4349880" y="1905120"/>
-            <a:ext cx="7607160" cy="1325160"/>
-          </a:xfrm>
-          <a:prstGeom prst="rect">
-            <a:avLst/>
-          </a:prstGeom>
-          <a:noFill/>
-          <a:ln>
-            <a:noFill/>
-          </a:ln>
-        </p:spPr>
-        <p:txBody>
-          <a:bodyPr lIns="90000" rIns="90000" tIns="45000" bIns="45000" anchor="ctr">
-            <a:noAutofit/>
-          </a:bodyPr>
-          <a:p>
-            <a:pPr>
-              <a:lnSpc>
-                <a:spcPct val="80000"/>
-              </a:lnSpc>
-            </a:pPr>
-            <a:r>
-              <a:rPr b="1" lang="ru-RU" sz="4000" spc="-1" strike="noStrike">
-                <a:solidFill>
-                  <a:srgbClr val="333f4f"/>
-                </a:solidFill>
-                <a:latin typeface="Calibri"/>
-              </a:rPr>
-              <a:t>Система мониторинга перемещения охраны</a:t>
-            </a:r>
-            <a:endParaRPr b="0" lang="ru-RU" sz="4000" spc="-1" strike="noStrike">
-              <a:solidFill>
-                <a:srgbClr val="000000"/>
-              </a:solidFill>
-              <a:latin typeface="Calibri"/>
-            </a:endParaRPr>
-          </a:p>
-        </p:txBody>
-      </p:sp>
-      <p:sp>
-        <p:nvSpPr>
-          <p:cNvPr id="103" name="CustomShape 2"/>
+          <p:cNvPr id="96" name="CustomShape 1"/>
           <p:cNvSpPr/>
           <p:nvPr/>
         </p:nvSpPr>
         <p:spPr>
           <a:xfrm>
-            <a:off x="4366800" y="3522240"/>
-            <a:ext cx="7607160" cy="1325160"/>
+            <a:off x="4349880" y="1905120"/>
+            <a:ext cx="7606440" cy="1324440"/>
           </a:xfrm>
           <a:prstGeom prst="rect">
             <a:avLst/>
@@ -4745,11 +4171,63 @@
               </a:lnSpc>
             </a:pPr>
             <a:r>
+              <a:rPr b="1" lang="en-US" sz="4000" spc="-1" strike="noStrike">
+                <a:solidFill>
+                  <a:srgbClr val="333f4f"/>
+                </a:solidFill>
+                <a:latin typeface="Calibri"/>
+                <a:ea typeface="DejaVu Sans"/>
+              </a:rPr>
+              <a:t>Система мониторинга перемещения охраны</a:t>
+            </a:r>
+            <a:endParaRPr b="0" lang="en-US" sz="4000" spc="-1" strike="noStrike">
+              <a:latin typeface="Arial"/>
+            </a:endParaRPr>
+          </a:p>
+        </p:txBody>
+      </p:sp>
+      <p:sp>
+        <p:nvSpPr>
+          <p:cNvPr id="97" name="CustomShape 2"/>
+          <p:cNvSpPr/>
+          <p:nvPr/>
+        </p:nvSpPr>
+        <p:spPr>
+          <a:xfrm>
+            <a:off x="4366800" y="3522240"/>
+            <a:ext cx="7606440" cy="1324440"/>
+          </a:xfrm>
+          <a:prstGeom prst="rect">
+            <a:avLst/>
+          </a:prstGeom>
+          <a:noFill/>
+          <a:ln>
+            <a:noFill/>
+          </a:ln>
+        </p:spPr>
+        <p:style>
+          <a:lnRef idx="0"/>
+          <a:fillRef idx="0"/>
+          <a:effectRef idx="0"/>
+          <a:fontRef idx="minor"/>
+        </p:style>
+        <p:txBody>
+          <a:bodyPr lIns="90000" rIns="90000" tIns="45000" bIns="45000" anchor="ctr">
+            <a:noAutofit/>
+          </a:bodyPr>
+          <a:p>
+            <a:pPr>
+              <a:lnSpc>
+                <a:spcPct val="80000"/>
+              </a:lnSpc>
+            </a:pPr>
+            <a:r>
               <a:rPr b="1" lang="en-US" sz="3600" spc="-1" strike="noStrike">
                 <a:solidFill>
                   <a:srgbClr val="333f4f"/>
                 </a:solidFill>
                 <a:latin typeface="Calibri"/>
+                <a:ea typeface="DejaVu Sans"/>
               </a:rPr>
               <a:t>Шанин Роман</a:t>
             </a:r>
@@ -4771,14 +4249,14 @@
       </p:sp>
       <p:sp>
         <p:nvSpPr>
-          <p:cNvPr id="104" name="CustomShape 3"/>
+          <p:cNvPr id="98" name="CustomShape 3"/>
           <p:cNvSpPr/>
           <p:nvPr/>
         </p:nvSpPr>
         <p:spPr>
           <a:xfrm>
             <a:off x="514440" y="-211680"/>
-            <a:ext cx="3227400" cy="2692080"/>
+            <a:ext cx="3226680" cy="2691360"/>
           </a:xfrm>
           <a:prstGeom prst="rect">
             <a:avLst/>
@@ -4810,6 +4288,7 @@
                   <a:srgbClr val="263996"/>
                 </a:solidFill>
                 <a:latin typeface="Calibri"/>
+                <a:ea typeface="DejaVu Sans"/>
               </a:rPr>
               <a:t>ИТОГОВЫЙ  КОНКУРС ПРОЕКТОВ В РТУ МИРЭА - 2019 </a:t>
             </a:r>
@@ -4821,7 +4300,7 @@
       </p:sp>
       <p:pic>
         <p:nvPicPr>
-          <p:cNvPr id="105" name="Рисунок 5" descr=""/>
+          <p:cNvPr id="99" name="Рисунок 5" descr=""/>
           <p:cNvPicPr/>
           <p:nvPr/>
         </p:nvPicPr>
@@ -4832,7 +4311,7 @@
         <p:spPr>
           <a:xfrm>
             <a:off x="10089000" y="263880"/>
-            <a:ext cx="1484280" cy="1640880"/>
+            <a:ext cx="1483560" cy="1640160"/>
           </a:xfrm>
           <a:prstGeom prst="rect">
             <a:avLst/>
@@ -4905,14 +4384,14 @@
       </p:grpSpPr>
       <p:sp>
         <p:nvSpPr>
-          <p:cNvPr id="141" name="TextShape 1"/>
-          <p:cNvSpPr txBox="1"/>
+          <p:cNvPr id="135" name="CustomShape 1"/>
+          <p:cNvSpPr/>
           <p:nvPr/>
         </p:nvSpPr>
         <p:spPr>
           <a:xfrm>
             <a:off x="545760" y="267120"/>
-            <a:ext cx="8789040" cy="399600"/>
+            <a:ext cx="8788320" cy="398880"/>
           </a:xfrm>
           <a:prstGeom prst="rect">
             <a:avLst/>
@@ -4922,6 +4401,12 @@
             <a:noFill/>
           </a:ln>
         </p:spPr>
+        <p:style>
+          <a:lnRef idx="0"/>
+          <a:fillRef idx="0"/>
+          <a:effectRef idx="0"/>
+          <a:fontRef idx="minor"/>
+        </p:style>
         <p:txBody>
           <a:bodyPr lIns="90000" rIns="90000" tIns="45000" bIns="45000" anchor="ctr">
             <a:noAutofit/>
@@ -4933,26 +4418,24 @@
               </a:lnSpc>
             </a:pPr>
             <a:r>
-              <a:rPr b="1" lang="ru-RU" sz="4000" spc="-1" strike="noStrike">
+              <a:rPr b="1" lang="en-US" sz="4000" spc="-1" strike="noStrike">
                 <a:solidFill>
                   <a:srgbClr val="263996"/>
                 </a:solidFill>
                 <a:latin typeface="Calibri"/>
+                <a:ea typeface="DejaVu Sans"/>
               </a:rPr>
               <a:t>Локализация: Помехи в данных</a:t>
             </a:r>
-            <a:endParaRPr b="0" lang="ru-RU" sz="4000" spc="-1" strike="noStrike">
-              <a:solidFill>
-                <a:srgbClr val="000000"/>
-              </a:solidFill>
-              <a:latin typeface="Calibri"/>
+            <a:endParaRPr b="0" lang="en-US" sz="4000" spc="-1" strike="noStrike">
+              <a:latin typeface="Arial"/>
             </a:endParaRPr>
           </a:p>
         </p:txBody>
       </p:sp>
       <p:pic>
         <p:nvPicPr>
-          <p:cNvPr id="142" name="" descr=""/>
+          <p:cNvPr id="136" name="" descr=""/>
           <p:cNvPicPr/>
           <p:nvPr/>
         </p:nvPicPr>
@@ -4963,7 +4446,7 @@
         <p:spPr>
           <a:xfrm>
             <a:off x="5783400" y="1645920"/>
-            <a:ext cx="6103800" cy="3474720"/>
+            <a:ext cx="6103080" cy="3474000"/>
           </a:xfrm>
           <a:prstGeom prst="rect">
             <a:avLst/>
@@ -4975,7 +4458,7 @@
       </p:pic>
       <p:pic>
         <p:nvPicPr>
-          <p:cNvPr id="143" name="" descr=""/>
+          <p:cNvPr id="137" name="" descr=""/>
           <p:cNvPicPr/>
           <p:nvPr/>
         </p:nvPicPr>
@@ -4986,7 +4469,7 @@
         <p:spPr>
           <a:xfrm>
             <a:off x="91440" y="1280160"/>
-            <a:ext cx="6135120" cy="3840480"/>
+            <a:ext cx="6134400" cy="3839760"/>
           </a:xfrm>
           <a:prstGeom prst="rect">
             <a:avLst/>
@@ -5059,14 +4542,14 @@
       </p:grpSpPr>
       <p:sp>
         <p:nvSpPr>
-          <p:cNvPr id="144" name="TextShape 1"/>
-          <p:cNvSpPr txBox="1"/>
+          <p:cNvPr id="138" name="CustomShape 1"/>
+          <p:cNvSpPr/>
           <p:nvPr/>
         </p:nvSpPr>
         <p:spPr>
           <a:xfrm>
             <a:off x="548640" y="274320"/>
-            <a:ext cx="8412480" cy="457200"/>
+            <a:ext cx="8411760" cy="516240"/>
           </a:xfrm>
           <a:prstGeom prst="rect">
             <a:avLst/>
@@ -5076,17 +4559,29 @@
             <a:noFill/>
           </a:ln>
         </p:spPr>
+        <p:style>
+          <a:lnRef idx="0"/>
+          <a:fillRef idx="0"/>
+          <a:effectRef idx="0"/>
+          <a:fontRef idx="minor"/>
+        </p:style>
         <p:txBody>
           <a:bodyPr lIns="90000" rIns="90000" tIns="45000" bIns="45000">
             <a:spAutoFit/>
           </a:bodyPr>
           <a:p>
-            <a:r>
-              <a:rPr b="1" lang="ru-RU" sz="2800" spc="-1" strike="noStrike">
+            <a:pPr>
+              <a:lnSpc>
+                <a:spcPct val="100000"/>
+              </a:lnSpc>
+            </a:pPr>
+            <a:r>
+              <a:rPr b="1" lang="en-US" sz="2800" spc="-1" strike="noStrike">
                 <a:solidFill>
                   <a:srgbClr val="263996"/>
                 </a:solidFill>
                 <a:latin typeface="Calibri"/>
+                <a:ea typeface="DejaVu Sans"/>
               </a:rPr>
               <a:t>Локализация: Способы улучшения прогнозирования</a:t>
             </a:r>
@@ -5098,7 +4593,7 @@
       </p:sp>
       <p:pic>
         <p:nvPicPr>
-          <p:cNvPr id="145" name="" descr=""/>
+          <p:cNvPr id="139" name="" descr=""/>
           <p:cNvPicPr/>
           <p:nvPr/>
         </p:nvPicPr>
@@ -5109,7 +4604,7 @@
         <p:spPr>
           <a:xfrm>
             <a:off x="91440" y="1737360"/>
-            <a:ext cx="6156720" cy="3566160"/>
+            <a:ext cx="6156000" cy="3565440"/>
           </a:xfrm>
           <a:prstGeom prst="rect">
             <a:avLst/>
@@ -5121,7 +4616,7 @@
       </p:pic>
       <p:pic>
         <p:nvPicPr>
-          <p:cNvPr id="146" name="" descr=""/>
+          <p:cNvPr id="140" name="" descr=""/>
           <p:cNvPicPr/>
           <p:nvPr/>
         </p:nvPicPr>
@@ -5132,7 +4627,7 @@
         <p:spPr>
           <a:xfrm>
             <a:off x="6217920" y="1737360"/>
-            <a:ext cx="5942520" cy="3566160"/>
+            <a:ext cx="5941800" cy="3565440"/>
           </a:xfrm>
           <a:prstGeom prst="rect">
             <a:avLst/>
@@ -5205,14 +4700,14 @@
       </p:grpSpPr>
       <p:sp>
         <p:nvSpPr>
-          <p:cNvPr id="147" name="TextShape 1"/>
-          <p:cNvSpPr txBox="1"/>
+          <p:cNvPr id="141" name="CustomShape 1"/>
+          <p:cNvSpPr/>
           <p:nvPr/>
         </p:nvSpPr>
         <p:spPr>
           <a:xfrm>
             <a:off x="548640" y="285840"/>
-            <a:ext cx="8347680" cy="446040"/>
+            <a:ext cx="8346960" cy="516240"/>
           </a:xfrm>
           <a:prstGeom prst="rect">
             <a:avLst/>
@@ -5222,29 +4717,31 @@
             <a:noFill/>
           </a:ln>
         </p:spPr>
+        <p:style>
+          <a:lnRef idx="0"/>
+          <a:fillRef idx="0"/>
+          <a:effectRef idx="0"/>
+          <a:fontRef idx="minor"/>
+        </p:style>
         <p:txBody>
           <a:bodyPr lIns="90000" rIns="90000" tIns="45000" bIns="45000">
             <a:spAutoFit/>
           </a:bodyPr>
           <a:p>
-            <a:r>
-              <a:rPr b="1" lang="ru-RU" sz="2800" spc="-1" strike="noStrike">
+            <a:pPr>
+              <a:lnSpc>
+                <a:spcPct val="100000"/>
+              </a:lnSpc>
+            </a:pPr>
+            <a:r>
+              <a:rPr b="1" lang="en-US" sz="2800" spc="-1" strike="noStrike">
                 <a:solidFill>
                   <a:srgbClr val="263996"/>
                 </a:solidFill>
                 <a:latin typeface="Calibri"/>
                 <a:ea typeface="Noto Sans CJK SC Regular"/>
               </a:rPr>
-              <a:t>Локализация: </a:t>
-            </a:r>
-            <a:r>
-              <a:rPr b="1" lang="ru-RU" sz="2800" spc="-1" strike="noStrike">
-                <a:solidFill>
-                  <a:srgbClr val="263996"/>
-                </a:solidFill>
-                <a:latin typeface="Calibri"/>
-              </a:rPr>
-              <a:t>Оценка моделей и тестирование</a:t>
+              <a:t>Локализация: Оценка моделей и тестирование</a:t>
             </a:r>
             <a:endParaRPr b="0" lang="en-US" sz="2800" spc="-1" strike="noStrike">
               <a:latin typeface="Arial"/>
@@ -5254,7 +4751,7 @@
       </p:sp>
       <p:pic>
         <p:nvPicPr>
-          <p:cNvPr id="148" name="" descr=""/>
+          <p:cNvPr id="142" name="" descr=""/>
           <p:cNvPicPr/>
           <p:nvPr/>
         </p:nvPicPr>
@@ -5265,7 +4762,7 @@
         <p:spPr>
           <a:xfrm>
             <a:off x="6492240" y="943200"/>
-            <a:ext cx="5029200" cy="4817520"/>
+            <a:ext cx="5028480" cy="4816800"/>
           </a:xfrm>
           <a:prstGeom prst="rect">
             <a:avLst/>
@@ -5277,14 +4774,14 @@
       </p:pic>
       <p:sp>
         <p:nvSpPr>
-          <p:cNvPr id="149" name="TextShape 2"/>
-          <p:cNvSpPr txBox="1"/>
+          <p:cNvPr id="143" name="CustomShape 2"/>
+          <p:cNvSpPr/>
           <p:nvPr/>
         </p:nvSpPr>
         <p:spPr>
           <a:xfrm>
             <a:off x="6492240" y="5850360"/>
-            <a:ext cx="5235840" cy="550440"/>
+            <a:ext cx="5235120" cy="638280"/>
           </a:xfrm>
           <a:prstGeom prst="rect">
             <a:avLst/>
@@ -5294,11 +4791,22 @@
             <a:noFill/>
           </a:ln>
         </p:spPr>
+        <p:style>
+          <a:lnRef idx="0"/>
+          <a:fillRef idx="0"/>
+          <a:effectRef idx="0"/>
+          <a:fontRef idx="minor"/>
+        </p:style>
         <p:txBody>
           <a:bodyPr lIns="90000" rIns="90000" tIns="45000" bIns="45000">
             <a:spAutoFit/>
           </a:bodyPr>
           <a:p>
+            <a:pPr>
+              <a:lnSpc>
+                <a:spcPct val="100000"/>
+              </a:lnSpc>
+            </a:pPr>
             <a:r>
               <a:rPr b="0" lang="en-US" sz="1800" spc="-1" strike="noStrike">
                 <a:solidFill>
@@ -5317,7 +4825,7 @@
       </p:sp>
       <p:pic>
         <p:nvPicPr>
-          <p:cNvPr id="150" name="" descr=""/>
+          <p:cNvPr id="144" name="" descr=""/>
           <p:cNvPicPr/>
           <p:nvPr/>
         </p:nvPicPr>
@@ -5328,7 +4836,7 @@
         <p:spPr>
           <a:xfrm>
             <a:off x="548640" y="2468880"/>
-            <a:ext cx="5299200" cy="3383280"/>
+            <a:ext cx="5298480" cy="3382560"/>
           </a:xfrm>
           <a:prstGeom prst="rect">
             <a:avLst/>
@@ -5340,14 +4848,14 @@
       </p:pic>
       <p:sp>
         <p:nvSpPr>
-          <p:cNvPr id="151" name="TextShape 3"/>
-          <p:cNvSpPr txBox="1"/>
+          <p:cNvPr id="145" name="CustomShape 3"/>
+          <p:cNvSpPr/>
           <p:nvPr/>
         </p:nvSpPr>
         <p:spPr>
           <a:xfrm>
             <a:off x="731520" y="1007280"/>
-            <a:ext cx="5208480" cy="1370160"/>
+            <a:ext cx="5207760" cy="1735560"/>
           </a:xfrm>
           <a:prstGeom prst="rect">
             <a:avLst/>
@@ -5357,14 +4865,29 @@
             <a:noFill/>
           </a:ln>
         </p:spPr>
+        <p:style>
+          <a:lnRef idx="0"/>
+          <a:fillRef idx="0"/>
+          <a:effectRef idx="0"/>
+          <a:fontRef idx="minor"/>
+        </p:style>
         <p:txBody>
           <a:bodyPr lIns="90000" rIns="90000" tIns="45000" bIns="45000">
             <a:spAutoFit/>
           </a:bodyPr>
           <a:p>
+            <a:pPr>
+              <a:lnSpc>
+                <a:spcPct val="100000"/>
+              </a:lnSpc>
+            </a:pPr>
             <a:r>
               <a:rPr b="0" lang="en-US" sz="1800" spc="-1" strike="noStrike">
+                <a:solidFill>
+                  <a:srgbClr val="000000"/>
+                </a:solidFill>
                 <a:latin typeface="Arial"/>
+                <a:ea typeface="DejaVu Sans"/>
               </a:rPr>
               <a:t>Параметры:</a:t>
             </a:r>
@@ -5373,9 +4896,18 @@
             </a:endParaRPr>
           </a:p>
           <a:p>
-            <a:r>
-              <a:rPr b="0" lang="ru-RU" sz="1800" spc="-1" strike="noStrike">
+            <a:pPr>
+              <a:lnSpc>
+                <a:spcPct val="100000"/>
+              </a:lnSpc>
+            </a:pPr>
+            <a:r>
+              <a:rPr b="0" lang="en-US" sz="1800" spc="-1" strike="noStrike">
+                <a:solidFill>
+                  <a:srgbClr val="000000"/>
+                </a:solidFill>
                 <a:latin typeface="Arial"/>
+                <a:ea typeface="DejaVu Sans"/>
               </a:rPr>
               <a:t>- Модель: Нелинейных наименьших квадратов;</a:t>
             </a:r>
@@ -5384,52 +4916,51 @@
             </a:endParaRPr>
           </a:p>
           <a:p>
+            <a:pPr>
+              <a:lnSpc>
+                <a:spcPct val="100000"/>
+              </a:lnSpc>
+            </a:pPr>
             <a:r>
               <a:rPr b="0" lang="en-US" sz="1800" spc="-1" strike="noStrike">
+                <a:solidFill>
+                  <a:srgbClr val="000000"/>
+                </a:solidFill>
                 <a:latin typeface="Arial"/>
-              </a:rPr>
-              <a:t>- </a:t>
-            </a:r>
-            <a:r>
-              <a:rPr b="0" lang="ru-RU" sz="1800" spc="-1" strike="noStrike">
+                <a:ea typeface="DejaVu Sans"/>
+              </a:rPr>
+              <a:t>- Окно усреднения: 5;</a:t>
+            </a:r>
+            <a:endParaRPr b="0" lang="en-US" sz="1800" spc="-1" strike="noStrike">
+              <a:latin typeface="Arial"/>
+            </a:endParaRPr>
+          </a:p>
+          <a:p>
+            <a:pPr>
+              <a:lnSpc>
+                <a:spcPct val="100000"/>
+              </a:lnSpc>
+            </a:pPr>
+            <a:r>
+              <a:rPr b="0" lang="en-US" sz="1800" spc="-1" strike="noStrike">
+                <a:solidFill>
+                  <a:srgbClr val="000000"/>
+                </a:solidFill>
                 <a:latin typeface="Arial"/>
-              </a:rPr>
-              <a:t>Окно</a:t>
-            </a:r>
-            <a:r>
-              <a:rPr b="0" lang="en-US" sz="1800" spc="-1" strike="noStrike">
-                <a:latin typeface="Arial"/>
-              </a:rPr>
-              <a:t> усреднения: 5;</a:t>
+                <a:ea typeface="DejaVu Sans"/>
+              </a:rPr>
+              <a:t>- Кол-во датчиков: 4;</a:t>
             </a:r>
             <a:endParaRPr b="0" lang="en-US" sz="1800" spc="-1" strike="noStrike">
               <a:latin typeface="Arial"/>
             </a:endParaRPr>
           </a:p>
           <a:p>
-            <a:r>
-              <a:rPr b="0" lang="en-US" sz="1800" spc="-1" strike="noStrike">
-                <a:latin typeface="Arial"/>
-              </a:rPr>
-              <a:t>- </a:t>
-            </a:r>
-            <a:r>
-              <a:rPr b="0" lang="ru-RU" sz="1800" spc="-1" strike="noStrike">
-                <a:latin typeface="Arial"/>
-              </a:rPr>
-              <a:t>Кол-во</a:t>
-            </a:r>
-            <a:r>
-              <a:rPr b="0" lang="en-US" sz="1800" spc="-1" strike="noStrike">
-                <a:latin typeface="Arial"/>
-              </a:rPr>
-              <a:t> датчиков: 4;</a:t>
-            </a:r>
-            <a:endParaRPr b="0" lang="en-US" sz="1800" spc="-1" strike="noStrike">
-              <a:latin typeface="Arial"/>
-            </a:endParaRPr>
-          </a:p>
-          <a:p>
+            <a:pPr>
+              <a:lnSpc>
+                <a:spcPct val="100000"/>
+              </a:lnSpc>
+            </a:pPr>
             <a:endParaRPr b="0" lang="en-US" sz="1800" spc="-1" strike="noStrike">
               <a:latin typeface="Arial"/>
             </a:endParaRPr>
@@ -5499,61 +5030,14 @@
       </p:grpSpPr>
       <p:sp>
         <p:nvSpPr>
-          <p:cNvPr id="152" name="TextShape 1"/>
-          <p:cNvSpPr txBox="1"/>
-          <p:nvPr/>
-        </p:nvSpPr>
-        <p:spPr>
-          <a:xfrm>
-            <a:off x="4349880" y="1905120"/>
-            <a:ext cx="7607160" cy="1325160"/>
-          </a:xfrm>
-          <a:prstGeom prst="rect">
-            <a:avLst/>
-          </a:prstGeom>
-          <a:noFill/>
-          <a:ln>
-            <a:noFill/>
-          </a:ln>
-        </p:spPr>
-        <p:txBody>
-          <a:bodyPr lIns="90000" rIns="90000" tIns="45000" bIns="45000" anchor="ctr">
-            <a:noAutofit/>
-          </a:bodyPr>
-          <a:p>
-            <a:pPr>
-              <a:lnSpc>
-                <a:spcPct val="80000"/>
-              </a:lnSpc>
-            </a:pPr>
-            <a:r>
-              <a:rPr b="1" lang="ru-RU" sz="4000" spc="-1" strike="noStrike">
-                <a:solidFill>
-                  <a:srgbClr val="333f4f"/>
-                </a:solidFill>
-                <a:latin typeface="Calibri"/>
-              </a:rPr>
-              <a:t>Система мониторинга перемещения охраны</a:t>
-            </a:r>
-            <a:endParaRPr b="0" lang="ru-RU" sz="4000" spc="-1" strike="noStrike">
-              <a:solidFill>
-                <a:srgbClr val="000000"/>
-              </a:solidFill>
-              <a:latin typeface="Calibri"/>
-            </a:endParaRPr>
-          </a:p>
-        </p:txBody>
-      </p:sp>
-      <p:sp>
-        <p:nvSpPr>
-          <p:cNvPr id="153" name="CustomShape 2"/>
+          <p:cNvPr id="146" name="CustomShape 1"/>
           <p:cNvSpPr/>
           <p:nvPr/>
         </p:nvSpPr>
         <p:spPr>
           <a:xfrm>
-            <a:off x="4366800" y="3522240"/>
-            <a:ext cx="7607160" cy="1325160"/>
+            <a:off x="640080" y="1188720"/>
+            <a:ext cx="180360" cy="345960"/>
           </a:xfrm>
           <a:prstGeom prst="rect">
             <a:avLst/>
@@ -5569,51 +5053,17 @@
           <a:effectRef idx="0"/>
           <a:fontRef idx="minor"/>
         </p:style>
-        <p:txBody>
-          <a:bodyPr lIns="90000" rIns="90000" tIns="45000" bIns="45000" anchor="ctr">
-            <a:noAutofit/>
-          </a:bodyPr>
-          <a:p>
-            <a:pPr>
-              <a:lnSpc>
-                <a:spcPct val="80000"/>
-              </a:lnSpc>
-            </a:pPr>
-            <a:r>
-              <a:rPr b="1" lang="en-US" sz="3600" spc="-1" strike="noStrike">
-                <a:solidFill>
-                  <a:srgbClr val="333f4f"/>
-                </a:solidFill>
-                <a:latin typeface="Calibri"/>
-              </a:rPr>
-              <a:t>Шанин Роман</a:t>
-            </a:r>
-            <a:endParaRPr b="0" lang="en-US" sz="3600" spc="-1" strike="noStrike">
-              <a:latin typeface="Arial"/>
-            </a:endParaRPr>
-          </a:p>
-          <a:p>
-            <a:pPr>
-              <a:lnSpc>
-                <a:spcPct val="80000"/>
-              </a:lnSpc>
-            </a:pPr>
-            <a:endParaRPr b="0" lang="en-US" sz="3600" spc="-1" strike="noStrike">
-              <a:latin typeface="Arial"/>
-            </a:endParaRPr>
-          </a:p>
-        </p:txBody>
-      </p:sp>
-      <p:sp>
-        <p:nvSpPr>
-          <p:cNvPr id="154" name="CustomShape 3"/>
+      </p:sp>
+      <p:sp>
+        <p:nvSpPr>
+          <p:cNvPr id="147" name="CustomShape 2"/>
           <p:cNvSpPr/>
           <p:nvPr/>
         </p:nvSpPr>
         <p:spPr>
           <a:xfrm>
-            <a:off x="514440" y="-211680"/>
-            <a:ext cx="3227400" cy="2692080"/>
+            <a:off x="555480" y="133200"/>
+            <a:ext cx="8953920" cy="699840"/>
           </a:xfrm>
           <a:prstGeom prst="rect">
             <a:avLst/>
@@ -5630,53 +5080,764 @@
           <a:fontRef idx="minor"/>
         </p:style>
         <p:txBody>
-          <a:bodyPr lIns="90000" rIns="90000" tIns="45000" bIns="45000" anchor="ctr">
-            <a:noAutofit/>
+          <a:bodyPr lIns="90000" rIns="90000" tIns="45000" bIns="45000">
+            <a:spAutoFit/>
           </a:bodyPr>
           <a:p>
             <a:pPr>
               <a:lnSpc>
-                <a:spcPct val="80000"/>
+                <a:spcPct val="100000"/>
               </a:lnSpc>
             </a:pPr>
             <a:r>
-              <a:rPr b="1" lang="en-US" sz="3200" spc="-1" strike="noStrike">
+              <a:rPr b="1" lang="en-US" sz="4000" spc="-1" strike="noStrike">
                 <a:solidFill>
                   <a:srgbClr val="263996"/>
                 </a:solidFill>
                 <a:latin typeface="Calibri"/>
               </a:rPr>
-              <a:t>ИТОГОВЫЙ  КОНКУРС ПРОЕКТОВ В РТУ МИРЭА - 2019 </a:t>
-            </a:r>
-            <a:endParaRPr b="0" lang="en-US" sz="3200" spc="-1" strike="noStrike">
-              <a:latin typeface="Arial"/>
-            </a:endParaRPr>
-          </a:p>
-        </p:txBody>
-      </p:sp>
-      <p:pic>
-        <p:nvPicPr>
-          <p:cNvPr id="155" name="Рисунок 5" descr=""/>
-          <p:cNvPicPr/>
+              <a:t>Цена и энергопотребление датчиков</a:t>
+            </a:r>
+            <a:endParaRPr b="0" lang="en-US" sz="4000" spc="-1" strike="noStrike">
+              <a:latin typeface="Arial"/>
+            </a:endParaRPr>
+          </a:p>
+        </p:txBody>
+      </p:sp>
+      <p:graphicFrame>
+        <p:nvGraphicFramePr>
+          <p:cNvPr id="148" name="Table 3"/>
+          <p:cNvGraphicFramePr/>
           <p:nvPr/>
-        </p:nvPicPr>
-        <p:blipFill>
-          <a:blip r:embed="rId1"/>
-          <a:stretch/>
-        </p:blipFill>
-        <p:spPr>
-          <a:xfrm>
-            <a:off x="10089000" y="263880"/>
-            <a:ext cx="1484280" cy="1640880"/>
-          </a:xfrm>
-          <a:prstGeom prst="rect">
-            <a:avLst/>
-          </a:prstGeom>
+        </p:nvGraphicFramePr>
+        <p:xfrm>
+          <a:off x="767520" y="1414080"/>
+          <a:ext cx="4444200" cy="2356200"/>
+        </p:xfrm>
+        <a:graphic>
+          <a:graphicData uri="http://schemas.openxmlformats.org/drawingml/2006/table">
+            <a:tbl>
+              <a:tblPr/>
+              <a:tblGrid>
+                <a:gridCol w="2221920"/>
+                <a:gridCol w="2222640"/>
+              </a:tblGrid>
+              <a:tr h="785160">
+                <a:tc>
+                  <a:txBody>
+                    <a:bodyPr lIns="90000" rIns="90000">
+                      <a:noAutofit/>
+                    </a:bodyPr>
+                    <a:p>
+                      <a:pPr>
+                        <a:lnSpc>
+                          <a:spcPct val="100000"/>
+                        </a:lnSpc>
+                      </a:pPr>
+                      <a:r>
+                        <a:rPr b="0" lang="en-US" sz="1800" spc="-1" strike="noStrike">
+                          <a:latin typeface="Arial"/>
+                        </a:rPr>
+                        <a:t>hc-05</a:t>
+                      </a:r>
+                      <a:endParaRPr b="0" lang="en-US" sz="1800" spc="-1" strike="noStrike">
+                        <a:latin typeface="Arial"/>
+                      </a:endParaRPr>
+                    </a:p>
+                  </a:txBody>
+                  <a:tcPr marL="90000" marR="90000">
+                    <a:lnL w="720">
+                      <a:solidFill>
+                        <a:srgbClr val="000000"/>
+                      </a:solidFill>
+                    </a:lnL>
+                    <a:lnR w="720">
+                      <a:solidFill>
+                        <a:srgbClr val="000000"/>
+                      </a:solidFill>
+                    </a:lnR>
+                    <a:lnT w="720">
+                      <a:solidFill>
+                        <a:srgbClr val="000000"/>
+                      </a:solidFill>
+                    </a:lnT>
+                    <a:lnB w="720">
+                      <a:solidFill>
+                        <a:srgbClr val="000000"/>
+                      </a:solidFill>
+                    </a:lnB>
+                    <a:solidFill>
+                      <a:srgbClr val="ffffff"/>
+                    </a:solidFill>
+                  </a:tcPr>
+                </a:tc>
+                <a:tc>
+                  <a:txBody>
+                    <a:bodyPr lIns="90000" rIns="90000">
+                      <a:noAutofit/>
+                    </a:bodyPr>
+                    <a:p>
+                      <a:pPr>
+                        <a:lnSpc>
+                          <a:spcPct val="100000"/>
+                        </a:lnSpc>
+                      </a:pPr>
+                      <a:r>
+                        <a:rPr b="0" lang="en-US" sz="1800" spc="-1" strike="noStrike">
+                          <a:latin typeface="Arial"/>
+                        </a:rPr>
+                        <a:t>50 мА</a:t>
+                      </a:r>
+                      <a:endParaRPr b="0" lang="en-US" sz="1800" spc="-1" strike="noStrike">
+                        <a:latin typeface="Arial"/>
+                      </a:endParaRPr>
+                    </a:p>
+                  </a:txBody>
+                  <a:tcPr marL="90000" marR="90000">
+                    <a:lnL w="720">
+                      <a:solidFill>
+                        <a:srgbClr val="000000"/>
+                      </a:solidFill>
+                    </a:lnL>
+                    <a:lnR w="720">
+                      <a:solidFill>
+                        <a:srgbClr val="000000"/>
+                      </a:solidFill>
+                    </a:lnR>
+                    <a:lnT w="720">
+                      <a:solidFill>
+                        <a:srgbClr val="000000"/>
+                      </a:solidFill>
+                    </a:lnT>
+                    <a:lnB w="720">
+                      <a:solidFill>
+                        <a:srgbClr val="000000"/>
+                      </a:solidFill>
+                    </a:lnB>
+                    <a:solidFill>
+                      <a:srgbClr val="ffffff"/>
+                    </a:solidFill>
+                  </a:tcPr>
+                </a:tc>
+              </a:tr>
+              <a:tr h="786240">
+                <a:tc>
+                  <a:txBody>
+                    <a:bodyPr lIns="90000" rIns="90000">
+                      <a:noAutofit/>
+                    </a:bodyPr>
+                    <a:p>
+                      <a:pPr>
+                        <a:lnSpc>
+                          <a:spcPct val="100000"/>
+                        </a:lnSpc>
+                      </a:pPr>
+                      <a:r>
+                        <a:rPr b="0" lang="en-US" sz="1800" spc="-1" strike="noStrike">
+                          <a:latin typeface="Arial"/>
+                        </a:rPr>
+                        <a:t>esp8266</a:t>
+                      </a:r>
+                      <a:endParaRPr b="0" lang="en-US" sz="1800" spc="-1" strike="noStrike">
+                        <a:latin typeface="Arial"/>
+                      </a:endParaRPr>
+                    </a:p>
+                  </a:txBody>
+                  <a:tcPr marL="90000" marR="90000">
+                    <a:lnL w="720">
+                      <a:solidFill>
+                        <a:srgbClr val="000000"/>
+                      </a:solidFill>
+                    </a:lnL>
+                    <a:lnR w="720">
+                      <a:solidFill>
+                        <a:srgbClr val="000000"/>
+                      </a:solidFill>
+                    </a:lnR>
+                    <a:lnT w="720">
+                      <a:solidFill>
+                        <a:srgbClr val="000000"/>
+                      </a:solidFill>
+                    </a:lnT>
+                    <a:lnB w="720">
+                      <a:solidFill>
+                        <a:srgbClr val="000000"/>
+                      </a:solidFill>
+                    </a:lnB>
+                    <a:solidFill>
+                      <a:srgbClr val="ffffff"/>
+                    </a:solidFill>
+                  </a:tcPr>
+                </a:tc>
+                <a:tc>
+                  <a:txBody>
+                    <a:bodyPr lIns="90000" rIns="90000">
+                      <a:noAutofit/>
+                    </a:bodyPr>
+                    <a:p>
+                      <a:pPr>
+                        <a:lnSpc>
+                          <a:spcPct val="100000"/>
+                        </a:lnSpc>
+                      </a:pPr>
+                      <a:r>
+                        <a:rPr b="0" lang="en-US" sz="1800" spc="-1" strike="noStrike">
+                          <a:latin typeface="Arial"/>
+                        </a:rPr>
+                        <a:t>70 мА</a:t>
+                      </a:r>
+                      <a:endParaRPr b="0" lang="en-US" sz="1800" spc="-1" strike="noStrike">
+                        <a:latin typeface="Arial"/>
+                      </a:endParaRPr>
+                    </a:p>
+                  </a:txBody>
+                  <a:tcPr marL="90000" marR="90000">
+                    <a:lnL w="720">
+                      <a:solidFill>
+                        <a:srgbClr val="000000"/>
+                      </a:solidFill>
+                    </a:lnL>
+                    <a:lnR w="720">
+                      <a:solidFill>
+                        <a:srgbClr val="000000"/>
+                      </a:solidFill>
+                    </a:lnR>
+                    <a:lnT w="720">
+                      <a:solidFill>
+                        <a:srgbClr val="000000"/>
+                      </a:solidFill>
+                    </a:lnT>
+                    <a:lnB w="720">
+                      <a:solidFill>
+                        <a:srgbClr val="000000"/>
+                      </a:solidFill>
+                    </a:lnB>
+                    <a:solidFill>
+                      <a:srgbClr val="ffffff"/>
+                    </a:solidFill>
+                  </a:tcPr>
+                </a:tc>
+              </a:tr>
+              <a:tr h="785160">
+                <a:tc>
+                  <a:txBody>
+                    <a:bodyPr lIns="90000" rIns="90000">
+                      <a:noAutofit/>
+                    </a:bodyPr>
+                    <a:p>
+                      <a:pPr>
+                        <a:lnSpc>
+                          <a:spcPct val="100000"/>
+                        </a:lnSpc>
+                      </a:pPr>
+                      <a:r>
+                        <a:rPr b="0" lang="en-US" sz="1800" spc="-1" strike="noStrike">
+                          <a:latin typeface="Arial"/>
+                        </a:rPr>
+                        <a:t>Итого:</a:t>
+                      </a:r>
+                      <a:endParaRPr b="0" lang="en-US" sz="1800" spc="-1" strike="noStrike">
+                        <a:latin typeface="Arial"/>
+                      </a:endParaRPr>
+                    </a:p>
+                  </a:txBody>
+                  <a:tcPr marL="90000" marR="90000">
+                    <a:lnL w="720">
+                      <a:solidFill>
+                        <a:srgbClr val="000000"/>
+                      </a:solidFill>
+                    </a:lnL>
+                    <a:lnR w="720">
+                      <a:solidFill>
+                        <a:srgbClr val="000000"/>
+                      </a:solidFill>
+                    </a:lnR>
+                    <a:lnT w="720">
+                      <a:solidFill>
+                        <a:srgbClr val="000000"/>
+                      </a:solidFill>
+                    </a:lnT>
+                    <a:lnB w="720">
+                      <a:solidFill>
+                        <a:srgbClr val="000000"/>
+                      </a:solidFill>
+                    </a:lnB>
+                    <a:solidFill>
+                      <a:srgbClr val="ffffff"/>
+                    </a:solidFill>
+                  </a:tcPr>
+                </a:tc>
+                <a:tc>
+                  <a:txBody>
+                    <a:bodyPr lIns="90000" rIns="90000">
+                      <a:noAutofit/>
+                    </a:bodyPr>
+                    <a:p>
+                      <a:pPr>
+                        <a:lnSpc>
+                          <a:spcPct val="100000"/>
+                        </a:lnSpc>
+                      </a:pPr>
+                      <a:r>
+                        <a:rPr b="0" lang="en-US" sz="1800" spc="-1" strike="noStrike">
+                          <a:latin typeface="Arial"/>
+                        </a:rPr>
+                        <a:t>120 мА</a:t>
+                      </a:r>
+                      <a:endParaRPr b="0" lang="en-US" sz="1800" spc="-1" strike="noStrike">
+                        <a:latin typeface="Arial"/>
+                      </a:endParaRPr>
+                    </a:p>
+                  </a:txBody>
+                  <a:tcPr marL="90000" marR="90000">
+                    <a:lnL w="720">
+                      <a:solidFill>
+                        <a:srgbClr val="000000"/>
+                      </a:solidFill>
+                    </a:lnL>
+                    <a:lnR w="720">
+                      <a:solidFill>
+                        <a:srgbClr val="000000"/>
+                      </a:solidFill>
+                    </a:lnR>
+                    <a:lnT w="720">
+                      <a:solidFill>
+                        <a:srgbClr val="000000"/>
+                      </a:solidFill>
+                    </a:lnT>
+                    <a:lnB w="720">
+                      <a:solidFill>
+                        <a:srgbClr val="000000"/>
+                      </a:solidFill>
+                    </a:lnB>
+                    <a:solidFill>
+                      <a:srgbClr val="ffffff"/>
+                    </a:solidFill>
+                  </a:tcPr>
+                </a:tc>
+              </a:tr>
+            </a:tbl>
+          </a:graphicData>
+        </a:graphic>
+      </p:graphicFrame>
+      <p:sp>
+        <p:nvSpPr>
+          <p:cNvPr id="149" name="CustomShape 4"/>
+          <p:cNvSpPr/>
+          <p:nvPr/>
+        </p:nvSpPr>
+        <p:spPr>
+          <a:xfrm>
+            <a:off x="1055520" y="3841920"/>
+            <a:ext cx="3960720" cy="363960"/>
+          </a:xfrm>
+          <a:prstGeom prst="rect">
+            <a:avLst/>
+          </a:prstGeom>
+          <a:noFill/>
           <a:ln>
             <a:noFill/>
           </a:ln>
         </p:spPr>
-      </p:pic>
+        <p:style>
+          <a:lnRef idx="0"/>
+          <a:fillRef idx="0"/>
+          <a:effectRef idx="0"/>
+          <a:fontRef idx="minor"/>
+        </p:style>
+        <p:txBody>
+          <a:bodyPr wrap="none" lIns="90000" rIns="90000" tIns="45000" bIns="45000">
+            <a:spAutoFit/>
+          </a:bodyPr>
+          <a:p>
+            <a:pPr>
+              <a:lnSpc>
+                <a:spcPct val="100000"/>
+              </a:lnSpc>
+            </a:pPr>
+            <a:r>
+              <a:rPr b="0" lang="en-US" sz="1800" spc="-1" strike="noStrike">
+                <a:solidFill>
+                  <a:srgbClr val="000000"/>
+                </a:solidFill>
+                <a:latin typeface="Calibri"/>
+                <a:ea typeface="DejaVu Sans"/>
+              </a:rPr>
+              <a:t>Расчетное энергопотребление датчика</a:t>
+            </a:r>
+            <a:endParaRPr b="0" lang="en-US" sz="1800" spc="-1" strike="noStrike">
+              <a:latin typeface="Arial"/>
+            </a:endParaRPr>
+          </a:p>
+        </p:txBody>
+      </p:sp>
+      <p:graphicFrame>
+        <p:nvGraphicFramePr>
+          <p:cNvPr id="150" name="Table 5"/>
+          <p:cNvGraphicFramePr/>
+          <p:nvPr/>
+        </p:nvGraphicFramePr>
+        <p:xfrm>
+          <a:off x="6697800" y="1396080"/>
+          <a:ext cx="4444200" cy="2356200"/>
+        </p:xfrm>
+        <a:graphic>
+          <a:graphicData uri="http://schemas.openxmlformats.org/drawingml/2006/table">
+            <a:tbl>
+              <a:tblPr/>
+              <a:tblGrid>
+                <a:gridCol w="2221920"/>
+                <a:gridCol w="2222640"/>
+              </a:tblGrid>
+              <a:tr h="785160">
+                <a:tc>
+                  <a:txBody>
+                    <a:bodyPr lIns="90000" rIns="90000">
+                      <a:noAutofit/>
+                    </a:bodyPr>
+                    <a:p>
+                      <a:pPr>
+                        <a:lnSpc>
+                          <a:spcPct val="100000"/>
+                        </a:lnSpc>
+                      </a:pPr>
+                      <a:r>
+                        <a:rPr b="0" lang="en-US" sz="1800" spc="-1" strike="noStrike">
+                          <a:latin typeface="Arial"/>
+                        </a:rPr>
+                        <a:t>hc-05</a:t>
+                      </a:r>
+                      <a:endParaRPr b="0" lang="en-US" sz="1800" spc="-1" strike="noStrike">
+                        <a:latin typeface="Arial"/>
+                      </a:endParaRPr>
+                    </a:p>
+                  </a:txBody>
+                  <a:tcPr marL="90000" marR="90000">
+                    <a:lnL w="720">
+                      <a:solidFill>
+                        <a:srgbClr val="000000"/>
+                      </a:solidFill>
+                    </a:lnL>
+                    <a:lnR w="720">
+                      <a:solidFill>
+                        <a:srgbClr val="000000"/>
+                      </a:solidFill>
+                    </a:lnR>
+                    <a:lnT w="720">
+                      <a:solidFill>
+                        <a:srgbClr val="000000"/>
+                      </a:solidFill>
+                    </a:lnT>
+                    <a:lnB w="720">
+                      <a:solidFill>
+                        <a:srgbClr val="000000"/>
+                      </a:solidFill>
+                    </a:lnB>
+                    <a:solidFill>
+                      <a:srgbClr val="ffffff"/>
+                    </a:solidFill>
+                  </a:tcPr>
+                </a:tc>
+                <a:tc>
+                  <a:txBody>
+                    <a:bodyPr lIns="90000" rIns="90000">
+                      <a:noAutofit/>
+                    </a:bodyPr>
+                    <a:p>
+                      <a:pPr>
+                        <a:lnSpc>
+                          <a:spcPct val="100000"/>
+                        </a:lnSpc>
+                      </a:pPr>
+                      <a:r>
+                        <a:rPr b="0" lang="en-US" sz="1800" spc="-1" strike="noStrike">
+                          <a:latin typeface="Arial"/>
+                        </a:rPr>
+                        <a:t>200 руб.</a:t>
+                      </a:r>
+                      <a:endParaRPr b="0" lang="en-US" sz="1800" spc="-1" strike="noStrike">
+                        <a:latin typeface="Arial"/>
+                      </a:endParaRPr>
+                    </a:p>
+                  </a:txBody>
+                  <a:tcPr marL="90000" marR="90000">
+                    <a:lnL w="720">
+                      <a:solidFill>
+                        <a:srgbClr val="000000"/>
+                      </a:solidFill>
+                    </a:lnL>
+                    <a:lnR w="720">
+                      <a:solidFill>
+                        <a:srgbClr val="000000"/>
+                      </a:solidFill>
+                    </a:lnR>
+                    <a:lnT w="720">
+                      <a:solidFill>
+                        <a:srgbClr val="000000"/>
+                      </a:solidFill>
+                    </a:lnT>
+                    <a:lnB w="720">
+                      <a:solidFill>
+                        <a:srgbClr val="000000"/>
+                      </a:solidFill>
+                    </a:lnB>
+                    <a:solidFill>
+                      <a:srgbClr val="ffffff"/>
+                    </a:solidFill>
+                  </a:tcPr>
+                </a:tc>
+              </a:tr>
+              <a:tr h="786240">
+                <a:tc>
+                  <a:txBody>
+                    <a:bodyPr lIns="90000" rIns="90000">
+                      <a:noAutofit/>
+                    </a:bodyPr>
+                    <a:p>
+                      <a:pPr>
+                        <a:lnSpc>
+                          <a:spcPct val="100000"/>
+                        </a:lnSpc>
+                      </a:pPr>
+                      <a:r>
+                        <a:rPr b="0" lang="en-US" sz="1800" spc="-1" strike="noStrike">
+                          <a:latin typeface="Arial"/>
+                        </a:rPr>
+                        <a:t>esp8266</a:t>
+                      </a:r>
+                      <a:endParaRPr b="0" lang="en-US" sz="1800" spc="-1" strike="noStrike">
+                        <a:latin typeface="Arial"/>
+                      </a:endParaRPr>
+                    </a:p>
+                  </a:txBody>
+                  <a:tcPr marL="90000" marR="90000">
+                    <a:lnL w="720">
+                      <a:solidFill>
+                        <a:srgbClr val="000000"/>
+                      </a:solidFill>
+                    </a:lnL>
+                    <a:lnR w="720">
+                      <a:solidFill>
+                        <a:srgbClr val="000000"/>
+                      </a:solidFill>
+                    </a:lnR>
+                    <a:lnT w="720">
+                      <a:solidFill>
+                        <a:srgbClr val="000000"/>
+                      </a:solidFill>
+                    </a:lnT>
+                    <a:lnB w="720">
+                      <a:solidFill>
+                        <a:srgbClr val="000000"/>
+                      </a:solidFill>
+                    </a:lnB>
+                    <a:solidFill>
+                      <a:srgbClr val="ffffff"/>
+                    </a:solidFill>
+                  </a:tcPr>
+                </a:tc>
+                <a:tc>
+                  <a:txBody>
+                    <a:bodyPr lIns="90000" rIns="90000">
+                      <a:noAutofit/>
+                    </a:bodyPr>
+                    <a:p>
+                      <a:pPr>
+                        <a:lnSpc>
+                          <a:spcPct val="100000"/>
+                        </a:lnSpc>
+                      </a:pPr>
+                      <a:r>
+                        <a:rPr b="0" lang="en-US" sz="1800" spc="-1" strike="noStrike">
+                          <a:latin typeface="Arial"/>
+                        </a:rPr>
+                        <a:t>175 руб.</a:t>
+                      </a:r>
+                      <a:endParaRPr b="0" lang="en-US" sz="1800" spc="-1" strike="noStrike">
+                        <a:latin typeface="Arial"/>
+                      </a:endParaRPr>
+                    </a:p>
+                  </a:txBody>
+                  <a:tcPr marL="90000" marR="90000">
+                    <a:lnL w="720">
+                      <a:solidFill>
+                        <a:srgbClr val="000000"/>
+                      </a:solidFill>
+                    </a:lnL>
+                    <a:lnR w="720">
+                      <a:solidFill>
+                        <a:srgbClr val="000000"/>
+                      </a:solidFill>
+                    </a:lnR>
+                    <a:lnT w="720">
+                      <a:solidFill>
+                        <a:srgbClr val="000000"/>
+                      </a:solidFill>
+                    </a:lnT>
+                    <a:lnB w="720">
+                      <a:solidFill>
+                        <a:srgbClr val="000000"/>
+                      </a:solidFill>
+                    </a:lnB>
+                    <a:solidFill>
+                      <a:srgbClr val="ffffff"/>
+                    </a:solidFill>
+                  </a:tcPr>
+                </a:tc>
+              </a:tr>
+              <a:tr h="785160">
+                <a:tc>
+                  <a:txBody>
+                    <a:bodyPr lIns="90000" rIns="90000">
+                      <a:noAutofit/>
+                    </a:bodyPr>
+                    <a:p>
+                      <a:pPr>
+                        <a:lnSpc>
+                          <a:spcPct val="100000"/>
+                        </a:lnSpc>
+                      </a:pPr>
+                      <a:r>
+                        <a:rPr b="0" lang="en-US" sz="1800" spc="-1" strike="noStrike">
+                          <a:latin typeface="Arial"/>
+                        </a:rPr>
+                        <a:t>Итого:</a:t>
+                      </a:r>
+                      <a:endParaRPr b="0" lang="en-US" sz="1800" spc="-1" strike="noStrike">
+                        <a:latin typeface="Arial"/>
+                      </a:endParaRPr>
+                    </a:p>
+                  </a:txBody>
+                  <a:tcPr marL="90000" marR="90000">
+                    <a:lnL w="720">
+                      <a:solidFill>
+                        <a:srgbClr val="000000"/>
+                      </a:solidFill>
+                    </a:lnL>
+                    <a:lnR w="720">
+                      <a:solidFill>
+                        <a:srgbClr val="000000"/>
+                      </a:solidFill>
+                    </a:lnR>
+                    <a:lnT w="720">
+                      <a:solidFill>
+                        <a:srgbClr val="000000"/>
+                      </a:solidFill>
+                    </a:lnT>
+                    <a:lnB w="720">
+                      <a:solidFill>
+                        <a:srgbClr val="000000"/>
+                      </a:solidFill>
+                    </a:lnB>
+                    <a:solidFill>
+                      <a:srgbClr val="ffffff"/>
+                    </a:solidFill>
+                  </a:tcPr>
+                </a:tc>
+                <a:tc>
+                  <a:txBody>
+                    <a:bodyPr lIns="90000" rIns="90000">
+                      <a:noAutofit/>
+                    </a:bodyPr>
+                    <a:p>
+                      <a:pPr>
+                        <a:lnSpc>
+                          <a:spcPct val="100000"/>
+                        </a:lnSpc>
+                      </a:pPr>
+                      <a:r>
+                        <a:rPr b="0" lang="en-US" sz="1800" spc="-1" strike="noStrike">
+                          <a:latin typeface="Arial"/>
+                        </a:rPr>
+                        <a:t>375 руб.</a:t>
+                      </a:r>
+                      <a:endParaRPr b="0" lang="en-US" sz="1800" spc="-1" strike="noStrike">
+                        <a:latin typeface="Arial"/>
+                      </a:endParaRPr>
+                    </a:p>
+                  </a:txBody>
+                  <a:tcPr marL="90000" marR="90000">
+                    <a:lnL w="720">
+                      <a:solidFill>
+                        <a:srgbClr val="000000"/>
+                      </a:solidFill>
+                    </a:lnL>
+                    <a:lnR w="720">
+                      <a:solidFill>
+                        <a:srgbClr val="000000"/>
+                      </a:solidFill>
+                    </a:lnR>
+                    <a:lnT w="720">
+                      <a:solidFill>
+                        <a:srgbClr val="000000"/>
+                      </a:solidFill>
+                    </a:lnT>
+                    <a:lnB w="720">
+                      <a:solidFill>
+                        <a:srgbClr val="000000"/>
+                      </a:solidFill>
+                    </a:lnB>
+                    <a:solidFill>
+                      <a:srgbClr val="ffffff"/>
+                    </a:solidFill>
+                  </a:tcPr>
+                </a:tc>
+              </a:tr>
+            </a:tbl>
+          </a:graphicData>
+        </a:graphic>
+      </p:graphicFrame>
+      <p:sp>
+        <p:nvSpPr>
+          <p:cNvPr id="151" name="CustomShape 6"/>
+          <p:cNvSpPr/>
+          <p:nvPr/>
+        </p:nvSpPr>
+        <p:spPr>
+          <a:xfrm>
+            <a:off x="7462080" y="3841920"/>
+            <a:ext cx="3012480" cy="363960"/>
+          </a:xfrm>
+          <a:prstGeom prst="rect">
+            <a:avLst/>
+          </a:prstGeom>
+          <a:noFill/>
+          <a:ln>
+            <a:noFill/>
+          </a:ln>
+        </p:spPr>
+        <p:style>
+          <a:lnRef idx="0"/>
+          <a:fillRef idx="0"/>
+          <a:effectRef idx="0"/>
+          <a:fontRef idx="minor"/>
+        </p:style>
+        <p:txBody>
+          <a:bodyPr wrap="none" lIns="90000" rIns="90000" tIns="45000" bIns="45000">
+            <a:spAutoFit/>
+          </a:bodyPr>
+          <a:p>
+            <a:pPr>
+              <a:lnSpc>
+                <a:spcPct val="100000"/>
+              </a:lnSpc>
+            </a:pPr>
+            <a:r>
+              <a:rPr b="0" lang="en-US" sz="1800" spc="-1" strike="noStrike">
+                <a:solidFill>
+                  <a:srgbClr val="000000"/>
+                </a:solidFill>
+                <a:latin typeface="Calibri"/>
+                <a:ea typeface="DejaVu Sans"/>
+              </a:rPr>
+              <a:t>Расчетная стоимость датчика</a:t>
+            </a:r>
+            <a:endParaRPr b="0" lang="en-US" sz="1800" spc="-1" strike="noStrike">
+              <a:latin typeface="Arial"/>
+            </a:endParaRPr>
+          </a:p>
+        </p:txBody>
+      </p:sp>
     </p:spTree>
   </p:cSld>
   <mc:AlternateContent>
@@ -5721,6 +5882,253 @@
 </p:sld>
 </file>
 
+<file path=ppt/slides/slide14.xml><?xml version="1.0" encoding="utf-8"?>
+<p:sld xmlns:a="http://schemas.openxmlformats.org/drawingml/2006/main" xmlns:p="http://schemas.openxmlformats.org/presentationml/2006/main" xmlns:r="http://schemas.openxmlformats.org/officeDocument/2006/relationships" xmlns:p14="http://schemas.microsoft.com/office/powerpoint/2010/main" xmlns:p15="http://schemas.microsoft.com/office/powerpoint/2012/main" xmlns:mc="http://schemas.openxmlformats.org/markup-compatibility/2006">
+  <p:cSld>
+    <p:spTree>
+      <p:nvGrpSpPr>
+        <p:cNvPr id="1" name=""/>
+        <p:cNvGrpSpPr/>
+        <p:nvPr/>
+      </p:nvGrpSpPr>
+      <p:grpSpPr>
+        <a:xfrm>
+          <a:off x="0" y="0"/>
+          <a:ext cx="0" cy="0"/>
+          <a:chOff x="0" y="0"/>
+          <a:chExt cx="0" cy="0"/>
+        </a:xfrm>
+      </p:grpSpPr>
+      <p:sp>
+        <p:nvSpPr>
+          <p:cNvPr id="152" name="CustomShape 1"/>
+          <p:cNvSpPr/>
+          <p:nvPr/>
+        </p:nvSpPr>
+        <p:spPr>
+          <a:xfrm>
+            <a:off x="4349880" y="1905120"/>
+            <a:ext cx="7606440" cy="1324440"/>
+          </a:xfrm>
+          <a:prstGeom prst="rect">
+            <a:avLst/>
+          </a:prstGeom>
+          <a:noFill/>
+          <a:ln>
+            <a:noFill/>
+          </a:ln>
+        </p:spPr>
+        <p:style>
+          <a:lnRef idx="0"/>
+          <a:fillRef idx="0"/>
+          <a:effectRef idx="0"/>
+          <a:fontRef idx="minor"/>
+        </p:style>
+        <p:txBody>
+          <a:bodyPr lIns="90000" rIns="90000" tIns="45000" bIns="45000" anchor="ctr">
+            <a:noAutofit/>
+          </a:bodyPr>
+          <a:p>
+            <a:pPr>
+              <a:lnSpc>
+                <a:spcPct val="80000"/>
+              </a:lnSpc>
+            </a:pPr>
+            <a:r>
+              <a:rPr b="1" lang="en-US" sz="4000" spc="-1" strike="noStrike">
+                <a:solidFill>
+                  <a:srgbClr val="333f4f"/>
+                </a:solidFill>
+                <a:latin typeface="Calibri"/>
+                <a:ea typeface="DejaVu Sans"/>
+              </a:rPr>
+              <a:t>Система мониторинга перемещения охраны</a:t>
+            </a:r>
+            <a:endParaRPr b="0" lang="en-US" sz="4000" spc="-1" strike="noStrike">
+              <a:latin typeface="Arial"/>
+            </a:endParaRPr>
+          </a:p>
+        </p:txBody>
+      </p:sp>
+      <p:sp>
+        <p:nvSpPr>
+          <p:cNvPr id="153" name="CustomShape 2"/>
+          <p:cNvSpPr/>
+          <p:nvPr/>
+        </p:nvSpPr>
+        <p:spPr>
+          <a:xfrm>
+            <a:off x="4366800" y="3522240"/>
+            <a:ext cx="7606440" cy="1324440"/>
+          </a:xfrm>
+          <a:prstGeom prst="rect">
+            <a:avLst/>
+          </a:prstGeom>
+          <a:noFill/>
+          <a:ln>
+            <a:noFill/>
+          </a:ln>
+        </p:spPr>
+        <p:style>
+          <a:lnRef idx="0"/>
+          <a:fillRef idx="0"/>
+          <a:effectRef idx="0"/>
+          <a:fontRef idx="minor"/>
+        </p:style>
+        <p:txBody>
+          <a:bodyPr lIns="90000" rIns="90000" tIns="45000" bIns="45000" anchor="ctr">
+            <a:noAutofit/>
+          </a:bodyPr>
+          <a:p>
+            <a:pPr>
+              <a:lnSpc>
+                <a:spcPct val="80000"/>
+              </a:lnSpc>
+            </a:pPr>
+            <a:r>
+              <a:rPr b="1" lang="en-US" sz="3600" spc="-1" strike="noStrike">
+                <a:solidFill>
+                  <a:srgbClr val="333f4f"/>
+                </a:solidFill>
+                <a:latin typeface="Calibri"/>
+                <a:ea typeface="DejaVu Sans"/>
+              </a:rPr>
+              <a:t>Шанин Роман</a:t>
+            </a:r>
+            <a:endParaRPr b="0" lang="en-US" sz="3600" spc="-1" strike="noStrike">
+              <a:latin typeface="Arial"/>
+            </a:endParaRPr>
+          </a:p>
+          <a:p>
+            <a:pPr>
+              <a:lnSpc>
+                <a:spcPct val="80000"/>
+              </a:lnSpc>
+            </a:pPr>
+            <a:endParaRPr b="0" lang="en-US" sz="3600" spc="-1" strike="noStrike">
+              <a:latin typeface="Arial"/>
+            </a:endParaRPr>
+          </a:p>
+        </p:txBody>
+      </p:sp>
+      <p:sp>
+        <p:nvSpPr>
+          <p:cNvPr id="154" name="CustomShape 3"/>
+          <p:cNvSpPr/>
+          <p:nvPr/>
+        </p:nvSpPr>
+        <p:spPr>
+          <a:xfrm>
+            <a:off x="514440" y="-211680"/>
+            <a:ext cx="3226680" cy="2691360"/>
+          </a:xfrm>
+          <a:prstGeom prst="rect">
+            <a:avLst/>
+          </a:prstGeom>
+          <a:noFill/>
+          <a:ln>
+            <a:noFill/>
+          </a:ln>
+        </p:spPr>
+        <p:style>
+          <a:lnRef idx="0"/>
+          <a:fillRef idx="0"/>
+          <a:effectRef idx="0"/>
+          <a:fontRef idx="minor"/>
+        </p:style>
+        <p:txBody>
+          <a:bodyPr lIns="90000" rIns="90000" tIns="45000" bIns="45000" anchor="ctr">
+            <a:noAutofit/>
+          </a:bodyPr>
+          <a:p>
+            <a:pPr>
+              <a:lnSpc>
+                <a:spcPct val="80000"/>
+              </a:lnSpc>
+            </a:pPr>
+            <a:r>
+              <a:rPr b="1" lang="en-US" sz="3200" spc="-1" strike="noStrike">
+                <a:solidFill>
+                  <a:srgbClr val="263996"/>
+                </a:solidFill>
+                <a:latin typeface="Calibri"/>
+                <a:ea typeface="DejaVu Sans"/>
+              </a:rPr>
+              <a:t>ИТОГОВЫЙ  КОНКУРС ПРОЕКТОВ В РТУ МИРЭА - 2019 </a:t>
+            </a:r>
+            <a:endParaRPr b="0" lang="en-US" sz="3200" spc="-1" strike="noStrike">
+              <a:latin typeface="Arial"/>
+            </a:endParaRPr>
+          </a:p>
+        </p:txBody>
+      </p:sp>
+      <p:pic>
+        <p:nvPicPr>
+          <p:cNvPr id="155" name="Рисунок 5" descr=""/>
+          <p:cNvPicPr/>
+          <p:nvPr/>
+        </p:nvPicPr>
+        <p:blipFill>
+          <a:blip r:embed="rId1"/>
+          <a:stretch/>
+        </p:blipFill>
+        <p:spPr>
+          <a:xfrm>
+            <a:off x="10089000" y="263880"/>
+            <a:ext cx="1483560" cy="1640160"/>
+          </a:xfrm>
+          <a:prstGeom prst="rect">
+            <a:avLst/>
+          </a:prstGeom>
+          <a:ln>
+            <a:noFill/>
+          </a:ln>
+        </p:spPr>
+      </p:pic>
+    </p:spTree>
+  </p:cSld>
+  <mc:AlternateContent>
+    <mc:Choice Requires="p14">
+      <p:transition spd="med" p14:dur="700">
+        <p:fade/>
+      </p:transition>
+    </mc:Choice>
+    <mc:Fallback>
+      <p:transition spd="med">
+        <p:fade/>
+      </p:transition>
+    </mc:Fallback>
+  </mc:AlternateContent>
+  <p:timing>
+    <p:tnLst>
+      <p:par>
+        <p:cTn id="27" dur="indefinite" restart="never" nodeType="tmRoot">
+          <p:childTnLst>
+            <p:seq>
+              <p:cTn id="28" dur="indefinite" nodeType="mainSeq"/>
+              <p:prevCondLst>
+                <p:cond delay="0" evt="onPrev">
+                  <p:tgtEl>
+                    <p:sldTgt/>
+                  </p:tgtEl>
+                </p:cond>
+              </p:prevCondLst>
+              <p:nextCondLst>
+                <p:cond delay="0" evt="onNext">
+                  <p:tgtEl>
+                    <p:sldTgt/>
+                  </p:tgtEl>
+                </p:cond>
+              </p:nextCondLst>
+            </p:seq>
+          </p:childTnLst>
+        </p:cTn>
+      </p:par>
+    </p:tnLst>
+  </p:timing>
+</p:sld>
+</file>
+
 <file path=ppt/slides/slide2.xml><?xml version="1.0" encoding="utf-8"?>
 <p:sld xmlns:a="http://schemas.openxmlformats.org/drawingml/2006/main" xmlns:p="http://schemas.openxmlformats.org/presentationml/2006/main" xmlns:r="http://schemas.openxmlformats.org/officeDocument/2006/relationships" xmlns:p14="http://schemas.microsoft.com/office/powerpoint/2010/main" xmlns:p15="http://schemas.microsoft.com/office/powerpoint/2012/main" xmlns:mc="http://schemas.openxmlformats.org/markup-compatibility/2006">
   <p:cSld>
@@ -5740,14 +6148,14 @@
       </p:grpSpPr>
       <p:sp>
         <p:nvSpPr>
-          <p:cNvPr id="106" name="TextShape 1"/>
-          <p:cNvSpPr txBox="1"/>
+          <p:cNvPr id="100" name="CustomShape 1"/>
+          <p:cNvSpPr/>
           <p:nvPr/>
         </p:nvSpPr>
         <p:spPr>
           <a:xfrm>
             <a:off x="545760" y="285840"/>
-            <a:ext cx="8789040" cy="399600"/>
+            <a:ext cx="8788320" cy="398880"/>
           </a:xfrm>
           <a:prstGeom prst="rect">
             <a:avLst/>
@@ -5757,6 +6165,12 @@
             <a:noFill/>
           </a:ln>
         </p:spPr>
+        <p:style>
+          <a:lnRef idx="0"/>
+          <a:fillRef idx="0"/>
+          <a:effectRef idx="0"/>
+          <a:fontRef idx="minor"/>
+        </p:style>
         <p:txBody>
           <a:bodyPr lIns="90000" rIns="90000" tIns="45000" bIns="45000" anchor="ctr">
             <a:noAutofit/>
@@ -5768,132 +6182,31 @@
               </a:lnSpc>
             </a:pPr>
             <a:r>
-              <a:rPr b="1" lang="ru-RU" sz="4000" spc="-1" strike="noStrike">
+              <a:rPr b="1" lang="en-US" sz="4000" spc="-1" strike="noStrike">
                 <a:solidFill>
                   <a:srgbClr val="263996"/>
                 </a:solidFill>
                 <a:latin typeface="Calibri"/>
-              </a:rPr>
-              <a:t>А</a:t>
-            </a:r>
-            <a:r>
-              <a:rPr b="1" lang="ru-RU" sz="4000" spc="-1" strike="noStrike">
-                <a:solidFill>
-                  <a:srgbClr val="263996"/>
-                </a:solidFill>
-                <a:latin typeface="Calibri"/>
-              </a:rPr>
-              <a:t>к</a:t>
-            </a:r>
-            <a:r>
-              <a:rPr b="1" lang="ru-RU" sz="4000" spc="-1" strike="noStrike">
-                <a:solidFill>
-                  <a:srgbClr val="263996"/>
-                </a:solidFill>
-                <a:latin typeface="Calibri"/>
-              </a:rPr>
-              <a:t>т</a:t>
-            </a:r>
-            <a:r>
-              <a:rPr b="1" lang="ru-RU" sz="4000" spc="-1" strike="noStrike">
-                <a:solidFill>
-                  <a:srgbClr val="263996"/>
-                </a:solidFill>
-                <a:latin typeface="Calibri"/>
-              </a:rPr>
-              <a:t>у</a:t>
-            </a:r>
-            <a:r>
-              <a:rPr b="1" lang="ru-RU" sz="4000" spc="-1" strike="noStrike">
-                <a:solidFill>
-                  <a:srgbClr val="263996"/>
-                </a:solidFill>
-                <a:latin typeface="Calibri"/>
-              </a:rPr>
-              <a:t>а</a:t>
-            </a:r>
-            <a:r>
-              <a:rPr b="1" lang="ru-RU" sz="4000" spc="-1" strike="noStrike">
-                <a:solidFill>
-                  <a:srgbClr val="263996"/>
-                </a:solidFill>
-                <a:latin typeface="Calibri"/>
-              </a:rPr>
-              <a:t>л</a:t>
-            </a:r>
-            <a:r>
-              <a:rPr b="1" lang="ru-RU" sz="4000" spc="-1" strike="noStrike">
-                <a:solidFill>
-                  <a:srgbClr val="263996"/>
-                </a:solidFill>
-                <a:latin typeface="Calibri"/>
-              </a:rPr>
-              <a:t>ь</a:t>
-            </a:r>
-            <a:r>
-              <a:rPr b="1" lang="ru-RU" sz="4000" spc="-1" strike="noStrike">
-                <a:solidFill>
-                  <a:srgbClr val="263996"/>
-                </a:solidFill>
-                <a:latin typeface="Calibri"/>
-              </a:rPr>
-              <a:t>н</a:t>
-            </a:r>
-            <a:r>
-              <a:rPr b="1" lang="ru-RU" sz="4000" spc="-1" strike="noStrike">
-                <a:solidFill>
-                  <a:srgbClr val="263996"/>
-                </a:solidFill>
-                <a:latin typeface="Calibri"/>
-              </a:rPr>
-              <a:t>о</a:t>
-            </a:r>
-            <a:r>
-              <a:rPr b="1" lang="ru-RU" sz="4000" spc="-1" strike="noStrike">
-                <a:solidFill>
-                  <a:srgbClr val="263996"/>
-                </a:solidFill>
-                <a:latin typeface="Calibri"/>
-              </a:rPr>
-              <a:t>с</a:t>
-            </a:r>
-            <a:r>
-              <a:rPr b="1" lang="ru-RU" sz="4000" spc="-1" strike="noStrike">
-                <a:solidFill>
-                  <a:srgbClr val="263996"/>
-                </a:solidFill>
-                <a:latin typeface="Calibri"/>
-              </a:rPr>
-              <a:t>т</a:t>
-            </a:r>
-            <a:r>
-              <a:rPr b="1" lang="ru-RU" sz="4000" spc="-1" strike="noStrike">
-                <a:solidFill>
-                  <a:srgbClr val="263996"/>
-                </a:solidFill>
-                <a:latin typeface="Calibri"/>
-              </a:rPr>
-              <a:t>ь</a:t>
-            </a:r>
-            <a:endParaRPr b="0" lang="ru-RU" sz="4000" spc="-1" strike="noStrike">
-              <a:solidFill>
-                <a:srgbClr val="000000"/>
-              </a:solidFill>
-              <a:latin typeface="Calibri"/>
-            </a:endParaRPr>
-          </a:p>
-        </p:txBody>
-      </p:sp>
-      <p:sp>
-        <p:nvSpPr>
-          <p:cNvPr id="107" name="TextShape 2"/>
-          <p:cNvSpPr txBox="1"/>
+                <a:ea typeface="DejaVu Sans"/>
+              </a:rPr>
+              <a:t>Актуальность</a:t>
+            </a:r>
+            <a:endParaRPr b="0" lang="en-US" sz="4000" spc="-1" strike="noStrike">
+              <a:latin typeface="Arial"/>
+            </a:endParaRPr>
+          </a:p>
+        </p:txBody>
+      </p:sp>
+      <p:sp>
+        <p:nvSpPr>
+          <p:cNvPr id="101" name="CustomShape 2"/>
+          <p:cNvSpPr/>
           <p:nvPr/>
         </p:nvSpPr>
         <p:spPr>
           <a:xfrm>
             <a:off x="731520" y="914400"/>
-            <a:ext cx="180720" cy="427320"/>
+            <a:ext cx="180000" cy="426600"/>
           </a:xfrm>
           <a:prstGeom prst="rect">
             <a:avLst/>
@@ -5903,17 +6216,23 @@
             <a:noFill/>
           </a:ln>
         </p:spPr>
-      </p:sp>
-      <p:sp>
-        <p:nvSpPr>
-          <p:cNvPr id="108" name="TextShape 3"/>
-          <p:cNvSpPr txBox="1"/>
+        <p:style>
+          <a:lnRef idx="0"/>
+          <a:fillRef idx="0"/>
+          <a:effectRef idx="0"/>
+          <a:fontRef idx="minor"/>
+        </p:style>
+      </p:sp>
+      <p:sp>
+        <p:nvSpPr>
+          <p:cNvPr id="102" name="CustomShape 3"/>
+          <p:cNvSpPr/>
           <p:nvPr/>
         </p:nvSpPr>
         <p:spPr>
           <a:xfrm>
             <a:off x="5760720" y="1828800"/>
-            <a:ext cx="180720" cy="346320"/>
+            <a:ext cx="180000" cy="345600"/>
           </a:xfrm>
           <a:prstGeom prst="rect">
             <a:avLst/>
@@ -5923,17 +6242,23 @@
             <a:noFill/>
           </a:ln>
         </p:spPr>
-      </p:sp>
-      <p:sp>
-        <p:nvSpPr>
-          <p:cNvPr id="109" name="CustomShape 4"/>
+        <p:style>
+          <a:lnRef idx="0"/>
+          <a:fillRef idx="0"/>
+          <a:effectRef idx="0"/>
+          <a:fontRef idx="minor"/>
+        </p:style>
+      </p:sp>
+      <p:sp>
+        <p:nvSpPr>
+          <p:cNvPr id="103" name="CustomShape 4"/>
           <p:cNvSpPr/>
           <p:nvPr/>
         </p:nvSpPr>
         <p:spPr>
           <a:xfrm>
             <a:off x="882720" y="1280160"/>
-            <a:ext cx="5700960" cy="2834640"/>
+            <a:ext cx="5700240" cy="2833920"/>
           </a:xfrm>
           <a:prstGeom prst="rect">
             <a:avLst/>
@@ -5967,6 +6292,7 @@
                   <a:srgbClr val="000000"/>
                 </a:solidFill>
                 <a:latin typeface="Arial"/>
+                <a:ea typeface="DejaVu Sans"/>
               </a:rPr>
               <a:t>Several factors contribute to the high level of equipment theft:</a:t>
             </a:r>
@@ -5986,6 +6312,7 @@
                   <a:srgbClr val="000000"/>
                 </a:solidFill>
                 <a:latin typeface="Arial"/>
+                <a:ea typeface="DejaVu Sans"/>
               </a:rPr>
               <a:t>• </a:t>
             </a:r>
@@ -5995,6 +6322,7 @@
                   <a:srgbClr val="000000"/>
                 </a:solidFill>
                 <a:latin typeface="Arial"/>
+                <a:ea typeface="DejaVu Sans"/>
               </a:rPr>
               <a:t>the value of heavy equipment</a:t>
             </a:r>
@@ -6014,6 +6342,7 @@
                   <a:srgbClr val="000000"/>
                 </a:solidFill>
                 <a:latin typeface="Arial"/>
+                <a:ea typeface="DejaVu Sans"/>
               </a:rPr>
               <a:t>• </a:t>
             </a:r>
@@ -6024,6 +6353,7 @@
                 </a:solidFill>
                 <a:uFillTx/>
                 <a:latin typeface="Arial"/>
+                <a:ea typeface="DejaVu Sans"/>
               </a:rPr>
               <a:t>poor equipment and site security</a:t>
             </a:r>
@@ -6043,6 +6373,7 @@
                   <a:srgbClr val="000000"/>
                 </a:solidFill>
                 <a:latin typeface="Arial"/>
+                <a:ea typeface="DejaVu Sans"/>
               </a:rPr>
               <a:t>• </a:t>
             </a:r>
@@ -6052,6 +6383,7 @@
                   <a:srgbClr val="000000"/>
                 </a:solidFill>
                 <a:latin typeface="Arial"/>
+                <a:ea typeface="DejaVu Sans"/>
               </a:rPr>
               <a:t>opportunities to sell stolen equipment in the used-equipment market</a:t>
             </a:r>
@@ -6071,6 +6403,7 @@
                   <a:srgbClr val="000000"/>
                 </a:solidFill>
                 <a:latin typeface="Arial"/>
+                <a:ea typeface="DejaVu Sans"/>
               </a:rPr>
               <a:t>• </a:t>
             </a:r>
@@ -6080,6 +6413,7 @@
                   <a:srgbClr val="000000"/>
                 </a:solidFill>
                 <a:latin typeface="Arial"/>
+                <a:ea typeface="DejaVu Sans"/>
               </a:rPr>
               <a:t>low risk of detection and arrest</a:t>
             </a:r>
@@ -6099,6 +6433,7 @@
                   <a:srgbClr val="000000"/>
                 </a:solidFill>
                 <a:latin typeface="Arial"/>
+                <a:ea typeface="DejaVu Sans"/>
               </a:rPr>
               <a:t>• </a:t>
             </a:r>
@@ -6108,6 +6443,7 @@
                   <a:srgbClr val="000000"/>
                 </a:solidFill>
                 <a:latin typeface="Arial"/>
+                <a:ea typeface="DejaVu Sans"/>
               </a:rPr>
               <a:t>lenient penalties for thieves if prosecuted and convicted</a:t>
             </a:r>
@@ -6119,14 +6455,14 @@
       </p:sp>
       <p:sp>
         <p:nvSpPr>
-          <p:cNvPr id="110" name="CustomShape 5"/>
+          <p:cNvPr id="104" name="CustomShape 5"/>
           <p:cNvSpPr/>
           <p:nvPr/>
         </p:nvSpPr>
         <p:spPr>
           <a:xfrm>
             <a:off x="896040" y="4552920"/>
-            <a:ext cx="7916760" cy="639000"/>
+            <a:ext cx="7916040" cy="638280"/>
           </a:xfrm>
           <a:prstGeom prst="rect">
             <a:avLst/>
@@ -6158,6 +6494,7 @@
                   <a:srgbClr val="000000"/>
                 </a:solidFill>
                 <a:latin typeface="Calibri"/>
+                <a:ea typeface="DejaVu Sans"/>
               </a:rPr>
               <a:t>2016 Annual Theft Report : </a:t>
             </a:r>
@@ -6177,6 +6514,7 @@
                   <a:srgbClr val="000000"/>
                 </a:solidFill>
                 <a:latin typeface="Calibri"/>
+                <a:ea typeface="DejaVu Sans"/>
               </a:rPr>
               <a:t>http://www.ner.net/wp-content/uploads/2017/10/Annual-Theft-Report-2016.pdf</a:t>
             </a:r>
@@ -6188,7 +6526,7 @@
       </p:sp>
       <p:pic>
         <p:nvPicPr>
-          <p:cNvPr id="111" name="Объект 5" descr=""/>
+          <p:cNvPr id="105" name="Объект 5" descr=""/>
           <p:cNvPicPr/>
           <p:nvPr/>
         </p:nvPicPr>
@@ -6199,7 +6537,7 @@
         <p:spPr>
           <a:xfrm>
             <a:off x="6055920" y="1468800"/>
-            <a:ext cx="6014160" cy="2554560"/>
+            <a:ext cx="6013440" cy="2553840"/>
           </a:xfrm>
           <a:prstGeom prst="rect">
             <a:avLst/>
@@ -6272,14 +6610,14 @@
       </p:grpSpPr>
       <p:sp>
         <p:nvSpPr>
-          <p:cNvPr id="112" name="TextShape 1"/>
-          <p:cNvSpPr txBox="1"/>
+          <p:cNvPr id="106" name="CustomShape 1"/>
+          <p:cNvSpPr/>
           <p:nvPr/>
         </p:nvSpPr>
         <p:spPr>
           <a:xfrm>
             <a:off x="545760" y="299160"/>
-            <a:ext cx="8789040" cy="399600"/>
+            <a:ext cx="8788320" cy="398880"/>
           </a:xfrm>
           <a:prstGeom prst="rect">
             <a:avLst/>
@@ -6289,6 +6627,12 @@
             <a:noFill/>
           </a:ln>
         </p:spPr>
+        <p:style>
+          <a:lnRef idx="0"/>
+          <a:fillRef idx="0"/>
+          <a:effectRef idx="0"/>
+          <a:fontRef idx="minor"/>
+        </p:style>
         <p:txBody>
           <a:bodyPr lIns="90000" rIns="90000" tIns="45000" bIns="45000" anchor="ctr">
             <a:noAutofit/>
@@ -6300,33 +6644,31 @@
               </a:lnSpc>
             </a:pPr>
             <a:r>
-              <a:rPr b="1" lang="ru-RU" sz="4000" spc="-1" strike="noStrike">
+              <a:rPr b="1" lang="en-US" sz="4000" spc="-1" strike="noStrike">
                 <a:solidFill>
                   <a:srgbClr val="263996"/>
                 </a:solidFill>
                 <a:latin typeface="Calibri"/>
+                <a:ea typeface="DejaVu Sans"/>
               </a:rPr>
               <a:t>Постановка задачи</a:t>
             </a:r>
-            <a:endParaRPr b="0" lang="ru-RU" sz="4000" spc="-1" strike="noStrike">
-              <a:solidFill>
-                <a:srgbClr val="000000"/>
-              </a:solidFill>
-              <a:latin typeface="Calibri"/>
-            </a:endParaRPr>
-          </a:p>
-        </p:txBody>
-      </p:sp>
-      <p:sp>
-        <p:nvSpPr>
-          <p:cNvPr id="113" name="TextShape 2"/>
-          <p:cNvSpPr txBox="1"/>
+            <a:endParaRPr b="0" lang="en-US" sz="4000" spc="-1" strike="noStrike">
+              <a:latin typeface="Arial"/>
+            </a:endParaRPr>
+          </a:p>
+        </p:txBody>
+      </p:sp>
+      <p:sp>
+        <p:nvSpPr>
+          <p:cNvPr id="107" name="CustomShape 2"/>
+          <p:cNvSpPr/>
           <p:nvPr/>
         </p:nvSpPr>
         <p:spPr>
           <a:xfrm>
             <a:off x="822960" y="1318320"/>
-            <a:ext cx="10515240" cy="2247840"/>
+            <a:ext cx="10514520" cy="2247120"/>
           </a:xfrm>
           <a:prstGeom prst="rect">
             <a:avLst/>
@@ -6336,8 +6678,14 @@
             <a:noFill/>
           </a:ln>
         </p:spPr>
-        <p:txBody>
-          <a:bodyPr>
+        <p:style>
+          <a:lnRef idx="0"/>
+          <a:fillRef idx="0"/>
+          <a:effectRef idx="0"/>
+          <a:fontRef idx="minor"/>
+        </p:style>
+        <p:txBody>
+          <a:bodyPr lIns="90000" rIns="90000" tIns="45000" bIns="45000">
             <a:noAutofit/>
           </a:bodyPr>
           <a:p>
@@ -6355,15 +6703,16 @@
                   <a:srgbClr val="000000"/>
                 </a:solidFill>
                 <a:latin typeface="Calibri"/>
+                <a:ea typeface="DejaVu Sans"/>
               </a:rPr>
               <a:t>Разработать систему, которая позволяет:</a:t>
             </a:r>
             <a:endParaRPr b="0" lang="en-US" sz="2800" spc="-1" strike="noStrike">
-              <a:latin typeface="Times New Roman"/>
-            </a:endParaRPr>
-          </a:p>
-          <a:p>
-            <a:pPr marL="228600" indent="-228240">
+              <a:latin typeface="Arial"/>
+            </a:endParaRPr>
+          </a:p>
+          <a:p>
+            <a:pPr marL="228600" indent="-227520">
               <a:lnSpc>
                 <a:spcPct val="90000"/>
               </a:lnSpc>
@@ -6377,23 +6726,21 @@
               <a:buChar char="•"/>
             </a:pPr>
             <a:r>
-              <a:rPr b="0" lang="ru-RU" sz="2800" spc="-1" strike="noStrike">
+              <a:rPr b="0" lang="en-US" sz="2800" spc="-1" strike="noStrike">
                 <a:solidFill>
                   <a:srgbClr val="000000"/>
                 </a:solidFill>
                 <a:latin typeface="Calibri"/>
+                <a:ea typeface="DejaVu Sans"/>
               </a:rPr>
               <a:t>В реальном времени отслеживать перемещение сотрудников охраны;</a:t>
             </a:r>
-            <a:endParaRPr b="0" lang="ru-RU" sz="2800" spc="-1" strike="noStrike">
-              <a:solidFill>
-                <a:srgbClr val="000000"/>
-              </a:solidFill>
-              <a:latin typeface="Calibri"/>
-            </a:endParaRPr>
-          </a:p>
-          <a:p>
-            <a:pPr marL="228600" indent="-228240">
+            <a:endParaRPr b="0" lang="en-US" sz="2800" spc="-1" strike="noStrike">
+              <a:latin typeface="Arial"/>
+            </a:endParaRPr>
+          </a:p>
+          <a:p>
+            <a:pPr marL="228600" indent="-227520">
               <a:lnSpc>
                 <a:spcPct val="90000"/>
               </a:lnSpc>
@@ -6407,19 +6754,17 @@
               <a:buChar char="•"/>
             </a:pPr>
             <a:r>
-              <a:rPr b="0" lang="ru-RU" sz="2800" spc="-1" strike="noStrike">
+              <a:rPr b="0" lang="en-US" sz="2800" spc="-1" strike="noStrike">
                 <a:solidFill>
                   <a:srgbClr val="000000"/>
                 </a:solidFill>
                 <a:latin typeface="Calibri"/>
+                <a:ea typeface="DejaVu Sans"/>
               </a:rPr>
               <a:t>Отслеживать прохождение контрольных точек и генерировать уведомления об отклонении от маршрута;</a:t>
             </a:r>
-            <a:endParaRPr b="0" lang="ru-RU" sz="2800" spc="-1" strike="noStrike">
-              <a:solidFill>
-                <a:srgbClr val="000000"/>
-              </a:solidFill>
-              <a:latin typeface="Calibri"/>
+            <a:endParaRPr b="0" lang="en-US" sz="2800" spc="-1" strike="noStrike">
+              <a:latin typeface="Arial"/>
             </a:endParaRPr>
           </a:p>
         </p:txBody>
@@ -6487,14 +6832,14 @@
       </p:grpSpPr>
       <p:sp>
         <p:nvSpPr>
-          <p:cNvPr id="114" name="TextShape 1"/>
-          <p:cNvSpPr txBox="1"/>
+          <p:cNvPr id="108" name="CustomShape 1"/>
+          <p:cNvSpPr/>
           <p:nvPr/>
         </p:nvSpPr>
         <p:spPr>
           <a:xfrm>
             <a:off x="545760" y="240480"/>
-            <a:ext cx="8789040" cy="399600"/>
+            <a:ext cx="8788320" cy="398880"/>
           </a:xfrm>
           <a:prstGeom prst="rect">
             <a:avLst/>
@@ -6504,6 +6849,12 @@
             <a:noFill/>
           </a:ln>
         </p:spPr>
+        <p:style>
+          <a:lnRef idx="0"/>
+          <a:fillRef idx="0"/>
+          <a:effectRef idx="0"/>
+          <a:fontRef idx="minor"/>
+        </p:style>
         <p:txBody>
           <a:bodyPr lIns="90000" rIns="90000" tIns="45000" bIns="45000" anchor="ctr">
             <a:noAutofit/>
@@ -6515,26 +6866,24 @@
               </a:lnSpc>
             </a:pPr>
             <a:r>
-              <a:rPr b="1" lang="ru-RU" sz="4000" spc="-1" strike="noStrike">
+              <a:rPr b="1" lang="en-US" sz="4000" spc="-1" strike="noStrike">
                 <a:solidFill>
                   <a:srgbClr val="263996"/>
                 </a:solidFill>
                 <a:latin typeface="Calibri"/>
+                <a:ea typeface="DejaVu Sans"/>
               </a:rPr>
               <a:t>Концепт системы</a:t>
             </a:r>
-            <a:endParaRPr b="0" lang="ru-RU" sz="4000" spc="-1" strike="noStrike">
-              <a:solidFill>
-                <a:srgbClr val="000000"/>
-              </a:solidFill>
-              <a:latin typeface="Calibri"/>
+            <a:endParaRPr b="0" lang="en-US" sz="4000" spc="-1" strike="noStrike">
+              <a:latin typeface="Arial"/>
             </a:endParaRPr>
           </a:p>
         </p:txBody>
       </p:sp>
       <p:pic>
         <p:nvPicPr>
-          <p:cNvPr id="115" name="Объект 5" descr=""/>
+          <p:cNvPr id="109" name="Объект 5" descr=""/>
           <p:cNvPicPr/>
           <p:nvPr/>
         </p:nvPicPr>
@@ -6545,7 +6894,7 @@
         <p:spPr>
           <a:xfrm>
             <a:off x="822960" y="1150560"/>
-            <a:ext cx="6705360" cy="4061520"/>
+            <a:ext cx="6704640" cy="4060800"/>
           </a:xfrm>
           <a:prstGeom prst="rect">
             <a:avLst/>
@@ -6557,14 +6906,14 @@
       </p:pic>
       <p:sp>
         <p:nvSpPr>
-          <p:cNvPr id="116" name="CustomShape 2"/>
+          <p:cNvPr id="110" name="CustomShape 2"/>
           <p:cNvSpPr/>
           <p:nvPr/>
         </p:nvSpPr>
         <p:spPr>
           <a:xfrm>
             <a:off x="1786320" y="5121720"/>
-            <a:ext cx="4431600" cy="639000"/>
+            <a:ext cx="4430880" cy="638280"/>
           </a:xfrm>
           <a:prstGeom prst="rect">
             <a:avLst/>
@@ -6596,6 +6945,7 @@
                   <a:srgbClr val="000000"/>
                 </a:solidFill>
                 <a:latin typeface="Calibri"/>
+                <a:ea typeface="DejaVu Sans"/>
               </a:rPr>
               <a:t>Общая структура и потоки данных системы</a:t>
             </a:r>
@@ -6617,14 +6967,14 @@
       </p:sp>
       <p:sp>
         <p:nvSpPr>
-          <p:cNvPr id="117" name="CustomShape 3"/>
+          <p:cNvPr id="111" name="CustomShape 3"/>
           <p:cNvSpPr/>
           <p:nvPr/>
         </p:nvSpPr>
         <p:spPr>
           <a:xfrm>
             <a:off x="7863840" y="5121720"/>
-            <a:ext cx="3105720" cy="364680"/>
+            <a:ext cx="3105000" cy="363960"/>
           </a:xfrm>
           <a:prstGeom prst="rect">
             <a:avLst/>
@@ -6656,6 +7006,7 @@
                   <a:srgbClr val="000000"/>
                 </a:solidFill>
                 <a:latin typeface="Arial"/>
+                <a:ea typeface="DejaVu Sans"/>
               </a:rPr>
               <a:t>Протокол передачи данных</a:t>
             </a:r>
@@ -6667,14 +7018,14 @@
       </p:sp>
       <p:sp>
         <p:nvSpPr>
-          <p:cNvPr id="118" name="CustomShape 4"/>
+          <p:cNvPr id="112" name="CustomShape 4"/>
           <p:cNvSpPr/>
           <p:nvPr/>
         </p:nvSpPr>
         <p:spPr>
           <a:xfrm>
             <a:off x="7468200" y="1737360"/>
-            <a:ext cx="4723920" cy="3107880"/>
+            <a:ext cx="4723200" cy="3107160"/>
           </a:xfrm>
           <a:prstGeom prst="rect">
             <a:avLst/>
@@ -6706,6 +7057,7 @@
                   <a:srgbClr val="000000"/>
                 </a:solidFill>
                 <a:latin typeface="Arial"/>
+                <a:ea typeface="DejaVu Sans"/>
               </a:rPr>
               <a:t>{</a:t>
             </a:r>
@@ -6725,6 +7077,7 @@
                   <a:srgbClr val="000000"/>
                 </a:solidFill>
                 <a:latin typeface="Arial"/>
+                <a:ea typeface="DejaVu Sans"/>
               </a:rPr>
               <a:t> </a:t>
             </a:r>
@@ -6734,6 +7087,7 @@
                   <a:srgbClr val="000000"/>
                 </a:solidFill>
                 <a:latin typeface="Arial"/>
+                <a:ea typeface="DejaVu Sans"/>
               </a:rPr>
               <a:t>header : locate_security,</a:t>
             </a:r>
@@ -6753,6 +7107,7 @@
                   <a:srgbClr val="000000"/>
                 </a:solidFill>
                 <a:latin typeface="Arial"/>
+                <a:ea typeface="DejaVu Sans"/>
               </a:rPr>
               <a:t> </a:t>
             </a:r>
@@ -6762,6 +7117,7 @@
                   <a:srgbClr val="000000"/>
                 </a:solidFill>
                 <a:latin typeface="Arial"/>
+                <a:ea typeface="DejaVu Sans"/>
               </a:rPr>
               <a:t>data : {</a:t>
             </a:r>
@@ -6781,6 +7137,7 @@
                   <a:srgbClr val="000000"/>
                 </a:solidFill>
                 <a:latin typeface="Arial"/>
+                <a:ea typeface="DejaVu Sans"/>
               </a:rPr>
               <a:t>	</a:t>
             </a:r>
@@ -6790,6 +7147,7 @@
                   <a:srgbClr val="000000"/>
                 </a:solidFill>
                 <a:latin typeface="Arial"/>
+                <a:ea typeface="DejaVu Sans"/>
               </a:rPr>
               <a:t> </a:t>
             </a:r>
@@ -6799,6 +7157,7 @@
                   <a:srgbClr val="000000"/>
                 </a:solidFill>
                 <a:latin typeface="Arial"/>
+                <a:ea typeface="DejaVu Sans"/>
               </a:rPr>
               <a:t>userID : userID,</a:t>
             </a:r>
@@ -6818,6 +7177,7 @@
                   <a:srgbClr val="000000"/>
                 </a:solidFill>
                 <a:latin typeface="Arial"/>
+                <a:ea typeface="DejaVu Sans"/>
               </a:rPr>
               <a:t>	</a:t>
             </a:r>
@@ -6827,6 +7187,7 @@
                   <a:srgbClr val="000000"/>
                 </a:solidFill>
                 <a:latin typeface="Arial"/>
+                <a:ea typeface="DejaVu Sans"/>
               </a:rPr>
               <a:t> </a:t>
             </a:r>
@@ -6836,6 +7197,7 @@
                   <a:srgbClr val="000000"/>
                 </a:solidFill>
                 <a:latin typeface="Arial"/>
+                <a:ea typeface="DejaVu Sans"/>
               </a:rPr>
               <a:t>time : time,</a:t>
             </a:r>
@@ -6855,6 +7217,7 @@
                   <a:srgbClr val="000000"/>
                 </a:solidFill>
                 <a:latin typeface="Arial"/>
+                <a:ea typeface="DejaVu Sans"/>
               </a:rPr>
               <a:t>	</a:t>
             </a:r>
@@ -6864,6 +7227,7 @@
                   <a:srgbClr val="000000"/>
                 </a:solidFill>
                 <a:latin typeface="Arial"/>
+                <a:ea typeface="DejaVu Sans"/>
               </a:rPr>
               <a:t> </a:t>
             </a:r>
@@ -6873,6 +7237,7 @@
                   <a:srgbClr val="000000"/>
                 </a:solidFill>
                 <a:latin typeface="Arial"/>
+                <a:ea typeface="DejaVu Sans"/>
               </a:rPr>
               <a:t>signals : {</a:t>
             </a:r>
@@ -6892,6 +7257,7 @@
                   <a:srgbClr val="000000"/>
                 </a:solidFill>
                 <a:latin typeface="Arial"/>
+                <a:ea typeface="DejaVu Sans"/>
               </a:rPr>
               <a:t>	</a:t>
             </a:r>
@@ -6901,6 +7267,7 @@
                   <a:srgbClr val="000000"/>
                 </a:solidFill>
                 <a:latin typeface="Arial"/>
+                <a:ea typeface="DejaVu Sans"/>
               </a:rPr>
               <a:t>	</a:t>
             </a:r>
@@ -6910,6 +7277,7 @@
                   <a:srgbClr val="000000"/>
                 </a:solidFill>
                 <a:latin typeface="Arial"/>
+                <a:ea typeface="DejaVu Sans"/>
               </a:rPr>
               <a:t>    </a:t>
             </a:r>
@@ -6919,6 +7287,7 @@
                   <a:srgbClr val="000000"/>
                 </a:solidFill>
                 <a:latin typeface="Arial"/>
+                <a:ea typeface="DejaVu Sans"/>
               </a:rPr>
               <a:t>wifi :{st1:rssi1,...},</a:t>
             </a:r>
@@ -6938,6 +7307,7 @@
                   <a:srgbClr val="000000"/>
                 </a:solidFill>
                 <a:latin typeface="Arial"/>
+                <a:ea typeface="DejaVu Sans"/>
               </a:rPr>
               <a:t>                                </a:t>
             </a:r>
@@ -6947,6 +7317,7 @@
                   <a:srgbClr val="000000"/>
                 </a:solidFill>
                 <a:latin typeface="Arial"/>
+                <a:ea typeface="DejaVu Sans"/>
               </a:rPr>
               <a:t>bluetooth :{st1:rssi1,...}</a:t>
             </a:r>
@@ -6966,6 +7337,7 @@
                   <a:srgbClr val="000000"/>
                 </a:solidFill>
                 <a:latin typeface="Arial"/>
+                <a:ea typeface="DejaVu Sans"/>
               </a:rPr>
               <a:t>	</a:t>
             </a:r>
@@ -6975,6 +7347,7 @@
                   <a:srgbClr val="000000"/>
                 </a:solidFill>
                 <a:latin typeface="Arial"/>
+                <a:ea typeface="DejaVu Sans"/>
               </a:rPr>
               <a:t>	</a:t>
             </a:r>
@@ -6984,6 +7357,7 @@
                   <a:srgbClr val="000000"/>
                 </a:solidFill>
                 <a:latin typeface="Arial"/>
+                <a:ea typeface="DejaVu Sans"/>
               </a:rPr>
               <a:t>   </a:t>
             </a:r>
@@ -6993,6 +7367,7 @@
                   <a:srgbClr val="000000"/>
                 </a:solidFill>
                 <a:latin typeface="Arial"/>
+                <a:ea typeface="DejaVu Sans"/>
               </a:rPr>
               <a:t>}</a:t>
             </a:r>
@@ -7012,6 +7387,7 @@
                   <a:srgbClr val="000000"/>
                 </a:solidFill>
                 <a:latin typeface="Arial"/>
+                <a:ea typeface="DejaVu Sans"/>
               </a:rPr>
               <a:t>        </a:t>
             </a:r>
@@ -7021,6 +7397,7 @@
                   <a:srgbClr val="000000"/>
                 </a:solidFill>
                 <a:latin typeface="Arial"/>
+                <a:ea typeface="DejaVu Sans"/>
               </a:rPr>
               <a:t>}</a:t>
             </a:r>
@@ -7040,6 +7417,7 @@
                   <a:srgbClr val="000000"/>
                 </a:solidFill>
                 <a:latin typeface="Arial"/>
+                <a:ea typeface="DejaVu Sans"/>
               </a:rPr>
               <a:t>}</a:t>
             </a:r>
@@ -7112,14 +7490,14 @@
       </p:grpSpPr>
       <p:sp>
         <p:nvSpPr>
-          <p:cNvPr id="119" name="TextShape 1"/>
-          <p:cNvSpPr txBox="1"/>
+          <p:cNvPr id="113" name="CustomShape 1"/>
+          <p:cNvSpPr/>
           <p:nvPr/>
         </p:nvSpPr>
         <p:spPr>
           <a:xfrm>
             <a:off x="545760" y="240480"/>
-            <a:ext cx="8789040" cy="399600"/>
+            <a:ext cx="8788320" cy="398880"/>
           </a:xfrm>
           <a:prstGeom prst="rect">
             <a:avLst/>
@@ -7129,6 +7507,12 @@
             <a:noFill/>
           </a:ln>
         </p:spPr>
+        <p:style>
+          <a:lnRef idx="0"/>
+          <a:fillRef idx="0"/>
+          <a:effectRef idx="0"/>
+          <a:fontRef idx="minor"/>
+        </p:style>
         <p:txBody>
           <a:bodyPr lIns="90000" rIns="90000" tIns="45000" bIns="45000" anchor="ctr">
             <a:noAutofit/>
@@ -7140,26 +7524,24 @@
               </a:lnSpc>
             </a:pPr>
             <a:r>
-              <a:rPr b="1" lang="ru-RU" sz="4000" spc="-1" strike="noStrike">
+              <a:rPr b="1" lang="en-US" sz="4000" spc="-1" strike="noStrike">
                 <a:solidFill>
                   <a:srgbClr val="263996"/>
                 </a:solidFill>
                 <a:latin typeface="Calibri"/>
+                <a:ea typeface="DejaVu Sans"/>
               </a:rPr>
               <a:t>Реализация: Сервер</a:t>
             </a:r>
-            <a:endParaRPr b="0" lang="ru-RU" sz="4000" spc="-1" strike="noStrike">
-              <a:solidFill>
-                <a:srgbClr val="000000"/>
-              </a:solidFill>
-              <a:latin typeface="Calibri"/>
+            <a:endParaRPr b="0" lang="en-US" sz="4000" spc="-1" strike="noStrike">
+              <a:latin typeface="Arial"/>
             </a:endParaRPr>
           </a:p>
         </p:txBody>
       </p:sp>
       <p:pic>
         <p:nvPicPr>
-          <p:cNvPr id="120" name="Объект 5" descr=""/>
+          <p:cNvPr id="114" name="Объект 5" descr=""/>
           <p:cNvPicPr/>
           <p:nvPr/>
         </p:nvPicPr>
@@ -7170,7 +7552,7 @@
         <p:spPr>
           <a:xfrm>
             <a:off x="914400" y="1138320"/>
-            <a:ext cx="6810120" cy="3619080"/>
+            <a:ext cx="6809400" cy="3618360"/>
           </a:xfrm>
           <a:prstGeom prst="rect">
             <a:avLst/>
@@ -7182,14 +7564,14 @@
       </p:pic>
       <p:sp>
         <p:nvSpPr>
-          <p:cNvPr id="121" name="CustomShape 2"/>
+          <p:cNvPr id="115" name="CustomShape 2"/>
           <p:cNvSpPr/>
           <p:nvPr/>
         </p:nvSpPr>
         <p:spPr>
           <a:xfrm>
             <a:off x="3389760" y="4573080"/>
-            <a:ext cx="1859040" cy="364680"/>
+            <a:ext cx="1858320" cy="363960"/>
           </a:xfrm>
           <a:prstGeom prst="rect">
             <a:avLst/>
@@ -7221,6 +7603,7 @@
                   <a:srgbClr val="000000"/>
                 </a:solidFill>
                 <a:latin typeface="Calibri"/>
+                <a:ea typeface="DejaVu Sans"/>
               </a:rPr>
               <a:t>Клиенты сервера</a:t>
             </a:r>
@@ -7232,14 +7615,14 @@
       </p:sp>
       <p:sp>
         <p:nvSpPr>
-          <p:cNvPr id="122" name="CustomShape 3"/>
+          <p:cNvPr id="116" name="CustomShape 3"/>
           <p:cNvSpPr/>
           <p:nvPr/>
         </p:nvSpPr>
         <p:spPr>
           <a:xfrm>
             <a:off x="8778240" y="4573080"/>
-            <a:ext cx="1788840" cy="364680"/>
+            <a:ext cx="1788120" cy="363960"/>
           </a:xfrm>
           <a:prstGeom prst="rect">
             <a:avLst/>
@@ -7271,6 +7654,7 @@
                   <a:srgbClr val="000000"/>
                 </a:solidFill>
                 <a:latin typeface="Calibri"/>
+                <a:ea typeface="DejaVu Sans"/>
               </a:rPr>
               <a:t>Модули сервера</a:t>
             </a:r>
@@ -7282,7 +7666,7 @@
       </p:sp>
       <p:pic>
         <p:nvPicPr>
-          <p:cNvPr id="123" name="" descr=""/>
+          <p:cNvPr id="117" name="" descr=""/>
           <p:cNvPicPr/>
           <p:nvPr/>
         </p:nvPicPr>
@@ -7293,7 +7677,7 @@
         <p:spPr>
           <a:xfrm>
             <a:off x="7724520" y="1138320"/>
-            <a:ext cx="3748680" cy="3551400"/>
+            <a:ext cx="3747960" cy="3550680"/>
           </a:xfrm>
           <a:prstGeom prst="rect">
             <a:avLst/>
@@ -7366,14 +7750,14 @@
       </p:grpSpPr>
       <p:sp>
         <p:nvSpPr>
-          <p:cNvPr id="124" name="TextShape 1"/>
-          <p:cNvSpPr txBox="1"/>
+          <p:cNvPr id="118" name="CustomShape 1"/>
+          <p:cNvSpPr/>
           <p:nvPr/>
         </p:nvSpPr>
         <p:spPr>
           <a:xfrm>
             <a:off x="545760" y="240480"/>
-            <a:ext cx="8789040" cy="399600"/>
+            <a:ext cx="8788320" cy="398880"/>
           </a:xfrm>
           <a:prstGeom prst="rect">
             <a:avLst/>
@@ -7383,6 +7767,12 @@
             <a:noFill/>
           </a:ln>
         </p:spPr>
+        <p:style>
+          <a:lnRef idx="0"/>
+          <a:fillRef idx="0"/>
+          <a:effectRef idx="0"/>
+          <a:fontRef idx="minor"/>
+        </p:style>
         <p:txBody>
           <a:bodyPr lIns="90000" rIns="90000" tIns="45000" bIns="45000" anchor="ctr">
             <a:noAutofit/>
@@ -7394,26 +7784,24 @@
               </a:lnSpc>
             </a:pPr>
             <a:r>
-              <a:rPr b="1" lang="ru-RU" sz="4000" spc="-1" strike="noStrike">
+              <a:rPr b="1" lang="en-US" sz="4000" spc="-1" strike="noStrike">
                 <a:solidFill>
                   <a:srgbClr val="263996"/>
                 </a:solidFill>
                 <a:latin typeface="Calibri"/>
+                <a:ea typeface="DejaVu Sans"/>
               </a:rPr>
               <a:t>Реализация: Передатчик</a:t>
             </a:r>
-            <a:endParaRPr b="0" lang="ru-RU" sz="4000" spc="-1" strike="noStrike">
-              <a:solidFill>
-                <a:srgbClr val="000000"/>
-              </a:solidFill>
-              <a:latin typeface="Calibri"/>
+            <a:endParaRPr b="0" lang="en-US" sz="4000" spc="-1" strike="noStrike">
+              <a:latin typeface="Arial"/>
             </a:endParaRPr>
           </a:p>
         </p:txBody>
       </p:sp>
       <p:pic>
         <p:nvPicPr>
-          <p:cNvPr id="125" name="Объект 3" descr=""/>
+          <p:cNvPr id="119" name="Объект 3" descr=""/>
           <p:cNvPicPr/>
           <p:nvPr/>
         </p:nvPicPr>
@@ -7424,7 +7812,7 @@
         <p:spPr>
           <a:xfrm>
             <a:off x="1828800" y="1554480"/>
-            <a:ext cx="4270320" cy="3174840"/>
+            <a:ext cx="4269600" cy="3174120"/>
           </a:xfrm>
           <a:prstGeom prst="rect">
             <a:avLst/>
@@ -7436,14 +7824,14 @@
       </p:pic>
       <p:sp>
         <p:nvSpPr>
-          <p:cNvPr id="126" name="CustomShape 2"/>
+          <p:cNvPr id="120" name="CustomShape 2"/>
           <p:cNvSpPr/>
           <p:nvPr/>
         </p:nvSpPr>
         <p:spPr>
           <a:xfrm>
             <a:off x="2734200" y="4729680"/>
-            <a:ext cx="2459520" cy="364680"/>
+            <a:ext cx="2458800" cy="363960"/>
           </a:xfrm>
           <a:prstGeom prst="rect">
             <a:avLst/>
@@ -7475,17 +7863,9 @@
                   <a:srgbClr val="000000"/>
                 </a:solidFill>
                 <a:latin typeface="Calibri"/>
-              </a:rPr>
-              <a:t>Готовый WiFi/BT </a:t>
-            </a:r>
-            <a:r>
-              <a:rPr b="0" lang="en-US" sz="1800" spc="-1" strike="noStrike">
-                <a:solidFill>
-                  <a:srgbClr val="000000"/>
-                </a:solidFill>
-                <a:latin typeface="Calibri"/>
-              </a:rPr>
-              <a:t>датчик</a:t>
+                <a:ea typeface="DejaVu Sans"/>
+              </a:rPr>
+              <a:t>Готовый WiFi/BT датчик</a:t>
             </a:r>
             <a:endParaRPr b="0" lang="en-US" sz="1800" spc="-1" strike="noStrike">
               <a:latin typeface="Arial"/>
@@ -7495,7 +7875,7 @@
       </p:sp>
       <p:pic>
         <p:nvPicPr>
-          <p:cNvPr id="127" name="Рисунок 5" descr=""/>
+          <p:cNvPr id="121" name="Рисунок 5" descr=""/>
           <p:cNvPicPr/>
           <p:nvPr/>
         </p:nvPicPr>
@@ -7506,7 +7886,7 @@
         <p:spPr>
           <a:xfrm>
             <a:off x="8046720" y="1005840"/>
-            <a:ext cx="2909160" cy="5212080"/>
+            <a:ext cx="2908440" cy="5211360"/>
           </a:xfrm>
           <a:prstGeom prst="rect">
             <a:avLst/>
@@ -7579,14 +7959,14 @@
       </p:grpSpPr>
       <p:sp>
         <p:nvSpPr>
-          <p:cNvPr id="128" name="TextShape 1"/>
-          <p:cNvSpPr txBox="1"/>
+          <p:cNvPr id="122" name="CustomShape 1"/>
+          <p:cNvSpPr/>
           <p:nvPr/>
         </p:nvSpPr>
         <p:spPr>
           <a:xfrm>
             <a:off x="545760" y="240480"/>
-            <a:ext cx="8789040" cy="399600"/>
+            <a:ext cx="8788320" cy="398880"/>
           </a:xfrm>
           <a:prstGeom prst="rect">
             <a:avLst/>
@@ -7596,6 +7976,12 @@
             <a:noFill/>
           </a:ln>
         </p:spPr>
+        <p:style>
+          <a:lnRef idx="0"/>
+          <a:fillRef idx="0"/>
+          <a:effectRef idx="0"/>
+          <a:fontRef idx="minor"/>
+        </p:style>
         <p:txBody>
           <a:bodyPr lIns="90000" rIns="90000" tIns="45000" bIns="45000" anchor="ctr">
             <a:noAutofit/>
@@ -7607,26 +7993,24 @@
               </a:lnSpc>
             </a:pPr>
             <a:r>
-              <a:rPr b="1" lang="ru-RU" sz="4000" spc="-1" strike="noStrike">
+              <a:rPr b="1" lang="en-US" sz="4000" spc="-1" strike="noStrike">
                 <a:solidFill>
                   <a:srgbClr val="263996"/>
                 </a:solidFill>
                 <a:latin typeface="Calibri"/>
+                <a:ea typeface="DejaVu Sans"/>
               </a:rPr>
               <a:t>Реализация: Диспетчер</a:t>
             </a:r>
-            <a:endParaRPr b="0" lang="ru-RU" sz="4000" spc="-1" strike="noStrike">
-              <a:solidFill>
-                <a:srgbClr val="000000"/>
-              </a:solidFill>
-              <a:latin typeface="Calibri"/>
+            <a:endParaRPr b="0" lang="en-US" sz="4000" spc="-1" strike="noStrike">
+              <a:latin typeface="Arial"/>
             </a:endParaRPr>
           </a:p>
         </p:txBody>
       </p:sp>
       <p:pic>
         <p:nvPicPr>
-          <p:cNvPr id="129" name="Объект 3" descr=""/>
+          <p:cNvPr id="123" name="Объект 3" descr=""/>
           <p:cNvPicPr/>
           <p:nvPr/>
         </p:nvPicPr>
@@ -7637,7 +8021,7 @@
         <p:spPr>
           <a:xfrm>
             <a:off x="731880" y="1920240"/>
-            <a:ext cx="10515240" cy="2562480"/>
+            <a:ext cx="10514520" cy="2561760"/>
           </a:xfrm>
           <a:prstGeom prst="rect">
             <a:avLst/>
@@ -7649,14 +8033,14 @@
       </p:pic>
       <p:sp>
         <p:nvSpPr>
-          <p:cNvPr id="130" name="CustomShape 2"/>
+          <p:cNvPr id="124" name="CustomShape 2"/>
           <p:cNvSpPr/>
           <p:nvPr/>
         </p:nvSpPr>
         <p:spPr>
           <a:xfrm>
             <a:off x="4635000" y="4483080"/>
-            <a:ext cx="2709360" cy="364680"/>
+            <a:ext cx="2708640" cy="363960"/>
           </a:xfrm>
           <a:prstGeom prst="rect">
             <a:avLst/>
@@ -7688,206 +8072,9 @@
                   <a:srgbClr val="000000"/>
                 </a:solidFill>
                 <a:latin typeface="Calibri"/>
-              </a:rPr>
-              <a:t>С</a:t>
-            </a:r>
-            <a:r>
-              <a:rPr b="0" lang="en-US" sz="1800" spc="-1" strike="noStrike">
-                <a:solidFill>
-                  <a:srgbClr val="000000"/>
-                </a:solidFill>
-                <a:latin typeface="Calibri"/>
-              </a:rPr>
-              <a:t>х</a:t>
-            </a:r>
-            <a:r>
-              <a:rPr b="0" lang="en-US" sz="1800" spc="-1" strike="noStrike">
-                <a:solidFill>
-                  <a:srgbClr val="000000"/>
-                </a:solidFill>
-                <a:latin typeface="Calibri"/>
-              </a:rPr>
-              <a:t>е</a:t>
-            </a:r>
-            <a:r>
-              <a:rPr b="0" lang="en-US" sz="1800" spc="-1" strike="noStrike">
-                <a:solidFill>
-                  <a:srgbClr val="000000"/>
-                </a:solidFill>
-                <a:latin typeface="Calibri"/>
-              </a:rPr>
-              <a:t>м</a:t>
-            </a:r>
-            <a:r>
-              <a:rPr b="0" lang="en-US" sz="1800" spc="-1" strike="noStrike">
-                <a:solidFill>
-                  <a:srgbClr val="000000"/>
-                </a:solidFill>
-                <a:latin typeface="Calibri"/>
-              </a:rPr>
-              <a:t>а</a:t>
-            </a:r>
-            <a:r>
-              <a:rPr b="0" lang="en-US" sz="1800" spc="-1" strike="noStrike">
-                <a:solidFill>
-                  <a:srgbClr val="000000"/>
-                </a:solidFill>
-                <a:latin typeface="Calibri"/>
-              </a:rPr>
-              <a:t> </a:t>
-            </a:r>
-            <a:r>
-              <a:rPr b="0" lang="en-US" sz="1800" spc="-1" strike="noStrike">
-                <a:solidFill>
-                  <a:srgbClr val="000000"/>
-                </a:solidFill>
-                <a:latin typeface="Calibri"/>
-              </a:rPr>
-              <a:t>р</a:t>
-            </a:r>
-            <a:r>
-              <a:rPr b="0" lang="en-US" sz="1800" spc="-1" strike="noStrike">
-                <a:solidFill>
-                  <a:srgbClr val="000000"/>
-                </a:solidFill>
-                <a:latin typeface="Calibri"/>
-              </a:rPr>
-              <a:t>а</a:t>
-            </a:r>
-            <a:r>
-              <a:rPr b="0" lang="en-US" sz="1800" spc="-1" strike="noStrike">
-                <a:solidFill>
-                  <a:srgbClr val="000000"/>
-                </a:solidFill>
-                <a:latin typeface="Calibri"/>
-              </a:rPr>
-              <a:t>б</a:t>
-            </a:r>
-            <a:r>
-              <a:rPr b="0" lang="en-US" sz="1800" spc="-1" strike="noStrike">
-                <a:solidFill>
-                  <a:srgbClr val="000000"/>
-                </a:solidFill>
-                <a:latin typeface="Calibri"/>
-              </a:rPr>
-              <a:t>о</a:t>
-            </a:r>
-            <a:r>
-              <a:rPr b="0" lang="en-US" sz="1800" spc="-1" strike="noStrike">
-                <a:solidFill>
-                  <a:srgbClr val="000000"/>
-                </a:solidFill>
-                <a:latin typeface="Calibri"/>
-              </a:rPr>
-              <a:t>т</a:t>
-            </a:r>
-            <a:r>
-              <a:rPr b="0" lang="en-US" sz="1800" spc="-1" strike="noStrike">
-                <a:solidFill>
-                  <a:srgbClr val="000000"/>
-                </a:solidFill>
-                <a:latin typeface="Calibri"/>
-              </a:rPr>
-              <a:t>ы</a:t>
-            </a:r>
-            <a:r>
-              <a:rPr b="0" lang="en-US" sz="1800" spc="-1" strike="noStrike">
-                <a:solidFill>
-                  <a:srgbClr val="000000"/>
-                </a:solidFill>
-                <a:latin typeface="Calibri"/>
-              </a:rPr>
-              <a:t> </a:t>
-            </a:r>
-            <a:r>
-              <a:rPr b="0" lang="en-US" sz="1800" spc="-1" strike="noStrike">
-                <a:solidFill>
-                  <a:srgbClr val="000000"/>
-                </a:solidFill>
-                <a:latin typeface="Calibri"/>
-              </a:rPr>
-              <a:t>д</a:t>
-            </a:r>
-            <a:r>
-              <a:rPr b="0" lang="en-US" sz="1800" spc="-1" strike="noStrike">
-                <a:solidFill>
-                  <a:srgbClr val="000000"/>
-                </a:solidFill>
-                <a:latin typeface="Calibri"/>
-              </a:rPr>
-              <a:t>и</a:t>
-            </a:r>
-            <a:r>
-              <a:rPr b="0" lang="en-US" sz="1800" spc="-1" strike="noStrike">
-                <a:solidFill>
-                  <a:srgbClr val="000000"/>
-                </a:solidFill>
-                <a:latin typeface="Calibri"/>
-              </a:rPr>
-              <a:t>с</a:t>
-            </a:r>
-            <a:r>
-              <a:rPr b="0" lang="en-US" sz="1800" spc="-1" strike="noStrike">
-                <a:solidFill>
-                  <a:srgbClr val="000000"/>
-                </a:solidFill>
-                <a:latin typeface="Calibri"/>
-              </a:rPr>
-              <a:t>п</a:t>
-            </a:r>
-            <a:r>
-              <a:rPr b="0" lang="en-US" sz="1800" spc="-1" strike="noStrike">
-                <a:solidFill>
-                  <a:srgbClr val="000000"/>
-                </a:solidFill>
-                <a:latin typeface="Calibri"/>
-              </a:rPr>
-              <a:t>е</a:t>
-            </a:r>
-            <a:r>
-              <a:rPr b="0" lang="en-US" sz="1800" spc="-1" strike="noStrike">
-                <a:solidFill>
-                  <a:srgbClr val="000000"/>
-                </a:solidFill>
-                <a:latin typeface="Calibri"/>
-              </a:rPr>
-              <a:t>т</a:t>
-            </a:r>
-            <a:r>
-              <a:rPr b="0" lang="en-US" sz="1800" spc="-1" strike="noStrike">
-                <a:solidFill>
-                  <a:srgbClr val="000000"/>
-                </a:solidFill>
-                <a:latin typeface="Calibri"/>
-              </a:rPr>
-              <a:t>ч</a:t>
-            </a:r>
-            <a:r>
-              <a:rPr b="0" lang="en-US" sz="1800" spc="-1" strike="noStrike">
-                <a:solidFill>
-                  <a:srgbClr val="000000"/>
-                </a:solidFill>
-                <a:latin typeface="Calibri"/>
-              </a:rPr>
-              <a:t>е</a:t>
-            </a:r>
-            <a:r>
-              <a:rPr b="0" lang="en-US" sz="1800" spc="-1" strike="noStrike">
-                <a:solidFill>
-                  <a:srgbClr val="000000"/>
-                </a:solidFill>
-                <a:latin typeface="Calibri"/>
-              </a:rPr>
-              <a:t>р</a:t>
-            </a:r>
-            <a:r>
-              <a:rPr b="0" lang="en-US" sz="1800" spc="-1" strike="noStrike">
-                <a:solidFill>
-                  <a:srgbClr val="000000"/>
-                </a:solidFill>
-                <a:latin typeface="Calibri"/>
-              </a:rPr>
-              <a:t>а</a:t>
+                <a:ea typeface="DejaVu Sans"/>
+              </a:rPr>
+              <a:t>Схема работы диспетчера</a:t>
             </a:r>
             <a:endParaRPr b="0" lang="en-US" sz="1800" spc="-1" strike="noStrike">
               <a:latin typeface="Arial"/>
@@ -7958,81 +8145,14 @@
       </p:grpSpPr>
       <p:sp>
         <p:nvSpPr>
-          <p:cNvPr id="131" name="TextShape 1"/>
-          <p:cNvSpPr txBox="1"/>
-          <p:nvPr/>
-        </p:nvSpPr>
-        <p:spPr>
-          <a:xfrm>
-            <a:off x="545760" y="240480"/>
-            <a:ext cx="8789040" cy="399600"/>
-          </a:xfrm>
-          <a:prstGeom prst="rect">
-            <a:avLst/>
-          </a:prstGeom>
-          <a:noFill/>
-          <a:ln>
-            <a:noFill/>
-          </a:ln>
-        </p:spPr>
-        <p:txBody>
-          <a:bodyPr lIns="90000" rIns="90000" tIns="45000" bIns="45000" anchor="ctr">
-            <a:noAutofit/>
-          </a:bodyPr>
-          <a:p>
-            <a:pPr>
-              <a:lnSpc>
-                <a:spcPct val="80000"/>
-              </a:lnSpc>
-            </a:pPr>
-            <a:r>
-              <a:rPr b="1" lang="ru-RU" sz="4000" spc="-1" strike="noStrike">
-                <a:solidFill>
-                  <a:srgbClr val="263996"/>
-                </a:solidFill>
-                <a:latin typeface="Calibri"/>
-              </a:rPr>
-              <a:t>Реализация: Веб-интерфейс</a:t>
-            </a:r>
-            <a:endParaRPr b="0" lang="ru-RU" sz="4000" spc="-1" strike="noStrike">
-              <a:solidFill>
-                <a:srgbClr val="000000"/>
-              </a:solidFill>
-              <a:latin typeface="Calibri"/>
-            </a:endParaRPr>
-          </a:p>
-        </p:txBody>
-      </p:sp>
-      <p:sp>
-        <p:nvSpPr>
-          <p:cNvPr id="132" name="TextShape 2"/>
-          <p:cNvSpPr txBox="1"/>
-          <p:nvPr/>
-        </p:nvSpPr>
-        <p:spPr>
-          <a:xfrm>
-            <a:off x="2560320" y="5943600"/>
-            <a:ext cx="180720" cy="346320"/>
-          </a:xfrm>
-          <a:prstGeom prst="rect">
-            <a:avLst/>
-          </a:prstGeom>
-          <a:noFill/>
-          <a:ln>
-            <a:noFill/>
-          </a:ln>
-        </p:spPr>
-      </p:sp>
-      <p:sp>
-        <p:nvSpPr>
-          <p:cNvPr id="133" name="CustomShape 3"/>
+          <p:cNvPr id="125" name="CustomShape 1"/>
           <p:cNvSpPr/>
           <p:nvPr/>
         </p:nvSpPr>
         <p:spPr>
           <a:xfrm>
-            <a:off x="1371600" y="5030280"/>
-            <a:ext cx="2904480" cy="364680"/>
+            <a:off x="545760" y="240480"/>
+            <a:ext cx="8788320" cy="398880"/>
           </a:xfrm>
           <a:prstGeom prst="rect">
             <a:avLst/>
@@ -8049,6 +8169,83 @@
           <a:fontRef idx="minor"/>
         </p:style>
         <p:txBody>
+          <a:bodyPr lIns="90000" rIns="90000" tIns="45000" bIns="45000" anchor="ctr">
+            <a:noAutofit/>
+          </a:bodyPr>
+          <a:p>
+            <a:pPr>
+              <a:lnSpc>
+                <a:spcPct val="80000"/>
+              </a:lnSpc>
+            </a:pPr>
+            <a:r>
+              <a:rPr b="1" lang="en-US" sz="4000" spc="-1" strike="noStrike">
+                <a:solidFill>
+                  <a:srgbClr val="263996"/>
+                </a:solidFill>
+                <a:latin typeface="Calibri"/>
+                <a:ea typeface="DejaVu Sans"/>
+              </a:rPr>
+              <a:t>Реализация: Веб-интерфейс</a:t>
+            </a:r>
+            <a:endParaRPr b="0" lang="en-US" sz="4000" spc="-1" strike="noStrike">
+              <a:latin typeface="Arial"/>
+            </a:endParaRPr>
+          </a:p>
+        </p:txBody>
+      </p:sp>
+      <p:sp>
+        <p:nvSpPr>
+          <p:cNvPr id="126" name="CustomShape 2"/>
+          <p:cNvSpPr/>
+          <p:nvPr/>
+        </p:nvSpPr>
+        <p:spPr>
+          <a:xfrm>
+            <a:off x="2560320" y="5943600"/>
+            <a:ext cx="180000" cy="345600"/>
+          </a:xfrm>
+          <a:prstGeom prst="rect">
+            <a:avLst/>
+          </a:prstGeom>
+          <a:noFill/>
+          <a:ln>
+            <a:noFill/>
+          </a:ln>
+        </p:spPr>
+        <p:style>
+          <a:lnRef idx="0"/>
+          <a:fillRef idx="0"/>
+          <a:effectRef idx="0"/>
+          <a:fontRef idx="minor"/>
+        </p:style>
+      </p:sp>
+      <p:sp>
+        <p:nvSpPr>
+          <p:cNvPr id="127" name="CustomShape 3"/>
+          <p:cNvSpPr/>
+          <p:nvPr/>
+        </p:nvSpPr>
+        <p:spPr>
+          <a:xfrm>
+            <a:off x="1371600" y="5030280"/>
+            <a:ext cx="2904480" cy="363960"/>
+          </a:xfrm>
+          <a:prstGeom prst="rect">
+            <a:avLst/>
+          </a:prstGeom>
+          <a:noFill/>
+          <a:ln>
+            <a:noFill/>
+          </a:ln>
+        </p:spPr>
+        <p:style>
+          <a:lnRef idx="0"/>
+          <a:fillRef idx="0"/>
+          <a:effectRef idx="0"/>
+          <a:fontRef idx="minor"/>
+        </p:style>
+        <p:txBody>
           <a:bodyPr wrap="none" lIns="90000" rIns="90000" tIns="45000" bIns="45000">
             <a:spAutoFit/>
           </a:bodyPr>
@@ -8064,6 +8261,7 @@
                   <a:srgbClr val="000000"/>
                 </a:solidFill>
                 <a:latin typeface="Calibri"/>
+                <a:ea typeface="DejaVu Sans"/>
               </a:rPr>
               <a:t>Общий вид веб-интерфейса</a:t>
             </a:r>
@@ -8075,7 +8273,7 @@
       </p:sp>
       <p:pic>
         <p:nvPicPr>
-          <p:cNvPr id="134" name="" descr=""/>
+          <p:cNvPr id="128" name="" descr=""/>
           <p:cNvPicPr/>
           <p:nvPr/>
         </p:nvPicPr>
@@ -8086,7 +8284,7 @@
         <p:spPr>
           <a:xfrm>
             <a:off x="6035040" y="1097280"/>
-            <a:ext cx="5831640" cy="3383280"/>
+            <a:ext cx="5830920" cy="3382560"/>
           </a:xfrm>
           <a:prstGeom prst="rect">
             <a:avLst/>
@@ -8098,14 +8296,14 @@
       </p:pic>
       <p:sp>
         <p:nvSpPr>
-          <p:cNvPr id="135" name="TextShape 4"/>
-          <p:cNvSpPr txBox="1"/>
+          <p:cNvPr id="129" name="CustomShape 4"/>
+          <p:cNvSpPr/>
           <p:nvPr/>
         </p:nvSpPr>
         <p:spPr>
           <a:xfrm>
             <a:off x="7406640" y="4617360"/>
-            <a:ext cx="3200400" cy="320400"/>
+            <a:ext cx="3199680" cy="363960"/>
           </a:xfrm>
           <a:prstGeom prst="rect">
             <a:avLst/>
@@ -8115,17 +8313,29 @@
             <a:noFill/>
           </a:ln>
         </p:spPr>
+        <p:style>
+          <a:lnRef idx="0"/>
+          <a:fillRef idx="0"/>
+          <a:effectRef idx="0"/>
+          <a:fontRef idx="minor"/>
+        </p:style>
         <p:txBody>
           <a:bodyPr lIns="90000" rIns="90000" tIns="45000" bIns="45000">
             <a:spAutoFit/>
           </a:bodyPr>
           <a:p>
-            <a:r>
-              <a:rPr b="0" lang="ru-RU" sz="1800" spc="-1" strike="noStrike">
+            <a:pPr>
+              <a:lnSpc>
+                <a:spcPct val="100000"/>
+              </a:lnSpc>
+            </a:pPr>
+            <a:r>
+              <a:rPr b="0" lang="en-US" sz="1800" spc="-1" strike="noStrike">
                 <a:solidFill>
                   <a:srgbClr val="000000"/>
                 </a:solidFill>
                 <a:latin typeface="Calibri"/>
+                <a:ea typeface="DejaVu Sans"/>
               </a:rPr>
               <a:t>Окно редактирования данных</a:t>
             </a:r>
@@ -8137,7 +8347,7 @@
       </p:sp>
       <p:pic>
         <p:nvPicPr>
-          <p:cNvPr id="136" name="" descr=""/>
+          <p:cNvPr id="130" name="" descr=""/>
           <p:cNvPicPr/>
           <p:nvPr/>
         </p:nvPicPr>
@@ -8148,7 +8358,7 @@
         <p:spPr>
           <a:xfrm>
             <a:off x="274320" y="1097280"/>
-            <a:ext cx="5657040" cy="3931920"/>
+            <a:ext cx="5656320" cy="3931200"/>
           </a:xfrm>
           <a:prstGeom prst="rect">
             <a:avLst/>
@@ -8221,14 +8431,14 @@
       </p:grpSpPr>
       <p:sp>
         <p:nvSpPr>
-          <p:cNvPr id="137" name="TextShape 1"/>
-          <p:cNvSpPr txBox="1"/>
+          <p:cNvPr id="131" name="CustomShape 1"/>
+          <p:cNvSpPr/>
           <p:nvPr/>
         </p:nvSpPr>
         <p:spPr>
           <a:xfrm>
             <a:off x="545760" y="252720"/>
-            <a:ext cx="8789040" cy="399600"/>
+            <a:ext cx="8788320" cy="398880"/>
           </a:xfrm>
           <a:prstGeom prst="rect">
             <a:avLst/>
@@ -8238,6 +8448,12 @@
             <a:noFill/>
           </a:ln>
         </p:spPr>
+        <p:style>
+          <a:lnRef idx="0"/>
+          <a:fillRef idx="0"/>
+          <a:effectRef idx="0"/>
+          <a:fontRef idx="minor"/>
+        </p:style>
         <p:txBody>
           <a:bodyPr lIns="90000" rIns="90000" tIns="45000" bIns="45000" anchor="ctr">
             <a:noAutofit/>
@@ -8249,26 +8465,24 @@
               </a:lnSpc>
             </a:pPr>
             <a:r>
-              <a:rPr b="1" lang="ru-RU" sz="4000" spc="-1" strike="noStrike">
+              <a:rPr b="1" lang="en-US" sz="4000" spc="-1" strike="noStrike">
                 <a:solidFill>
                   <a:srgbClr val="263996"/>
                 </a:solidFill>
                 <a:latin typeface="Calibri"/>
+                <a:ea typeface="DejaVu Sans"/>
               </a:rPr>
               <a:t>Локализация: Трилатерация</a:t>
             </a:r>
-            <a:endParaRPr b="0" lang="ru-RU" sz="4000" spc="-1" strike="noStrike">
-              <a:solidFill>
-                <a:srgbClr val="000000"/>
-              </a:solidFill>
-              <a:latin typeface="Calibri"/>
+            <a:endParaRPr b="0" lang="en-US" sz="4000" spc="-1" strike="noStrike">
+              <a:latin typeface="Arial"/>
             </a:endParaRPr>
           </a:p>
         </p:txBody>
       </p:sp>
       <p:pic>
         <p:nvPicPr>
-          <p:cNvPr id="138" name="" descr=""/>
+          <p:cNvPr id="132" name="" descr=""/>
           <p:cNvPicPr/>
           <p:nvPr/>
         </p:nvPicPr>
@@ -8279,7 +8493,7 @@
         <p:spPr>
           <a:xfrm>
             <a:off x="274320" y="914400"/>
-            <a:ext cx="4846320" cy="4872960"/>
+            <a:ext cx="4845600" cy="4872240"/>
           </a:xfrm>
           <a:prstGeom prst="rect">
             <a:avLst/>
@@ -8291,7 +8505,7 @@
       </p:pic>
       <p:pic>
         <p:nvPicPr>
-          <p:cNvPr id="139" name="" descr=""/>
+          <p:cNvPr id="133" name="" descr=""/>
           <p:cNvPicPr/>
           <p:nvPr/>
         </p:nvPicPr>
@@ -8302,7 +8516,7 @@
         <p:spPr>
           <a:xfrm>
             <a:off x="5303520" y="1645920"/>
-            <a:ext cx="6581520" cy="3749040"/>
+            <a:ext cx="6580800" cy="3748320"/>
           </a:xfrm>
           <a:prstGeom prst="rect">
             <a:avLst/>
@@ -8314,14 +8528,14 @@
       </p:pic>
       <p:sp>
         <p:nvSpPr>
-          <p:cNvPr id="140" name="TextShape 2"/>
-          <p:cNvSpPr txBox="1"/>
+          <p:cNvPr id="134" name="CustomShape 2"/>
+          <p:cNvSpPr/>
           <p:nvPr/>
         </p:nvSpPr>
         <p:spPr>
           <a:xfrm>
             <a:off x="1828800" y="5577840"/>
-            <a:ext cx="2286000" cy="320400"/>
+            <a:ext cx="2285280" cy="363960"/>
           </a:xfrm>
           <a:prstGeom prst="rect">
             <a:avLst/>
@@ -8331,17 +8545,29 @@
             <a:noFill/>
           </a:ln>
         </p:spPr>
+        <p:style>
+          <a:lnRef idx="0"/>
+          <a:fillRef idx="0"/>
+          <a:effectRef idx="0"/>
+          <a:fontRef idx="minor"/>
+        </p:style>
         <p:txBody>
           <a:bodyPr lIns="90000" rIns="90000" tIns="45000" bIns="45000">
             <a:spAutoFit/>
           </a:bodyPr>
           <a:p>
-            <a:r>
-              <a:rPr b="0" lang="ru-RU" sz="1800" spc="-1" strike="noStrike">
+            <a:pPr>
+              <a:lnSpc>
+                <a:spcPct val="100000"/>
+              </a:lnSpc>
+            </a:pPr>
+            <a:r>
+              <a:rPr b="0" lang="en-US" sz="1800" spc="-1" strike="noStrike">
                 <a:solidFill>
                   <a:srgbClr val="000000"/>
                 </a:solidFill>
                 <a:latin typeface="Calibri"/>
+                <a:ea typeface="DejaVu Sans"/>
               </a:rPr>
               <a:t>Задача трилатерации</a:t>
             </a:r>
